--- a/Jour1/03 Premiers pas/03_Premier_pas_AngularJS.pptx
+++ b/Jour1/03 Premiers pas/03_Premier_pas_AngularJS.pptx
@@ -5,31 +5,33 @@
     <p:sldMasterId id="2147483648" r:id="rId1"/>
   </p:sldMasterIdLst>
   <p:notesMasterIdLst>
-    <p:notesMasterId r:id="rId21"/>
+    <p:notesMasterId r:id="rId23"/>
   </p:notesMasterIdLst>
   <p:handoutMasterIdLst>
-    <p:handoutMasterId r:id="rId22"/>
+    <p:handoutMasterId r:id="rId24"/>
   </p:handoutMasterIdLst>
   <p:sldIdLst>
-    <p:sldId id="563" r:id="rId2"/>
-    <p:sldId id="446" r:id="rId3"/>
-    <p:sldId id="447" r:id="rId4"/>
-    <p:sldId id="448" r:id="rId5"/>
-    <p:sldId id="500" r:id="rId6"/>
-    <p:sldId id="449" r:id="rId7"/>
-    <p:sldId id="515" r:id="rId8"/>
-    <p:sldId id="450" r:id="rId9"/>
-    <p:sldId id="520" r:id="rId10"/>
-    <p:sldId id="451" r:id="rId11"/>
-    <p:sldId id="452" r:id="rId12"/>
-    <p:sldId id="426" r:id="rId13"/>
-    <p:sldId id="445" r:id="rId14"/>
-    <p:sldId id="459" r:id="rId15"/>
-    <p:sldId id="521" r:id="rId16"/>
-    <p:sldId id="522" r:id="rId17"/>
-    <p:sldId id="516" r:id="rId18"/>
-    <p:sldId id="461" r:id="rId19"/>
-    <p:sldId id="490" r:id="rId20"/>
+    <p:sldId id="565" r:id="rId2"/>
+    <p:sldId id="564" r:id="rId3"/>
+    <p:sldId id="563" r:id="rId4"/>
+    <p:sldId id="446" r:id="rId5"/>
+    <p:sldId id="447" r:id="rId6"/>
+    <p:sldId id="448" r:id="rId7"/>
+    <p:sldId id="500" r:id="rId8"/>
+    <p:sldId id="449" r:id="rId9"/>
+    <p:sldId id="515" r:id="rId10"/>
+    <p:sldId id="450" r:id="rId11"/>
+    <p:sldId id="520" r:id="rId12"/>
+    <p:sldId id="451" r:id="rId13"/>
+    <p:sldId id="452" r:id="rId14"/>
+    <p:sldId id="426" r:id="rId15"/>
+    <p:sldId id="445" r:id="rId16"/>
+    <p:sldId id="459" r:id="rId17"/>
+    <p:sldId id="521" r:id="rId18"/>
+    <p:sldId id="522" r:id="rId19"/>
+    <p:sldId id="516" r:id="rId20"/>
+    <p:sldId id="461" r:id="rId21"/>
+    <p:sldId id="490" r:id="rId22"/>
   </p:sldIdLst>
   <p:sldSz cx="9144000" cy="6858000" type="screen4x3"/>
   <p:notesSz cx="7104063" cy="10234613"/>
@@ -300,7 +302,7 @@
             <a:fld id="{87731427-D242-475D-9180-8940013A50B8}" type="datetimeFigureOut">
               <a:rPr lang="en-GB" smtClean="0"/>
               <a:pPr algn="l"/>
-              <a:t>04/11/2016</a:t>
+              <a:t>16/11/2016</a:t>
             </a:fld>
             <a:endParaRPr lang="en-GB" dirty="0"/>
           </a:p>
@@ -505,7 +507,7 @@
             <a:fld id="{BA521D56-F1F4-41A0-82EB-989F4F6F400D}" type="datetimeFigureOut">
               <a:rPr lang="fr-FR" smtClean="0"/>
               <a:pPr/>
-              <a:t>04/11/2016</a:t>
+              <a:t>16/11/2016</a:t>
             </a:fld>
             <a:endParaRPr lang="fr-FR"/>
           </a:p>
@@ -980,12 +982,8 @@
           <a:lstStyle/>
           <a:p>
             <a:r>
-              <a:rPr lang="en-GB" sz="1100" dirty="0"/>
-              <a:t>Titre de la </a:t>
-            </a:r>
-            <a:r>
-              <a:rPr lang="en-GB" sz="1100" dirty="0" err="1"/>
-              <a:t>présentation</a:t>
+              <a:rPr lang="en-GB" sz="1100" smtClean="0"/>
+              <a:t>Titre de la présentation</a:t>
             </a:r>
             <a:endParaRPr lang="en-GB" sz="1100" dirty="0"/>
           </a:p>
@@ -1009,7 +1007,7 @@
             <a:fld id="{305287CA-3E72-4A91-B59B-B69F40801570}" type="slidenum">
               <a:rPr lang="en-GB" sz="1100" smtClean="0"/>
               <a:pPr/>
-              <a:t>5</a:t>
+              <a:t>2</a:t>
             </a:fld>
             <a:endParaRPr lang="en-GB" sz="1100" dirty="0"/>
           </a:p>
@@ -1030,10 +1028,10 @@
           <a:bodyPr/>
           <a:lstStyle/>
           <a:p>
-            <a:fld id="{CEEEE294-B79F-4A25-95D8-F3C9F64C4822}" type="datetime1">
+            <a:fld id="{973B10A7-8A2B-4F39-8160-83B51E5E9C07}" type="datetime1">
               <a:rPr lang="fr-FR" smtClean="0"/>
               <a:pPr/>
-              <a:t>04/11/2016</a:t>
+              <a:t>16/11/2016</a:t>
             </a:fld>
             <a:endParaRPr lang="fr-FR"/>
           </a:p>
@@ -1042,7 +1040,7 @@
     </p:spTree>
     <p:extLst>
       <p:ext uri="{BB962C8B-B14F-4D97-AF65-F5344CB8AC3E}">
-        <p14:creationId xmlns:p14="http://schemas.microsoft.com/office/powerpoint/2010/main" val="4081639851"/>
+        <p14:creationId xmlns:p14="http://schemas.microsoft.com/office/powerpoint/2010/main" val="3734494851"/>
       </p:ext>
     </p:extLst>
   </p:cSld>
@@ -1145,7 +1143,7 @@
             <a:fld id="{305287CA-3E72-4A91-B59B-B69F40801570}" type="slidenum">
               <a:rPr lang="en-GB" sz="1100" smtClean="0"/>
               <a:pPr/>
-              <a:t>12</a:t>
+              <a:t>7</a:t>
             </a:fld>
             <a:endParaRPr lang="en-GB" sz="1100" dirty="0"/>
           </a:p>
@@ -1166,10 +1164,10 @@
           <a:bodyPr/>
           <a:lstStyle/>
           <a:p>
-            <a:fld id="{973B10A7-8A2B-4F39-8160-83B51E5E9C07}" type="datetime1">
+            <a:fld id="{CEEEE294-B79F-4A25-95D8-F3C9F64C4822}" type="datetime1">
               <a:rPr lang="fr-FR" smtClean="0"/>
               <a:pPr/>
-              <a:t>04/11/2016</a:t>
+              <a:t>16/11/2016</a:t>
             </a:fld>
             <a:endParaRPr lang="fr-FR"/>
           </a:p>
@@ -1178,7 +1176,7 @@
     </p:spTree>
     <p:extLst>
       <p:ext uri="{BB962C8B-B14F-4D97-AF65-F5344CB8AC3E}">
-        <p14:creationId xmlns:p14="http://schemas.microsoft.com/office/powerpoint/2010/main" val="185757619"/>
+        <p14:creationId xmlns:p14="http://schemas.microsoft.com/office/powerpoint/2010/main" val="4081639851"/>
       </p:ext>
     </p:extLst>
   </p:cSld>
@@ -1281,7 +1279,7 @@
             <a:fld id="{305287CA-3E72-4A91-B59B-B69F40801570}" type="slidenum">
               <a:rPr lang="en-GB" sz="1100" smtClean="0"/>
               <a:pPr/>
-              <a:t>13</a:t>
+              <a:t>14</a:t>
             </a:fld>
             <a:endParaRPr lang="en-GB" sz="1100" dirty="0"/>
           </a:p>
@@ -1302,10 +1300,10 @@
           <a:bodyPr/>
           <a:lstStyle/>
           <a:p>
-            <a:fld id="{CEEEE294-B79F-4A25-95D8-F3C9F64C4822}" type="datetime1">
+            <a:fld id="{973B10A7-8A2B-4F39-8160-83B51E5E9C07}" type="datetime1">
               <a:rPr lang="fr-FR" smtClean="0"/>
               <a:pPr/>
-              <a:t>04/11/2016</a:t>
+              <a:t>16/11/2016</a:t>
             </a:fld>
             <a:endParaRPr lang="fr-FR"/>
           </a:p>
@@ -1314,7 +1312,7 @@
     </p:spTree>
     <p:extLst>
       <p:ext uri="{BB962C8B-B14F-4D97-AF65-F5344CB8AC3E}">
-        <p14:creationId xmlns:p14="http://schemas.microsoft.com/office/powerpoint/2010/main" val="4081639851"/>
+        <p14:creationId xmlns:p14="http://schemas.microsoft.com/office/powerpoint/2010/main" val="185757619"/>
       </p:ext>
     </p:extLst>
   </p:cSld>
@@ -1417,7 +1415,7 @@
             <a:fld id="{305287CA-3E72-4A91-B59B-B69F40801570}" type="slidenum">
               <a:rPr lang="en-GB" sz="1100" smtClean="0"/>
               <a:pPr/>
-              <a:t>14</a:t>
+              <a:t>15</a:t>
             </a:fld>
             <a:endParaRPr lang="en-GB" sz="1100" dirty="0"/>
           </a:p>
@@ -1438,10 +1436,10 @@
           <a:bodyPr/>
           <a:lstStyle/>
           <a:p>
-            <a:fld id="{973B10A7-8A2B-4F39-8160-83B51E5E9C07}" type="datetime1">
+            <a:fld id="{CEEEE294-B79F-4A25-95D8-F3C9F64C4822}" type="datetime1">
               <a:rPr lang="fr-FR" smtClean="0"/>
               <a:pPr/>
-              <a:t>04/11/2016</a:t>
+              <a:t>16/11/2016</a:t>
             </a:fld>
             <a:endParaRPr lang="fr-FR"/>
           </a:p>
@@ -1450,7 +1448,7 @@
     </p:spTree>
     <p:extLst>
       <p:ext uri="{BB962C8B-B14F-4D97-AF65-F5344CB8AC3E}">
-        <p14:creationId xmlns:p14="http://schemas.microsoft.com/office/powerpoint/2010/main" val="185757619"/>
+        <p14:creationId xmlns:p14="http://schemas.microsoft.com/office/powerpoint/2010/main" val="4081639851"/>
       </p:ext>
     </p:extLst>
   </p:cSld>
@@ -1553,7 +1551,7 @@
             <a:fld id="{305287CA-3E72-4A91-B59B-B69F40801570}" type="slidenum">
               <a:rPr lang="en-GB" sz="1100" smtClean="0"/>
               <a:pPr/>
-              <a:t>15</a:t>
+              <a:t>16</a:t>
             </a:fld>
             <a:endParaRPr lang="en-GB" sz="1100" dirty="0"/>
           </a:p>
@@ -1577,7 +1575,7 @@
             <a:fld id="{973B10A7-8A2B-4F39-8160-83B51E5E9C07}" type="datetime1">
               <a:rPr lang="fr-FR" smtClean="0"/>
               <a:pPr/>
-              <a:t>04/11/2016</a:t>
+              <a:t>16/11/2016</a:t>
             </a:fld>
             <a:endParaRPr lang="fr-FR"/>
           </a:p>
@@ -1689,7 +1687,7 @@
             <a:fld id="{305287CA-3E72-4A91-B59B-B69F40801570}" type="slidenum">
               <a:rPr lang="en-GB" sz="1100" smtClean="0"/>
               <a:pPr/>
-              <a:t>16</a:t>
+              <a:t>17</a:t>
             </a:fld>
             <a:endParaRPr lang="en-GB" sz="1100" dirty="0"/>
           </a:p>
@@ -1710,10 +1708,10 @@
           <a:bodyPr/>
           <a:lstStyle/>
           <a:p>
-            <a:fld id="{CEEEE294-B79F-4A25-95D8-F3C9F64C4822}" type="datetime1">
+            <a:fld id="{973B10A7-8A2B-4F39-8160-83B51E5E9C07}" type="datetime1">
               <a:rPr lang="fr-FR" smtClean="0"/>
               <a:pPr/>
-              <a:t>04/11/2016</a:t>
+              <a:t>16/11/2016</a:t>
             </a:fld>
             <a:endParaRPr lang="fr-FR"/>
           </a:p>
@@ -1722,7 +1720,7 @@
     </p:spTree>
     <p:extLst>
       <p:ext uri="{BB962C8B-B14F-4D97-AF65-F5344CB8AC3E}">
-        <p14:creationId xmlns:p14="http://schemas.microsoft.com/office/powerpoint/2010/main" val="4081639851"/>
+        <p14:creationId xmlns:p14="http://schemas.microsoft.com/office/powerpoint/2010/main" val="185757619"/>
       </p:ext>
     </p:extLst>
   </p:cSld>
@@ -1846,10 +1844,10 @@
           <a:bodyPr/>
           <a:lstStyle/>
           <a:p>
-            <a:fld id="{973B10A7-8A2B-4F39-8160-83B51E5E9C07}" type="datetime1">
+            <a:fld id="{CEEEE294-B79F-4A25-95D8-F3C9F64C4822}" type="datetime1">
               <a:rPr lang="fr-FR" smtClean="0"/>
               <a:pPr/>
-              <a:t>04/11/2016</a:t>
+              <a:t>16/11/2016</a:t>
             </a:fld>
             <a:endParaRPr lang="fr-FR"/>
           </a:p>
@@ -1858,7 +1856,7 @@
     </p:spTree>
     <p:extLst>
       <p:ext uri="{BB962C8B-B14F-4D97-AF65-F5344CB8AC3E}">
-        <p14:creationId xmlns:p14="http://schemas.microsoft.com/office/powerpoint/2010/main" val="185757619"/>
+        <p14:creationId xmlns:p14="http://schemas.microsoft.com/office/powerpoint/2010/main" val="4081639851"/>
       </p:ext>
     </p:extLst>
   </p:cSld>
@@ -1961,7 +1959,7 @@
             <a:fld id="{305287CA-3E72-4A91-B59B-B69F40801570}" type="slidenum">
               <a:rPr lang="en-GB" sz="1100" smtClean="0"/>
               <a:pPr/>
-              <a:t>19</a:t>
+              <a:t>20</a:t>
             </a:fld>
             <a:endParaRPr lang="en-GB" sz="1100" dirty="0"/>
           </a:p>
@@ -1985,7 +1983,143 @@
             <a:fld id="{973B10A7-8A2B-4F39-8160-83B51E5E9C07}" type="datetime1">
               <a:rPr lang="fr-FR" smtClean="0"/>
               <a:pPr/>
-              <a:t>04/11/2016</a:t>
+              <a:t>16/11/2016</a:t>
+            </a:fld>
+            <a:endParaRPr lang="fr-FR"/>
+          </a:p>
+        </p:txBody>
+      </p:sp>
+    </p:spTree>
+    <p:extLst>
+      <p:ext uri="{BB962C8B-B14F-4D97-AF65-F5344CB8AC3E}">
+        <p14:creationId xmlns:p14="http://schemas.microsoft.com/office/powerpoint/2010/main" val="185757619"/>
+      </p:ext>
+    </p:extLst>
+  </p:cSld>
+  <p:clrMapOvr>
+    <a:masterClrMapping/>
+  </p:clrMapOvr>
+</p:notes>
+</file>
+
+<file path=ppt/notesSlides/notesSlide9.xml><?xml version="1.0" encoding="utf-8"?>
+<p:notes xmlns:a="http://schemas.openxmlformats.org/drawingml/2006/main" xmlns:r="http://schemas.openxmlformats.org/officeDocument/2006/relationships" xmlns:p="http://schemas.openxmlformats.org/presentationml/2006/main">
+  <p:cSld>
+    <p:spTree>
+      <p:nvGrpSpPr>
+        <p:cNvPr id="1" name=""/>
+        <p:cNvGrpSpPr/>
+        <p:nvPr/>
+      </p:nvGrpSpPr>
+      <p:grpSpPr>
+        <a:xfrm>
+          <a:off x="0" y="0"/>
+          <a:ext cx="0" cy="0"/>
+          <a:chOff x="0" y="0"/>
+          <a:chExt cx="0" cy="0"/>
+        </a:xfrm>
+      </p:grpSpPr>
+      <p:sp>
+        <p:nvSpPr>
+          <p:cNvPr id="10" name="Espace réservé de l'image des diapositives 9"/>
+          <p:cNvSpPr>
+            <a:spLocks noGrp="1" noRot="1" noChangeAspect="1"/>
+          </p:cNvSpPr>
+          <p:nvPr>
+            <p:ph type="sldImg"/>
+          </p:nvPr>
+        </p:nvSpPr>
+        <p:spPr/>
+      </p:sp>
+      <p:sp>
+        <p:nvSpPr>
+          <p:cNvPr id="11" name="Espace réservé des commentaires 10"/>
+          <p:cNvSpPr>
+            <a:spLocks noGrp="1"/>
+          </p:cNvSpPr>
+          <p:nvPr>
+            <p:ph type="body" idx="1"/>
+          </p:nvPr>
+        </p:nvSpPr>
+        <p:spPr/>
+        <p:txBody>
+          <a:bodyPr/>
+          <a:lstStyle/>
+          <a:p>
+            <a:endParaRPr lang="fr-FR"/>
+          </a:p>
+        </p:txBody>
+      </p:sp>
+      <p:sp>
+        <p:nvSpPr>
+          <p:cNvPr id="14" name="Espace réservé du pied de page 13"/>
+          <p:cNvSpPr>
+            <a:spLocks noGrp="1"/>
+          </p:cNvSpPr>
+          <p:nvPr>
+            <p:ph type="ftr" sz="quarter" idx="12"/>
+          </p:nvPr>
+        </p:nvSpPr>
+        <p:spPr/>
+        <p:txBody>
+          <a:bodyPr/>
+          <a:lstStyle/>
+          <a:p>
+            <a:r>
+              <a:rPr lang="en-GB" sz="1100" dirty="0"/>
+              <a:t>Titre de la </a:t>
+            </a:r>
+            <a:r>
+              <a:rPr lang="en-GB" sz="1100" dirty="0" err="1"/>
+              <a:t>présentation</a:t>
+            </a:r>
+            <a:endParaRPr lang="en-GB" sz="1100" dirty="0"/>
+          </a:p>
+        </p:txBody>
+      </p:sp>
+      <p:sp>
+        <p:nvSpPr>
+          <p:cNvPr id="15" name="Espace réservé du numéro de diapositive 14"/>
+          <p:cNvSpPr>
+            <a:spLocks noGrp="1"/>
+          </p:cNvSpPr>
+          <p:nvPr>
+            <p:ph type="sldNum" sz="quarter" idx="13"/>
+          </p:nvPr>
+        </p:nvSpPr>
+        <p:spPr/>
+        <p:txBody>
+          <a:bodyPr/>
+          <a:lstStyle/>
+          <a:p>
+            <a:fld id="{305287CA-3E72-4A91-B59B-B69F40801570}" type="slidenum">
+              <a:rPr lang="en-GB" sz="1100" smtClean="0"/>
+              <a:pPr/>
+              <a:t>21</a:t>
+            </a:fld>
+            <a:endParaRPr lang="en-GB" sz="1100" dirty="0"/>
+          </a:p>
+        </p:txBody>
+      </p:sp>
+      <p:sp>
+        <p:nvSpPr>
+          <p:cNvPr id="2" name="Espace réservé de la date 1"/>
+          <p:cNvSpPr>
+            <a:spLocks noGrp="1"/>
+          </p:cNvSpPr>
+          <p:nvPr>
+            <p:ph type="dt" idx="14"/>
+          </p:nvPr>
+        </p:nvSpPr>
+        <p:spPr/>
+        <p:txBody>
+          <a:bodyPr/>
+          <a:lstStyle/>
+          <a:p>
+            <a:fld id="{973B10A7-8A2B-4F39-8160-83B51E5E9C07}" type="datetime1">
+              <a:rPr lang="fr-FR" smtClean="0"/>
+              <a:pPr/>
+              <a:t>16/11/2016</a:t>
             </a:fld>
             <a:endParaRPr lang="fr-FR"/>
           </a:p>
@@ -9714,185 +9848,12 @@
       </p:grpSpPr>
       <p:sp>
         <p:nvSpPr>
-          <p:cNvPr id="2" name="Espace réservé du contenu 1"/>
-          <p:cNvSpPr>
-            <a:spLocks noGrp="1"/>
-          </p:cNvSpPr>
-          <p:nvPr>
-            <p:ph idx="1"/>
-          </p:nvPr>
-        </p:nvSpPr>
-        <p:spPr>
-          <a:xfrm>
-            <a:off x="515938" y="1255704"/>
-            <a:ext cx="8088511" cy="4681537"/>
-          </a:xfrm>
-        </p:spPr>
-        <p:txBody>
-          <a:bodyPr/>
-          <a:lstStyle/>
-          <a:p>
-            <a:r>
-              <a:rPr lang="fr-FR" dirty="0"/>
-              <a:t>Récupérer angular.js depuis le site web</a:t>
-            </a:r>
-          </a:p>
-          <a:p>
-            <a:r>
-              <a:rPr lang="fr-FR" dirty="0"/>
-              <a:t>2 conditions sur une page html :</a:t>
-            </a:r>
-          </a:p>
-          <a:p>
-            <a:pPr lvl="1"/>
-            <a:r>
-              <a:rPr lang="fr-FR" dirty="0"/>
-              <a:t>Ajouter angular.js dans une balise script</a:t>
-            </a:r>
-          </a:p>
-          <a:p>
-            <a:pPr lvl="1"/>
-            <a:endParaRPr lang="fr-FR" dirty="0"/>
-          </a:p>
-          <a:p>
-            <a:pPr lvl="1"/>
-            <a:endParaRPr lang="fr-FR" dirty="0"/>
-          </a:p>
-          <a:p>
-            <a:pPr lvl="1"/>
-            <a:endParaRPr lang="fr-FR" dirty="0"/>
-          </a:p>
-          <a:p>
-            <a:pPr lvl="1"/>
-            <a:r>
-              <a:rPr lang="fr-FR" dirty="0"/>
-              <a:t>Ajouter un attribut </a:t>
-            </a:r>
-            <a:r>
-              <a:rPr lang="fr-FR" dirty="0" err="1"/>
-              <a:t>ng-app</a:t>
-            </a:r>
-            <a:r>
-              <a:rPr lang="fr-FR" dirty="0"/>
-              <a:t> sur une balise</a:t>
-            </a:r>
-          </a:p>
-          <a:p>
-            <a:pPr lvl="2"/>
-            <a:r>
-              <a:rPr lang="fr-FR" dirty="0"/>
-              <a:t>Définit le nom du module de l’application</a:t>
-            </a:r>
-          </a:p>
-          <a:p>
-            <a:pPr lvl="2"/>
-            <a:r>
-              <a:rPr lang="fr-FR" dirty="0" err="1"/>
-              <a:t>Inidique</a:t>
-            </a:r>
-            <a:r>
-              <a:rPr lang="fr-FR" dirty="0"/>
-              <a:t> le début du code à traiter </a:t>
-            </a:r>
-            <a:br>
-              <a:rPr lang="fr-FR" dirty="0"/>
-            </a:br>
-            <a:r>
-              <a:rPr lang="fr-FR" dirty="0"/>
-              <a:t>par </a:t>
-            </a:r>
-            <a:r>
-              <a:rPr lang="fr-FR" dirty="0" err="1"/>
-              <a:t>AngularJS</a:t>
-            </a:r>
-            <a:endParaRPr lang="fr-FR" dirty="0"/>
-          </a:p>
-          <a:p>
-            <a:pPr lvl="2"/>
-            <a:r>
-              <a:rPr lang="fr-FR" dirty="0"/>
-              <a:t>Un seul </a:t>
-            </a:r>
-            <a:r>
-              <a:rPr lang="fr-FR" dirty="0" err="1"/>
-              <a:t>ng-app</a:t>
-            </a:r>
-            <a:r>
-              <a:rPr lang="fr-FR" dirty="0"/>
-              <a:t> par page !</a:t>
-            </a:r>
-          </a:p>
-          <a:p>
-            <a:pPr lvl="2"/>
-            <a:r>
-              <a:rPr lang="fr-FR" dirty="0" err="1"/>
-              <a:t>ng</a:t>
-            </a:r>
-            <a:r>
-              <a:rPr lang="fr-FR" dirty="0"/>
-              <a:t> = raccourci pour </a:t>
-            </a:r>
-            <a:r>
-              <a:rPr lang="fr-FR" dirty="0" err="1"/>
-              <a:t>Angular</a:t>
-            </a:r>
-            <a:r>
-              <a:rPr lang="fr-FR" dirty="0"/>
-              <a:t> JS</a:t>
-            </a:r>
-          </a:p>
-        </p:txBody>
-      </p:sp>
-      <p:sp>
-        <p:nvSpPr>
-          <p:cNvPr id="3" name="Titre 2"/>
-          <p:cNvSpPr>
-            <a:spLocks noGrp="1"/>
-          </p:cNvSpPr>
-          <p:nvPr>
-            <p:ph type="title"/>
-          </p:nvPr>
-        </p:nvSpPr>
-        <p:spPr/>
-        <p:txBody>
-          <a:bodyPr/>
-          <a:lstStyle/>
-          <a:p>
-            <a:r>
-              <a:rPr lang="fr-FR" cap="none" dirty="0" smtClean="0"/>
-              <a:t>Premier Pas</a:t>
-            </a:r>
-            <a:endParaRPr lang="fr-FR" dirty="0"/>
-          </a:p>
-        </p:txBody>
-      </p:sp>
-      <p:sp>
-        <p:nvSpPr>
-          <p:cNvPr id="4" name="Espace réservé du pied de page 3"/>
-          <p:cNvSpPr>
-            <a:spLocks noGrp="1"/>
-          </p:cNvSpPr>
-          <p:nvPr>
-            <p:ph type="ftr" sz="quarter" idx="11"/>
-          </p:nvPr>
-        </p:nvSpPr>
-        <p:spPr/>
-        <p:txBody>
-          <a:bodyPr/>
-          <a:lstStyle/>
-          <a:p>
-            <a:endParaRPr lang="fr-FR" dirty="0"/>
-          </a:p>
-        </p:txBody>
-      </p:sp>
-      <p:sp>
-        <p:nvSpPr>
-          <p:cNvPr id="5" name="Espace réservé du numéro de diapositive 4"/>
-          <p:cNvSpPr>
-            <a:spLocks noGrp="1"/>
-          </p:cNvSpPr>
-          <p:nvPr>
-            <p:ph type="sldNum" sz="quarter" idx="12"/>
+          <p:cNvPr id="4" name="Espace réservé du numéro de diapositive 3"/>
+          <p:cNvSpPr>
+            <a:spLocks noGrp="1"/>
+          </p:cNvSpPr>
+          <p:nvPr>
+            <p:ph type="sldNum" sz="quarter" idx="14"/>
           </p:nvPr>
         </p:nvSpPr>
         <p:spPr/>
@@ -9911,12 +9872,12 @@
       </p:sp>
       <p:sp>
         <p:nvSpPr>
-          <p:cNvPr id="6" name="Espace réservé du texte 5"/>
-          <p:cNvSpPr>
-            <a:spLocks noGrp="1"/>
-          </p:cNvSpPr>
-          <p:nvPr>
-            <p:ph type="body" sz="quarter" idx="13"/>
+          <p:cNvPr id="5" name="Titre 4"/>
+          <p:cNvSpPr>
+            <a:spLocks noGrp="1"/>
+          </p:cNvSpPr>
+          <p:nvPr>
+            <p:ph type="ctrTitle"/>
           </p:nvPr>
         </p:nvSpPr>
         <p:spPr/>
@@ -9924,151 +9885,94 @@
           <a:bodyPr/>
           <a:lstStyle/>
           <a:p>
-            <a:r>
-              <a:rPr lang="fr-FR" cap="none" dirty="0"/>
-              <a:t>Une application avec </a:t>
-            </a:r>
             <a:r>
               <a:rPr lang="fr-FR" cap="none" dirty="0" err="1"/>
               <a:t>Angular</a:t>
             </a:r>
             <a:r>
               <a:rPr lang="fr-FR" cap="none" dirty="0"/>
-              <a:t> JS</a:t>
-            </a:r>
-          </a:p>
-        </p:txBody>
-      </p:sp>
-      <p:sp>
-        <p:nvSpPr>
-          <p:cNvPr id="7" name="ZoneTexte 6"/>
-          <p:cNvSpPr txBox="1"/>
-          <p:nvPr/>
-        </p:nvSpPr>
+              <a:t> JS : </a:t>
+            </a:r>
+            <a:r>
+              <a:rPr lang="fr-FR" cap="none" smtClean="0"/>
+              <a:t>Premiers pas</a:t>
+            </a:r>
+            <a:endParaRPr lang="fr-FR" cap="none" dirty="0"/>
+          </a:p>
+        </p:txBody>
+      </p:sp>
+      <p:pic>
+        <p:nvPicPr>
+          <p:cNvPr id="9" name="Espace réservé pour une image  8"/>
+          <p:cNvPicPr>
+            <a:picLocks noGrp="1" noChangeAspect="1"/>
+          </p:cNvPicPr>
+          <p:nvPr>
+            <p:ph type="pic" sz="quarter" idx="15"/>
+          </p:nvPr>
+        </p:nvPicPr>
+        <p:blipFill rotWithShape="1">
+          <a:blip r:embed="rId2" cstate="print">
+            <a:extLst>
+              <a:ext uri="{28A0092B-C50C-407E-A947-70E740481C1C}">
+                <a14:useLocalDpi xmlns:a14="http://schemas.microsoft.com/office/drawing/2010/main"/>
+              </a:ext>
+            </a:extLst>
+          </a:blip>
+          <a:srcRect/>
+          <a:stretch/>
+        </p:blipFill>
         <p:spPr>
           <a:xfrm>
-            <a:off x="1685927" y="2524601"/>
-            <a:ext cx="3457575" cy="640515"/>
+            <a:off x="-5576" y="-2539"/>
+            <a:ext cx="9155154" cy="3431539"/>
           </a:xfrm>
-          <a:prstGeom prst="rect">
-            <a:avLst/>
-          </a:prstGeom>
         </p:spPr>
-        <p:style>
-          <a:lnRef idx="0">
-            <a:schemeClr val="accent6"/>
-          </a:lnRef>
-          <a:fillRef idx="3">
-            <a:schemeClr val="accent6"/>
-          </a:fillRef>
-          <a:effectRef idx="3">
-            <a:schemeClr val="accent6"/>
-          </a:effectRef>
-          <a:fontRef idx="minor">
-            <a:schemeClr val="lt1"/>
-          </a:fontRef>
-        </p:style>
-        <p:txBody>
-          <a:bodyPr wrap="square" lIns="180000" tIns="180000" rIns="180000" bIns="180000" rtlCol="0">
-            <a:spAutoFit/>
-          </a:bodyPr>
-          <a:lstStyle/>
-          <a:p>
-            <a:r>
-              <a:rPr lang="fr-FR" dirty="0"/>
-              <a:t>&lt;script </a:t>
-            </a:r>
-            <a:r>
-              <a:rPr lang="fr-FR" dirty="0" err="1"/>
-              <a:t>src</a:t>
-            </a:r>
-            <a:r>
-              <a:rPr lang="fr-FR" dirty="0"/>
-              <a:t>="angular.js"&gt;&lt;/script&gt;</a:t>
-            </a:r>
-          </a:p>
-        </p:txBody>
-      </p:sp>
-      <p:sp>
-        <p:nvSpPr>
-          <p:cNvPr id="10" name="ZoneTexte 9"/>
-          <p:cNvSpPr txBox="1"/>
-          <p:nvPr/>
-        </p:nvSpPr>
-        <p:spPr>
-          <a:xfrm>
-            <a:off x="5143502" y="4620101"/>
-            <a:ext cx="3457575" cy="1194512"/>
-          </a:xfrm>
-          <a:prstGeom prst="rect">
-            <a:avLst/>
-          </a:prstGeom>
-        </p:spPr>
-        <p:style>
-          <a:lnRef idx="0">
-            <a:schemeClr val="accent6"/>
-          </a:lnRef>
-          <a:fillRef idx="3">
-            <a:schemeClr val="accent6"/>
-          </a:fillRef>
-          <a:effectRef idx="3">
-            <a:schemeClr val="accent6"/>
-          </a:effectRef>
-          <a:fontRef idx="minor">
-            <a:schemeClr val="lt1"/>
-          </a:fontRef>
-        </p:style>
-        <p:txBody>
-          <a:bodyPr wrap="square" lIns="180000" tIns="180000" rIns="180000" bIns="180000" rtlCol="0">
-            <a:spAutoFit/>
-          </a:bodyPr>
-          <a:lstStyle/>
-          <a:p>
-            <a:r>
-              <a:rPr lang="fr-FR" dirty="0"/>
-              <a:t>&lt;body </a:t>
-            </a:r>
-            <a:r>
-              <a:rPr lang="fr-FR" dirty="0" err="1"/>
-              <a:t>ng-app</a:t>
-            </a:r>
-            <a:r>
-              <a:rPr lang="fr-FR" dirty="0"/>
-              <a:t>="</a:t>
-            </a:r>
-            <a:r>
-              <a:rPr lang="fr-FR" dirty="0" err="1"/>
-              <a:t>app</a:t>
-            </a:r>
-            <a:r>
-              <a:rPr lang="fr-FR" dirty="0"/>
-              <a:t>"&gt;</a:t>
-            </a:r>
-          </a:p>
-          <a:p>
-            <a:r>
-              <a:rPr lang="fr-FR" dirty="0"/>
-              <a:t>…</a:t>
-            </a:r>
-          </a:p>
-          <a:p>
-            <a:r>
-              <a:rPr lang="fr-FR" dirty="0"/>
-              <a:t>&lt;/body&gt;</a:t>
-            </a:r>
+      </p:pic>
+      <p:sp>
+        <p:nvSpPr>
+          <p:cNvPr id="2" name="Espace réservé du pied de page 1"/>
+          <p:cNvSpPr>
+            <a:spLocks noGrp="1"/>
+          </p:cNvSpPr>
+          <p:nvPr>
+            <p:ph type="ftr" sz="quarter" idx="13"/>
+          </p:nvPr>
+        </p:nvSpPr>
+        <p:spPr/>
+        <p:txBody>
+          <a:bodyPr/>
+          <a:lstStyle/>
+          <a:p>
+            <a:r>
+              <a:rPr lang="fr-FR" dirty="0" err="1" smtClean="0"/>
+              <a:t>Angular</a:t>
+            </a:r>
+            <a:r>
+              <a:rPr lang="fr-FR" dirty="0" smtClean="0"/>
+              <a:t> JS 1 : Introduction</a:t>
+            </a:r>
+            <a:endParaRPr lang="fr-FR" dirty="0"/>
           </a:p>
         </p:txBody>
       </p:sp>
     </p:spTree>
     <p:extLst>
       <p:ext uri="{BB962C8B-B14F-4D97-AF65-F5344CB8AC3E}">
-        <p14:creationId xmlns:p14="http://schemas.microsoft.com/office/powerpoint/2010/main" val="985939801"/>
+        <p14:creationId xmlns:p14="http://schemas.microsoft.com/office/powerpoint/2010/main" val="4030593035"/>
       </p:ext>
     </p:extLst>
   </p:cSld>
   <p:clrMapOvr>
     <a:masterClrMapping/>
   </p:clrMapOvr>
+  <p:timing>
+    <p:tnLst>
+      <p:par>
+        <p:cTn id="1" dur="indefinite" restart="never" nodeType="tmRoot"/>
+      </p:par>
+    </p:tnLst>
+  </p:timing>
 </p:sld>
 </file>
 
@@ -10104,54 +10008,28 @@
           <a:bodyPr/>
           <a:lstStyle/>
           <a:p>
-            <a:pPr fontAlgn="base"/>
-            <a:r>
-              <a:rPr lang="fr-FR" b="1" cap="all" dirty="0"/>
-              <a:t>SCOPE</a:t>
-            </a:r>
-          </a:p>
-          <a:p>
-            <a:pPr fontAlgn="base"/>
-            <a:endParaRPr lang="fr-FR" dirty="0"/>
-          </a:p>
-          <a:p>
-            <a:pPr fontAlgn="base"/>
             <a:r>
               <a:rPr lang="fr-FR" dirty="0"/>
-              <a:t>Comment est évaluée l'expression {{ hello }} ?</a:t>
-            </a:r>
-          </a:p>
-          <a:p>
-            <a:pPr fontAlgn="base"/>
+              <a:t>CONTROLLER</a:t>
+            </a:r>
+          </a:p>
+          <a:p>
             <a:r>
               <a:rPr lang="fr-FR" dirty="0"/>
-              <a:t>AngularJS va chercher un attribut nommé 'hello' dans l'objet scope, si celui-ci est trouvé alors la valeur de l'attribut sera affichée sinon une chaîne de caractères vide.</a:t>
-            </a:r>
-          </a:p>
-          <a:p>
-            <a:pPr fontAlgn="base"/>
+              <a:t>Les contrôleurs sont chargés de manipuler le modèle et de faire lien avec la vue (page HTML).</a:t>
+            </a:r>
+          </a:p>
+          <a:p>
             <a:r>
               <a:rPr lang="fr-FR" dirty="0"/>
-              <a:t>Le scope est ainsi utilisé pour initialiser des valeurs ou récupérer les valeurs modifiées par un utilisateur (</a:t>
-            </a:r>
-            <a:r>
-              <a:rPr lang="fr-FR" dirty="0" err="1"/>
-              <a:t>cf</a:t>
-            </a:r>
+              <a:t>Il est possible de définir plusieurs contrôleurs sur un template.</a:t>
+            </a:r>
+          </a:p>
+          <a:p>
             <a:r>
               <a:rPr lang="fr-FR" dirty="0"/>
-              <a:t> double data </a:t>
-            </a:r>
-            <a:r>
-              <a:rPr lang="fr-FR" dirty="0" err="1"/>
-              <a:t>binding</a:t>
-            </a:r>
-            <a:r>
-              <a:rPr lang="fr-FR" dirty="0"/>
-              <a:t>).</a:t>
-            </a:r>
-          </a:p>
-          <a:p>
+              <a:t>AngularJS gère le cycle de vie des contrôleurs.</a:t>
+            </a:r>
             <a:endParaRPr lang="en-US" dirty="0"/>
           </a:p>
         </p:txBody>
@@ -10213,6 +10091,326 @@
               <a:rPr lang="fr-FR" smtClean="0"/>
               <a:pPr/>
               <a:t>10</a:t>
+            </a:fld>
+            <a:endParaRPr lang="fr-FR" dirty="0"/>
+          </a:p>
+        </p:txBody>
+      </p:sp>
+      <p:sp>
+        <p:nvSpPr>
+          <p:cNvPr id="6" name="Espace réservé du texte 5"/>
+          <p:cNvSpPr>
+            <a:spLocks noGrp="1"/>
+          </p:cNvSpPr>
+          <p:nvPr>
+            <p:ph type="body" sz="quarter" idx="13"/>
+          </p:nvPr>
+        </p:nvSpPr>
+        <p:spPr/>
+        <p:txBody>
+          <a:bodyPr/>
+          <a:lstStyle/>
+          <a:p>
+            <a:endParaRPr lang="en-US"/>
+          </a:p>
+        </p:txBody>
+      </p:sp>
+    </p:spTree>
+  </p:cSld>
+  <p:clrMapOvr>
+    <a:masterClrMapping/>
+  </p:clrMapOvr>
+</p:sld>
+</file>
+
+<file path=ppt/slides/slide11.xml><?xml version="1.0" encoding="utf-8"?>
+<p:sld xmlns:a="http://schemas.openxmlformats.org/drawingml/2006/main" xmlns:r="http://schemas.openxmlformats.org/officeDocument/2006/relationships" xmlns:p="http://schemas.openxmlformats.org/presentationml/2006/main">
+  <p:cSld>
+    <p:spTree>
+      <p:nvGrpSpPr>
+        <p:cNvPr id="1" name=""/>
+        <p:cNvGrpSpPr/>
+        <p:nvPr/>
+      </p:nvGrpSpPr>
+      <p:grpSpPr>
+        <a:xfrm>
+          <a:off x="0" y="0"/>
+          <a:ext cx="0" cy="0"/>
+          <a:chOff x="0" y="0"/>
+          <a:chExt cx="0" cy="0"/>
+        </a:xfrm>
+      </p:grpSpPr>
+      <p:sp>
+        <p:nvSpPr>
+          <p:cNvPr id="2" name="Espace réservé du contenu 1"/>
+          <p:cNvSpPr>
+            <a:spLocks noGrp="1"/>
+          </p:cNvSpPr>
+          <p:nvPr>
+            <p:ph idx="1"/>
+          </p:nvPr>
+        </p:nvSpPr>
+        <p:spPr/>
+        <p:txBody>
+          <a:bodyPr/>
+          <a:lstStyle/>
+          <a:p>
+            <a:r>
+              <a:rPr lang="fr-FR" dirty="0"/>
+              <a:t>CONTROLLER</a:t>
+            </a:r>
+          </a:p>
+          <a:p>
+            <a:r>
+              <a:rPr lang="fr-FR" dirty="0"/>
+              <a:t>Les contrôleurs sont chargés de manipuler le modèle et de faire lien avec la vue (page HTML).</a:t>
+            </a:r>
+          </a:p>
+          <a:p>
+            <a:r>
+              <a:rPr lang="fr-FR" dirty="0"/>
+              <a:t>Il est possible de définir plusieurs contrôleurs sur un template.</a:t>
+            </a:r>
+          </a:p>
+          <a:p>
+            <a:r>
+              <a:rPr lang="fr-FR" dirty="0"/>
+              <a:t>AngularJS gère le cycle de vie des contrôleurs.</a:t>
+            </a:r>
+            <a:endParaRPr lang="en-US" dirty="0"/>
+          </a:p>
+        </p:txBody>
+      </p:sp>
+      <p:sp>
+        <p:nvSpPr>
+          <p:cNvPr id="3" name="Titre 2"/>
+          <p:cNvSpPr>
+            <a:spLocks noGrp="1"/>
+          </p:cNvSpPr>
+          <p:nvPr>
+            <p:ph type="title"/>
+          </p:nvPr>
+        </p:nvSpPr>
+        <p:spPr/>
+        <p:txBody>
+          <a:bodyPr/>
+          <a:lstStyle/>
+          <a:p>
+            <a:endParaRPr lang="en-US"/>
+          </a:p>
+        </p:txBody>
+      </p:sp>
+      <p:sp>
+        <p:nvSpPr>
+          <p:cNvPr id="4" name="Espace réservé du pied de page 3"/>
+          <p:cNvSpPr>
+            <a:spLocks noGrp="1"/>
+          </p:cNvSpPr>
+          <p:nvPr>
+            <p:ph type="ftr" sz="quarter" idx="11"/>
+          </p:nvPr>
+        </p:nvSpPr>
+        <p:spPr/>
+        <p:txBody>
+          <a:bodyPr/>
+          <a:lstStyle/>
+          <a:p>
+            <a:endParaRPr lang="fr-FR" dirty="0"/>
+          </a:p>
+        </p:txBody>
+      </p:sp>
+      <p:sp>
+        <p:nvSpPr>
+          <p:cNvPr id="5" name="Espace réservé du numéro de diapositive 4"/>
+          <p:cNvSpPr>
+            <a:spLocks noGrp="1"/>
+          </p:cNvSpPr>
+          <p:nvPr>
+            <p:ph type="sldNum" sz="quarter" idx="12"/>
+          </p:nvPr>
+        </p:nvSpPr>
+        <p:spPr/>
+        <p:txBody>
+          <a:bodyPr/>
+          <a:lstStyle/>
+          <a:p>
+            <a:fld id="{AF43E6FD-AB27-4108-A2FC-346BB5F75E3F}" type="slidenum">
+              <a:rPr lang="fr-FR" smtClean="0"/>
+              <a:pPr/>
+              <a:t>11</a:t>
+            </a:fld>
+            <a:endParaRPr lang="fr-FR" dirty="0"/>
+          </a:p>
+        </p:txBody>
+      </p:sp>
+      <p:sp>
+        <p:nvSpPr>
+          <p:cNvPr id="6" name="Espace réservé du texte 5"/>
+          <p:cNvSpPr>
+            <a:spLocks noGrp="1"/>
+          </p:cNvSpPr>
+          <p:nvPr>
+            <p:ph type="body" sz="quarter" idx="13"/>
+          </p:nvPr>
+        </p:nvSpPr>
+        <p:spPr/>
+        <p:txBody>
+          <a:bodyPr/>
+          <a:lstStyle/>
+          <a:p>
+            <a:endParaRPr lang="en-US"/>
+          </a:p>
+        </p:txBody>
+      </p:sp>
+    </p:spTree>
+  </p:cSld>
+  <p:clrMapOvr>
+    <a:masterClrMapping/>
+  </p:clrMapOvr>
+</p:sld>
+</file>
+
+<file path=ppt/slides/slide12.xml><?xml version="1.0" encoding="utf-8"?>
+<p:sld xmlns:a="http://schemas.openxmlformats.org/drawingml/2006/main" xmlns:r="http://schemas.openxmlformats.org/officeDocument/2006/relationships" xmlns:p="http://schemas.openxmlformats.org/presentationml/2006/main">
+  <p:cSld>
+    <p:spTree>
+      <p:nvGrpSpPr>
+        <p:cNvPr id="1" name=""/>
+        <p:cNvGrpSpPr/>
+        <p:nvPr/>
+      </p:nvGrpSpPr>
+      <p:grpSpPr>
+        <a:xfrm>
+          <a:off x="0" y="0"/>
+          <a:ext cx="0" cy="0"/>
+          <a:chOff x="0" y="0"/>
+          <a:chExt cx="0" cy="0"/>
+        </a:xfrm>
+      </p:grpSpPr>
+      <p:sp>
+        <p:nvSpPr>
+          <p:cNvPr id="2" name="Espace réservé du contenu 1"/>
+          <p:cNvSpPr>
+            <a:spLocks noGrp="1"/>
+          </p:cNvSpPr>
+          <p:nvPr>
+            <p:ph idx="1"/>
+          </p:nvPr>
+        </p:nvSpPr>
+        <p:spPr/>
+        <p:txBody>
+          <a:bodyPr/>
+          <a:lstStyle/>
+          <a:p>
+            <a:pPr fontAlgn="base"/>
+            <a:r>
+              <a:rPr lang="fr-FR" b="1" cap="all" dirty="0"/>
+              <a:t>SCOPE</a:t>
+            </a:r>
+          </a:p>
+          <a:p>
+            <a:pPr fontAlgn="base"/>
+            <a:endParaRPr lang="fr-FR" dirty="0"/>
+          </a:p>
+          <a:p>
+            <a:pPr fontAlgn="base"/>
+            <a:r>
+              <a:rPr lang="fr-FR" dirty="0"/>
+              <a:t>Comment est évaluée l'expression {{ hello }} ?</a:t>
+            </a:r>
+          </a:p>
+          <a:p>
+            <a:pPr fontAlgn="base"/>
+            <a:r>
+              <a:rPr lang="fr-FR" dirty="0"/>
+              <a:t>AngularJS va chercher un attribut nommé 'hello' dans l'objet scope, si celui-ci est trouvé alors la valeur de l'attribut sera affichée sinon une chaîne de caractères vide.</a:t>
+            </a:r>
+          </a:p>
+          <a:p>
+            <a:pPr fontAlgn="base"/>
+            <a:r>
+              <a:rPr lang="fr-FR" dirty="0"/>
+              <a:t>Le scope est ainsi utilisé pour initialiser des valeurs ou récupérer les valeurs modifiées par un utilisateur (</a:t>
+            </a:r>
+            <a:r>
+              <a:rPr lang="fr-FR" dirty="0" err="1"/>
+              <a:t>cf</a:t>
+            </a:r>
+            <a:r>
+              <a:rPr lang="fr-FR" dirty="0"/>
+              <a:t> double data </a:t>
+            </a:r>
+            <a:r>
+              <a:rPr lang="fr-FR" dirty="0" err="1"/>
+              <a:t>binding</a:t>
+            </a:r>
+            <a:r>
+              <a:rPr lang="fr-FR" dirty="0"/>
+              <a:t>).</a:t>
+            </a:r>
+          </a:p>
+          <a:p>
+            <a:endParaRPr lang="en-US" dirty="0"/>
+          </a:p>
+        </p:txBody>
+      </p:sp>
+      <p:sp>
+        <p:nvSpPr>
+          <p:cNvPr id="3" name="Titre 2"/>
+          <p:cNvSpPr>
+            <a:spLocks noGrp="1"/>
+          </p:cNvSpPr>
+          <p:nvPr>
+            <p:ph type="title"/>
+          </p:nvPr>
+        </p:nvSpPr>
+        <p:spPr/>
+        <p:txBody>
+          <a:bodyPr/>
+          <a:lstStyle/>
+          <a:p>
+            <a:endParaRPr lang="en-US"/>
+          </a:p>
+        </p:txBody>
+      </p:sp>
+      <p:sp>
+        <p:nvSpPr>
+          <p:cNvPr id="4" name="Espace réservé du pied de page 3"/>
+          <p:cNvSpPr>
+            <a:spLocks noGrp="1"/>
+          </p:cNvSpPr>
+          <p:nvPr>
+            <p:ph type="ftr" sz="quarter" idx="11"/>
+          </p:nvPr>
+        </p:nvSpPr>
+        <p:spPr/>
+        <p:txBody>
+          <a:bodyPr/>
+          <a:lstStyle/>
+          <a:p>
+            <a:endParaRPr lang="fr-FR" dirty="0"/>
+          </a:p>
+        </p:txBody>
+      </p:sp>
+      <p:sp>
+        <p:nvSpPr>
+          <p:cNvPr id="5" name="Espace réservé du numéro de diapositive 4"/>
+          <p:cNvSpPr>
+            <a:spLocks noGrp="1"/>
+          </p:cNvSpPr>
+          <p:nvPr>
+            <p:ph type="sldNum" sz="quarter" idx="12"/>
+          </p:nvPr>
+        </p:nvSpPr>
+        <p:spPr/>
+        <p:txBody>
+          <a:bodyPr/>
+          <a:lstStyle/>
+          <a:p>
+            <a:fld id="{AF43E6FD-AB27-4108-A2FC-346BB5F75E3F}" type="slidenum">
+              <a:rPr lang="fr-FR" smtClean="0"/>
+              <a:pPr/>
+              <a:t>12</a:t>
             </a:fld>
             <a:endParaRPr lang="fr-FR" dirty="0"/>
           </a:p>
@@ -10278,7 +10476,7 @@
 </p:sld>
 </file>
 
-<file path=ppt/slides/slide11.xml><?xml version="1.0" encoding="utf-8"?>
+<file path=ppt/slides/slide13.xml><?xml version="1.0" encoding="utf-8"?>
 <p:sld xmlns:a="http://schemas.openxmlformats.org/drawingml/2006/main" xmlns:r="http://schemas.openxmlformats.org/officeDocument/2006/relationships" xmlns:p="http://schemas.openxmlformats.org/presentationml/2006/main">
   <p:cSld>
     <p:spTree>
@@ -10392,7 +10590,7 @@
             <a:fld id="{AF43E6FD-AB27-4108-A2FC-346BB5F75E3F}" type="slidenum">
               <a:rPr lang="fr-FR" smtClean="0"/>
               <a:pPr/>
-              <a:t>11</a:t>
+              <a:t>13</a:t>
             </a:fld>
             <a:endParaRPr lang="fr-FR" dirty="0"/>
           </a:p>
@@ -10439,7 +10637,7 @@
 </p:sld>
 </file>
 
-<file path=ppt/slides/slide12.xml><?xml version="1.0" encoding="utf-8"?>
+<file path=ppt/slides/slide14.xml><?xml version="1.0" encoding="utf-8"?>
 <p:sld xmlns:a="http://schemas.openxmlformats.org/drawingml/2006/main" xmlns:r="http://schemas.openxmlformats.org/officeDocument/2006/relationships" xmlns:p="http://schemas.openxmlformats.org/presentationml/2006/main">
   <p:cSld>
     <p:spTree>
@@ -10502,7 +10700,7 @@
             <a:fld id="{AF43E6FD-AB27-4108-A2FC-346BB5F75E3F}" type="slidenum">
               <a:rPr lang="fr-FR" smtClean="0"/>
               <a:pPr/>
-              <a:t>12</a:t>
+              <a:t>14</a:t>
             </a:fld>
             <a:endParaRPr lang="fr-FR" dirty="0"/>
           </a:p>
@@ -10608,7 +10806,7 @@
 </p:sld>
 </file>
 
-<file path=ppt/slides/slide13.xml><?xml version="1.0" encoding="utf-8"?>
+<file path=ppt/slides/slide15.xml><?xml version="1.0" encoding="utf-8"?>
 <p:sld xmlns:a="http://schemas.openxmlformats.org/drawingml/2006/main" xmlns:r="http://schemas.openxmlformats.org/officeDocument/2006/relationships" xmlns:p="http://schemas.openxmlformats.org/presentationml/2006/main">
   <p:cSld>
     <p:spTree>
@@ -10697,7 +10895,7 @@
             <a:fld id="{AF43E6FD-AB27-4108-A2FC-346BB5F75E3F}" type="slidenum">
               <a:rPr lang="fr-FR" smtClean="0"/>
               <a:pPr/>
-              <a:t>13</a:t>
+              <a:t>15</a:t>
             </a:fld>
             <a:endParaRPr lang="fr-FR" dirty="0"/>
           </a:p>
@@ -10775,7 +10973,7 @@
 </p:sld>
 </file>
 
-<file path=ppt/slides/slide14.xml><?xml version="1.0" encoding="utf-8"?>
+<file path=ppt/slides/slide16.xml><?xml version="1.0" encoding="utf-8"?>
 <p:sld xmlns:a="http://schemas.openxmlformats.org/drawingml/2006/main" xmlns:r="http://schemas.openxmlformats.org/officeDocument/2006/relationships" xmlns:p="http://schemas.openxmlformats.org/presentationml/2006/main">
   <p:cSld>
     <p:spTree>
@@ -10891,7 +11089,7 @@
             <a:fld id="{AF43E6FD-AB27-4108-A2FC-346BB5F75E3F}" type="slidenum">
               <a:rPr lang="fr-FR" smtClean="0"/>
               <a:pPr/>
-              <a:t>14</a:t>
+              <a:t>16</a:t>
             </a:fld>
             <a:endParaRPr lang="fr-FR" dirty="0"/>
           </a:p>
@@ -11024,7 +11222,7 @@
 </p:sld>
 </file>
 
-<file path=ppt/slides/slide15.xml><?xml version="1.0" encoding="utf-8"?>
+<file path=ppt/slides/slide17.xml><?xml version="1.0" encoding="utf-8"?>
 <p:sld xmlns:a="http://schemas.openxmlformats.org/drawingml/2006/main" xmlns:r="http://schemas.openxmlformats.org/officeDocument/2006/relationships" xmlns:p="http://schemas.openxmlformats.org/presentationml/2006/main">
   <p:cSld>
     <p:spTree>
@@ -11087,7 +11285,7 @@
             <a:fld id="{AF43E6FD-AB27-4108-A2FC-346BB5F75E3F}" type="slidenum">
               <a:rPr lang="fr-FR" smtClean="0"/>
               <a:pPr/>
-              <a:t>15</a:t>
+              <a:t>17</a:t>
             </a:fld>
             <a:endParaRPr lang="fr-FR" dirty="0"/>
           </a:p>
@@ -11197,345 +11395,6 @@
 </p:sld>
 </file>
 
-<file path=ppt/slides/slide16.xml><?xml version="1.0" encoding="utf-8"?>
-<p:sld xmlns:a="http://schemas.openxmlformats.org/drawingml/2006/main" xmlns:r="http://schemas.openxmlformats.org/officeDocument/2006/relationships" xmlns:p="http://schemas.openxmlformats.org/presentationml/2006/main">
-  <p:cSld>
-    <p:spTree>
-      <p:nvGrpSpPr>
-        <p:cNvPr id="1" name=""/>
-        <p:cNvGrpSpPr/>
-        <p:nvPr/>
-      </p:nvGrpSpPr>
-      <p:grpSpPr>
-        <a:xfrm>
-          <a:off x="0" y="0"/>
-          <a:ext cx="0" cy="0"/>
-          <a:chOff x="0" y="0"/>
-          <a:chExt cx="0" cy="0"/>
-        </a:xfrm>
-      </p:grpSpPr>
-      <p:sp>
-        <p:nvSpPr>
-          <p:cNvPr id="3" name="Titre 2"/>
-          <p:cNvSpPr>
-            <a:spLocks noGrp="1"/>
-          </p:cNvSpPr>
-          <p:nvPr>
-            <p:ph type="title"/>
-          </p:nvPr>
-        </p:nvSpPr>
-        <p:spPr/>
-        <p:txBody>
-          <a:bodyPr/>
-          <a:lstStyle/>
-          <a:p>
-            <a:r>
-              <a:rPr lang="fr-FR" dirty="0" err="1"/>
-              <a:t>Bindings</a:t>
-            </a:r>
-            <a:r>
-              <a:rPr lang="fr-FR" dirty="0"/>
-              <a:t> </a:t>
-            </a:r>
-            <a:r>
-              <a:rPr lang="fr-FR" dirty="0" err="1"/>
-              <a:t>exercise</a:t>
-            </a:r>
-            <a:endParaRPr lang="en-GB" dirty="0"/>
-          </a:p>
-        </p:txBody>
-      </p:sp>
-      <p:sp>
-        <p:nvSpPr>
-          <p:cNvPr id="2" name="Espace réservé du pied de page 1"/>
-          <p:cNvSpPr>
-            <a:spLocks noGrp="1"/>
-          </p:cNvSpPr>
-          <p:nvPr>
-            <p:ph type="ftr" sz="quarter" idx="11"/>
-          </p:nvPr>
-        </p:nvSpPr>
-        <p:spPr/>
-        <p:txBody>
-          <a:bodyPr/>
-          <a:lstStyle/>
-          <a:p>
-            <a:r>
-              <a:rPr lang="fr-FR"/>
-              <a:t>Nom de la présentation</a:t>
-            </a:r>
-            <a:endParaRPr lang="fr-FR" dirty="0"/>
-          </a:p>
-        </p:txBody>
-      </p:sp>
-      <p:sp>
-        <p:nvSpPr>
-          <p:cNvPr id="5" name="Espace réservé du numéro de diapositive 4"/>
-          <p:cNvSpPr>
-            <a:spLocks noGrp="1"/>
-          </p:cNvSpPr>
-          <p:nvPr>
-            <p:ph type="sldNum" sz="quarter" idx="12"/>
-          </p:nvPr>
-        </p:nvSpPr>
-        <p:spPr/>
-        <p:txBody>
-          <a:bodyPr/>
-          <a:lstStyle/>
-          <a:p>
-            <a:fld id="{AF43E6FD-AB27-4108-A2FC-346BB5F75E3F}" type="slidenum">
-              <a:rPr lang="fr-FR" smtClean="0"/>
-              <a:pPr/>
-              <a:t>16</a:t>
-            </a:fld>
-            <a:endParaRPr lang="fr-FR" dirty="0"/>
-          </a:p>
-        </p:txBody>
-      </p:sp>
-      <p:pic>
-        <p:nvPicPr>
-          <p:cNvPr id="8" name="Espace réservé pour une image  9" descr="Fotolia_42179448_S.jpg"/>
-          <p:cNvPicPr>
-            <a:picLocks noGrp="1" noChangeAspect="1"/>
-          </p:cNvPicPr>
-          <p:nvPr>
-            <p:ph type="pic" sz="quarter" idx="13"/>
-          </p:nvPr>
-        </p:nvPicPr>
-        <p:blipFill>
-          <a:blip r:embed="rId3"/>
-          <a:srcRect l="5409" r="5409"/>
-          <a:stretch>
-            <a:fillRect/>
-          </a:stretch>
-        </p:blipFill>
-        <p:spPr/>
-      </p:pic>
-      <p:sp>
-        <p:nvSpPr>
-          <p:cNvPr id="13" name="Espace réservé du contenu 12"/>
-          <p:cNvSpPr>
-            <a:spLocks noGrp="1"/>
-          </p:cNvSpPr>
-          <p:nvPr>
-            <p:ph idx="1"/>
-          </p:nvPr>
-        </p:nvSpPr>
-        <p:spPr/>
-        <p:txBody>
-          <a:bodyPr/>
-          <a:lstStyle/>
-          <a:p>
-            <a:r>
-              <a:rPr lang="en-GB" dirty="0"/>
-              <a:t>Exercise 3 suite:</a:t>
-            </a:r>
-          </a:p>
-          <a:p>
-            <a:pPr lvl="1"/>
-            <a:r>
-              <a:rPr lang="en-GB" dirty="0"/>
-              <a:t>Use Controller as syntax</a:t>
-            </a:r>
-          </a:p>
-        </p:txBody>
-      </p:sp>
-    </p:spTree>
-    <p:extLst>
-      <p:ext uri="{BB962C8B-B14F-4D97-AF65-F5344CB8AC3E}">
-        <p14:creationId xmlns:p14="http://schemas.microsoft.com/office/powerpoint/2010/main" val="131312719"/>
-      </p:ext>
-    </p:extLst>
-  </p:cSld>
-  <p:clrMapOvr>
-    <a:masterClrMapping/>
-  </p:clrMapOvr>
-</p:sld>
-</file>
-
-<file path=ppt/slides/slide17.xml><?xml version="1.0" encoding="utf-8"?>
-<p:sld xmlns:a="http://schemas.openxmlformats.org/drawingml/2006/main" xmlns:r="http://schemas.openxmlformats.org/officeDocument/2006/relationships" xmlns:p="http://schemas.openxmlformats.org/presentationml/2006/main" show="0">
-  <p:cSld>
-    <p:spTree>
-      <p:nvGrpSpPr>
-        <p:cNvPr id="1" name=""/>
-        <p:cNvGrpSpPr/>
-        <p:nvPr/>
-      </p:nvGrpSpPr>
-      <p:grpSpPr>
-        <a:xfrm>
-          <a:off x="0" y="0"/>
-          <a:ext cx="0" cy="0"/>
-          <a:chOff x="0" y="0"/>
-          <a:chExt cx="0" cy="0"/>
-        </a:xfrm>
-      </p:grpSpPr>
-      <p:sp>
-        <p:nvSpPr>
-          <p:cNvPr id="2" name="Espace réservé du contenu 1"/>
-          <p:cNvSpPr>
-            <a:spLocks noGrp="1"/>
-          </p:cNvSpPr>
-          <p:nvPr>
-            <p:ph idx="1"/>
-          </p:nvPr>
-        </p:nvSpPr>
-        <p:spPr/>
-        <p:txBody>
-          <a:bodyPr/>
-          <a:lstStyle/>
-          <a:p>
-            <a:r>
-              <a:rPr lang="en-GB" dirty="0"/>
-              <a:t>Option that could be used :  an angular bracket expression {{  }} could call a function, like in :</a:t>
-            </a:r>
-          </a:p>
-          <a:p>
-            <a:pPr>
-              <a:buNone/>
-            </a:pPr>
-            <a:r>
-              <a:rPr lang="en-GB" dirty="0"/>
-              <a:t>                                         {{ </a:t>
-            </a:r>
-            <a:r>
-              <a:rPr lang="en-GB" dirty="0" err="1"/>
-              <a:t>order.addOrder</a:t>
-            </a:r>
-            <a:r>
-              <a:rPr lang="en-GB" dirty="0"/>
-              <a:t>()  }}  </a:t>
-            </a:r>
-          </a:p>
-          <a:p>
-            <a:r>
-              <a:rPr lang="en-GB" dirty="0"/>
-              <a:t>BUT in this case it ends up in ERROR</a:t>
-            </a:r>
-          </a:p>
-          <a:p>
-            <a:r>
-              <a:rPr lang="en-GB" dirty="0"/>
-              <a:t>BECAUSE the function is changing  another bound value  '</a:t>
-            </a:r>
-            <a:r>
-              <a:rPr lang="en-GB" dirty="0" err="1"/>
-              <a:t>orderCount</a:t>
-            </a:r>
-            <a:r>
-              <a:rPr lang="en-GB" dirty="0"/>
-              <a:t>'</a:t>
-            </a:r>
-          </a:p>
-          <a:p>
-            <a:r>
-              <a:rPr lang="en-GB" dirty="0"/>
-              <a:t>=&gt; so it's always changing =&gt; infinite loop ! until a stop is decided by Angular =&gt; ERROR</a:t>
-            </a:r>
-          </a:p>
-          <a:p>
-            <a:endParaRPr lang="en-GB" dirty="0"/>
-          </a:p>
-        </p:txBody>
-      </p:sp>
-      <p:sp>
-        <p:nvSpPr>
-          <p:cNvPr id="3" name="Titre 2"/>
-          <p:cNvSpPr>
-            <a:spLocks noGrp="1"/>
-          </p:cNvSpPr>
-          <p:nvPr>
-            <p:ph type="title"/>
-          </p:nvPr>
-        </p:nvSpPr>
-        <p:spPr/>
-        <p:txBody>
-          <a:bodyPr/>
-          <a:lstStyle/>
-          <a:p>
-            <a:r>
-              <a:rPr lang="en-GB" dirty="0" err="1" smtClean="0"/>
-              <a:t>Mais</a:t>
-            </a:r>
-            <a:r>
-              <a:rPr lang="en-GB" dirty="0" smtClean="0"/>
-              <a:t> attention …</a:t>
-            </a:r>
-            <a:endParaRPr lang="en-GB" dirty="0"/>
-          </a:p>
-        </p:txBody>
-      </p:sp>
-      <p:sp>
-        <p:nvSpPr>
-          <p:cNvPr id="4" name="Espace réservé du pied de page 3"/>
-          <p:cNvSpPr>
-            <a:spLocks noGrp="1"/>
-          </p:cNvSpPr>
-          <p:nvPr>
-            <p:ph type="ftr" sz="quarter" idx="11"/>
-          </p:nvPr>
-        </p:nvSpPr>
-        <p:spPr/>
-        <p:txBody>
-          <a:bodyPr/>
-          <a:lstStyle/>
-          <a:p>
-            <a:endParaRPr lang="fr-FR" dirty="0"/>
-          </a:p>
-        </p:txBody>
-      </p:sp>
-      <p:sp>
-        <p:nvSpPr>
-          <p:cNvPr id="5" name="Espace réservé du numéro de diapositive 4"/>
-          <p:cNvSpPr>
-            <a:spLocks noGrp="1"/>
-          </p:cNvSpPr>
-          <p:nvPr>
-            <p:ph type="sldNum" sz="quarter" idx="12"/>
-          </p:nvPr>
-        </p:nvSpPr>
-        <p:spPr/>
-        <p:txBody>
-          <a:bodyPr/>
-          <a:lstStyle/>
-          <a:p>
-            <a:fld id="{AF43E6FD-AB27-4108-A2FC-346BB5F75E3F}" type="slidenum">
-              <a:rPr lang="fr-FR" smtClean="0"/>
-              <a:pPr/>
-              <a:t>17</a:t>
-            </a:fld>
-            <a:endParaRPr lang="fr-FR" dirty="0"/>
-          </a:p>
-        </p:txBody>
-      </p:sp>
-      <p:sp>
-        <p:nvSpPr>
-          <p:cNvPr id="6" name="Espace réservé du texte 5"/>
-          <p:cNvSpPr>
-            <a:spLocks noGrp="1"/>
-          </p:cNvSpPr>
-          <p:nvPr>
-            <p:ph type="body" sz="quarter" idx="13"/>
-          </p:nvPr>
-        </p:nvSpPr>
-        <p:spPr/>
-        <p:txBody>
-          <a:bodyPr/>
-          <a:lstStyle/>
-          <a:p>
-            <a:endParaRPr lang="en-GB"/>
-          </a:p>
-        </p:txBody>
-      </p:sp>
-    </p:spTree>
-  </p:cSld>
-  <p:clrMapOvr>
-    <a:masterClrMapping/>
-  </p:clrMapOvr>
-  <p:transition/>
-</p:sld>
-</file>
-
 <file path=ppt/slides/slide18.xml><?xml version="1.0" encoding="utf-8"?>
 <p:sld xmlns:a="http://schemas.openxmlformats.org/drawingml/2006/main" xmlns:r="http://schemas.openxmlformats.org/officeDocument/2006/relationships" xmlns:p="http://schemas.openxmlformats.org/presentationml/2006/main">
   <p:cSld>
@@ -11555,6 +11414,885 @@
       </p:grpSpPr>
       <p:sp>
         <p:nvSpPr>
+          <p:cNvPr id="3" name="Titre 2"/>
+          <p:cNvSpPr>
+            <a:spLocks noGrp="1"/>
+          </p:cNvSpPr>
+          <p:nvPr>
+            <p:ph type="title"/>
+          </p:nvPr>
+        </p:nvSpPr>
+        <p:spPr/>
+        <p:txBody>
+          <a:bodyPr/>
+          <a:lstStyle/>
+          <a:p>
+            <a:r>
+              <a:rPr lang="fr-FR" dirty="0" err="1"/>
+              <a:t>Bindings</a:t>
+            </a:r>
+            <a:r>
+              <a:rPr lang="fr-FR" dirty="0"/>
+              <a:t> </a:t>
+            </a:r>
+            <a:r>
+              <a:rPr lang="fr-FR" dirty="0" err="1"/>
+              <a:t>exercise</a:t>
+            </a:r>
+            <a:endParaRPr lang="en-GB" dirty="0"/>
+          </a:p>
+        </p:txBody>
+      </p:sp>
+      <p:sp>
+        <p:nvSpPr>
+          <p:cNvPr id="2" name="Espace réservé du pied de page 1"/>
+          <p:cNvSpPr>
+            <a:spLocks noGrp="1"/>
+          </p:cNvSpPr>
+          <p:nvPr>
+            <p:ph type="ftr" sz="quarter" idx="11"/>
+          </p:nvPr>
+        </p:nvSpPr>
+        <p:spPr/>
+        <p:txBody>
+          <a:bodyPr/>
+          <a:lstStyle/>
+          <a:p>
+            <a:r>
+              <a:rPr lang="fr-FR"/>
+              <a:t>Nom de la présentation</a:t>
+            </a:r>
+            <a:endParaRPr lang="fr-FR" dirty="0"/>
+          </a:p>
+        </p:txBody>
+      </p:sp>
+      <p:sp>
+        <p:nvSpPr>
+          <p:cNvPr id="5" name="Espace réservé du numéro de diapositive 4"/>
+          <p:cNvSpPr>
+            <a:spLocks noGrp="1"/>
+          </p:cNvSpPr>
+          <p:nvPr>
+            <p:ph type="sldNum" sz="quarter" idx="12"/>
+          </p:nvPr>
+        </p:nvSpPr>
+        <p:spPr/>
+        <p:txBody>
+          <a:bodyPr/>
+          <a:lstStyle/>
+          <a:p>
+            <a:fld id="{AF43E6FD-AB27-4108-A2FC-346BB5F75E3F}" type="slidenum">
+              <a:rPr lang="fr-FR" smtClean="0"/>
+              <a:pPr/>
+              <a:t>18</a:t>
+            </a:fld>
+            <a:endParaRPr lang="fr-FR" dirty="0"/>
+          </a:p>
+        </p:txBody>
+      </p:sp>
+      <p:pic>
+        <p:nvPicPr>
+          <p:cNvPr id="8" name="Espace réservé pour une image  9" descr="Fotolia_42179448_S.jpg"/>
+          <p:cNvPicPr>
+            <a:picLocks noGrp="1" noChangeAspect="1"/>
+          </p:cNvPicPr>
+          <p:nvPr>
+            <p:ph type="pic" sz="quarter" idx="13"/>
+          </p:nvPr>
+        </p:nvPicPr>
+        <p:blipFill>
+          <a:blip r:embed="rId3"/>
+          <a:srcRect l="5409" r="5409"/>
+          <a:stretch>
+            <a:fillRect/>
+          </a:stretch>
+        </p:blipFill>
+        <p:spPr/>
+      </p:pic>
+      <p:sp>
+        <p:nvSpPr>
+          <p:cNvPr id="13" name="Espace réservé du contenu 12"/>
+          <p:cNvSpPr>
+            <a:spLocks noGrp="1"/>
+          </p:cNvSpPr>
+          <p:nvPr>
+            <p:ph idx="1"/>
+          </p:nvPr>
+        </p:nvSpPr>
+        <p:spPr/>
+        <p:txBody>
+          <a:bodyPr/>
+          <a:lstStyle/>
+          <a:p>
+            <a:r>
+              <a:rPr lang="en-GB" dirty="0"/>
+              <a:t>Exercise 3 suite:</a:t>
+            </a:r>
+          </a:p>
+          <a:p>
+            <a:pPr lvl="1"/>
+            <a:r>
+              <a:rPr lang="en-GB" dirty="0"/>
+              <a:t>Use Controller as syntax</a:t>
+            </a:r>
+          </a:p>
+        </p:txBody>
+      </p:sp>
+    </p:spTree>
+    <p:extLst>
+      <p:ext uri="{BB962C8B-B14F-4D97-AF65-F5344CB8AC3E}">
+        <p14:creationId xmlns:p14="http://schemas.microsoft.com/office/powerpoint/2010/main" val="131312719"/>
+      </p:ext>
+    </p:extLst>
+  </p:cSld>
+  <p:clrMapOvr>
+    <a:masterClrMapping/>
+  </p:clrMapOvr>
+</p:sld>
+</file>
+
+<file path=ppt/slides/slide19.xml><?xml version="1.0" encoding="utf-8"?>
+<p:sld xmlns:a="http://schemas.openxmlformats.org/drawingml/2006/main" xmlns:r="http://schemas.openxmlformats.org/officeDocument/2006/relationships" xmlns:p="http://schemas.openxmlformats.org/presentationml/2006/main" show="0">
+  <p:cSld>
+    <p:spTree>
+      <p:nvGrpSpPr>
+        <p:cNvPr id="1" name=""/>
+        <p:cNvGrpSpPr/>
+        <p:nvPr/>
+      </p:nvGrpSpPr>
+      <p:grpSpPr>
+        <a:xfrm>
+          <a:off x="0" y="0"/>
+          <a:ext cx="0" cy="0"/>
+          <a:chOff x="0" y="0"/>
+          <a:chExt cx="0" cy="0"/>
+        </a:xfrm>
+      </p:grpSpPr>
+      <p:sp>
+        <p:nvSpPr>
+          <p:cNvPr id="2" name="Espace réservé du contenu 1"/>
+          <p:cNvSpPr>
+            <a:spLocks noGrp="1"/>
+          </p:cNvSpPr>
+          <p:nvPr>
+            <p:ph idx="1"/>
+          </p:nvPr>
+        </p:nvSpPr>
+        <p:spPr/>
+        <p:txBody>
+          <a:bodyPr/>
+          <a:lstStyle/>
+          <a:p>
+            <a:r>
+              <a:rPr lang="en-GB" dirty="0"/>
+              <a:t>Option that could be used :  an angular bracket expression {{  }} could call a function, like in :</a:t>
+            </a:r>
+          </a:p>
+          <a:p>
+            <a:pPr>
+              <a:buNone/>
+            </a:pPr>
+            <a:r>
+              <a:rPr lang="en-GB" dirty="0"/>
+              <a:t>                                         {{ </a:t>
+            </a:r>
+            <a:r>
+              <a:rPr lang="en-GB" dirty="0" err="1"/>
+              <a:t>order.addOrder</a:t>
+            </a:r>
+            <a:r>
+              <a:rPr lang="en-GB" dirty="0"/>
+              <a:t>()  }}  </a:t>
+            </a:r>
+          </a:p>
+          <a:p>
+            <a:r>
+              <a:rPr lang="en-GB" dirty="0"/>
+              <a:t>BUT in this case it ends up in ERROR</a:t>
+            </a:r>
+          </a:p>
+          <a:p>
+            <a:r>
+              <a:rPr lang="en-GB" dirty="0"/>
+              <a:t>BECAUSE the function is changing  another bound value  '</a:t>
+            </a:r>
+            <a:r>
+              <a:rPr lang="en-GB" dirty="0" err="1"/>
+              <a:t>orderCount</a:t>
+            </a:r>
+            <a:r>
+              <a:rPr lang="en-GB" dirty="0"/>
+              <a:t>'</a:t>
+            </a:r>
+          </a:p>
+          <a:p>
+            <a:r>
+              <a:rPr lang="en-GB" dirty="0"/>
+              <a:t>=&gt; so it's always changing =&gt; infinite loop ! until a stop is decided by Angular =&gt; ERROR</a:t>
+            </a:r>
+          </a:p>
+          <a:p>
+            <a:endParaRPr lang="en-GB" dirty="0"/>
+          </a:p>
+        </p:txBody>
+      </p:sp>
+      <p:sp>
+        <p:nvSpPr>
+          <p:cNvPr id="3" name="Titre 2"/>
+          <p:cNvSpPr>
+            <a:spLocks noGrp="1"/>
+          </p:cNvSpPr>
+          <p:nvPr>
+            <p:ph type="title"/>
+          </p:nvPr>
+        </p:nvSpPr>
+        <p:spPr/>
+        <p:txBody>
+          <a:bodyPr/>
+          <a:lstStyle/>
+          <a:p>
+            <a:r>
+              <a:rPr lang="en-GB" dirty="0" err="1" smtClean="0"/>
+              <a:t>Mais</a:t>
+            </a:r>
+            <a:r>
+              <a:rPr lang="en-GB" dirty="0" smtClean="0"/>
+              <a:t> attention …</a:t>
+            </a:r>
+            <a:endParaRPr lang="en-GB" dirty="0"/>
+          </a:p>
+        </p:txBody>
+      </p:sp>
+      <p:sp>
+        <p:nvSpPr>
+          <p:cNvPr id="4" name="Espace réservé du pied de page 3"/>
+          <p:cNvSpPr>
+            <a:spLocks noGrp="1"/>
+          </p:cNvSpPr>
+          <p:nvPr>
+            <p:ph type="ftr" sz="quarter" idx="11"/>
+          </p:nvPr>
+        </p:nvSpPr>
+        <p:spPr/>
+        <p:txBody>
+          <a:bodyPr/>
+          <a:lstStyle/>
+          <a:p>
+            <a:endParaRPr lang="fr-FR" dirty="0"/>
+          </a:p>
+        </p:txBody>
+      </p:sp>
+      <p:sp>
+        <p:nvSpPr>
+          <p:cNvPr id="5" name="Espace réservé du numéro de diapositive 4"/>
+          <p:cNvSpPr>
+            <a:spLocks noGrp="1"/>
+          </p:cNvSpPr>
+          <p:nvPr>
+            <p:ph type="sldNum" sz="quarter" idx="12"/>
+          </p:nvPr>
+        </p:nvSpPr>
+        <p:spPr/>
+        <p:txBody>
+          <a:bodyPr/>
+          <a:lstStyle/>
+          <a:p>
+            <a:fld id="{AF43E6FD-AB27-4108-A2FC-346BB5F75E3F}" type="slidenum">
+              <a:rPr lang="fr-FR" smtClean="0"/>
+              <a:pPr/>
+              <a:t>19</a:t>
+            </a:fld>
+            <a:endParaRPr lang="fr-FR" dirty="0"/>
+          </a:p>
+        </p:txBody>
+      </p:sp>
+      <p:sp>
+        <p:nvSpPr>
+          <p:cNvPr id="6" name="Espace réservé du texte 5"/>
+          <p:cNvSpPr>
+            <a:spLocks noGrp="1"/>
+          </p:cNvSpPr>
+          <p:nvPr>
+            <p:ph type="body" sz="quarter" idx="13"/>
+          </p:nvPr>
+        </p:nvSpPr>
+        <p:spPr/>
+        <p:txBody>
+          <a:bodyPr/>
+          <a:lstStyle/>
+          <a:p>
+            <a:endParaRPr lang="en-GB"/>
+          </a:p>
+        </p:txBody>
+      </p:sp>
+    </p:spTree>
+  </p:cSld>
+  <p:clrMapOvr>
+    <a:masterClrMapping/>
+  </p:clrMapOvr>
+  <p:transition/>
+</p:sld>
+</file>
+
+<file path=ppt/slides/slide2.xml><?xml version="1.0" encoding="utf-8"?>
+<p:sld xmlns:a="http://schemas.openxmlformats.org/drawingml/2006/main" xmlns:r="http://schemas.openxmlformats.org/officeDocument/2006/relationships" xmlns:p="http://schemas.openxmlformats.org/presentationml/2006/main">
+  <p:cSld>
+    <p:spTree>
+      <p:nvGrpSpPr>
+        <p:cNvPr id="1" name=""/>
+        <p:cNvGrpSpPr/>
+        <p:nvPr/>
+      </p:nvGrpSpPr>
+      <p:grpSpPr>
+        <a:xfrm>
+          <a:off x="0" y="0"/>
+          <a:ext cx="0" cy="0"/>
+          <a:chOff x="0" y="0"/>
+          <a:chExt cx="0" cy="0"/>
+        </a:xfrm>
+      </p:grpSpPr>
+      <p:sp>
+        <p:nvSpPr>
+          <p:cNvPr id="2" name="Espace réservé du contenu 1"/>
+          <p:cNvSpPr>
+            <a:spLocks noGrp="1"/>
+          </p:cNvSpPr>
+          <p:nvPr>
+            <p:ph idx="1"/>
+          </p:nvPr>
+        </p:nvSpPr>
+        <p:spPr bwMode="gray">
+          <a:xfrm>
+            <a:off x="515938" y="1219200"/>
+            <a:ext cx="8442325" cy="4681537"/>
+          </a:xfrm>
+        </p:spPr>
+        <p:txBody>
+          <a:bodyPr/>
+          <a:lstStyle/>
+          <a:p>
+            <a:pPr fontAlgn="base">
+              <a:buFont typeface="Arial" pitchFamily="34" charset="0"/>
+              <a:buChar char="•"/>
+            </a:pPr>
+            <a:r>
+              <a:rPr lang="fr-FR" b="1" dirty="0" smtClean="0">
+                <a:solidFill>
+                  <a:srgbClr val="FF0000"/>
+                </a:solidFill>
+              </a:rPr>
+              <a:t>Model</a:t>
+            </a:r>
+            <a:r>
+              <a:rPr lang="fr-FR" dirty="0" smtClean="0"/>
+              <a:t> : purs objets JSON (POJO) contenant les données</a:t>
+            </a:r>
+          </a:p>
+          <a:p>
+            <a:pPr fontAlgn="base">
+              <a:buFont typeface="Arial" pitchFamily="34" charset="0"/>
+              <a:buChar char="•"/>
+            </a:pPr>
+            <a:r>
+              <a:rPr lang="fr-FR" b="1" dirty="0" err="1" smtClean="0">
+                <a:solidFill>
+                  <a:srgbClr val="FF0000"/>
+                </a:solidFill>
+              </a:rPr>
+              <a:t>View</a:t>
+            </a:r>
+            <a:r>
+              <a:rPr lang="fr-FR" dirty="0" smtClean="0"/>
+              <a:t> : templates HTML accédant aux données exposées</a:t>
+            </a:r>
+          </a:p>
+          <a:p>
+            <a:pPr fontAlgn="base">
+              <a:buFont typeface="Arial" pitchFamily="34" charset="0"/>
+              <a:buChar char="•"/>
+            </a:pPr>
+            <a:r>
+              <a:rPr lang="fr-FR" b="1" dirty="0" smtClean="0">
+                <a:solidFill>
+                  <a:srgbClr val="FF0000"/>
+                </a:solidFill>
+              </a:rPr>
+              <a:t>Controller</a:t>
+            </a:r>
+            <a:r>
+              <a:rPr lang="fr-FR" dirty="0" smtClean="0"/>
+              <a:t> : fonction JS exposant le modèle aux vues via l'objet $scope</a:t>
+            </a:r>
+          </a:p>
+          <a:p>
+            <a:pPr fontAlgn="base">
+              <a:buFont typeface="Arial" pitchFamily="34" charset="0"/>
+              <a:buChar char="•"/>
+            </a:pPr>
+            <a:r>
+              <a:rPr lang="fr-FR" b="1" dirty="0" smtClean="0">
+                <a:solidFill>
+                  <a:srgbClr val="FF0000"/>
+                </a:solidFill>
+              </a:rPr>
+              <a:t>Directive</a:t>
+            </a:r>
+            <a:r>
+              <a:rPr lang="fr-FR" dirty="0" smtClean="0"/>
+              <a:t> : concept spécifique Angular permettant d'ajouter du comportement aux applications. Fait souvent le lien entre la vue et le model.</a:t>
+            </a:r>
+          </a:p>
+          <a:p>
+            <a:pPr fontAlgn="base">
+              <a:buFont typeface="Arial" pitchFamily="34" charset="0"/>
+              <a:buChar char="•"/>
+            </a:pPr>
+            <a:r>
+              <a:rPr lang="fr-FR" b="1" dirty="0" smtClean="0">
+                <a:solidFill>
+                  <a:srgbClr val="FF0000"/>
+                </a:solidFill>
+              </a:rPr>
+              <a:t>Service</a:t>
+            </a:r>
+            <a:r>
+              <a:rPr lang="fr-FR" dirty="0" smtClean="0"/>
+              <a:t> :  permet de concentrer la logique hors des </a:t>
+            </a:r>
+            <a:r>
+              <a:rPr lang="fr-FR" dirty="0" err="1" smtClean="0"/>
+              <a:t>controllers</a:t>
+            </a:r>
+            <a:r>
+              <a:rPr lang="fr-FR" dirty="0" smtClean="0"/>
+              <a:t> qui doivent rester compacts et compréhensibles</a:t>
+            </a:r>
+          </a:p>
+          <a:p>
+            <a:endParaRPr lang="en-US" dirty="0" smtClean="0"/>
+          </a:p>
+        </p:txBody>
+      </p:sp>
+      <p:sp>
+        <p:nvSpPr>
+          <p:cNvPr id="3" name="Titre 2"/>
+          <p:cNvSpPr>
+            <a:spLocks noGrp="1"/>
+          </p:cNvSpPr>
+          <p:nvPr>
+            <p:ph type="title"/>
+          </p:nvPr>
+        </p:nvSpPr>
+        <p:spPr bwMode="gray">
+          <a:xfrm>
+            <a:off x="544439" y="632880"/>
+            <a:ext cx="8045374" cy="332546"/>
+          </a:xfrm>
+        </p:spPr>
+        <p:txBody>
+          <a:bodyPr/>
+          <a:lstStyle/>
+          <a:p>
+            <a:r>
+              <a:rPr lang="fr-FR" cap="none" dirty="0" smtClean="0"/>
+              <a:t>Les concepts</a:t>
+            </a:r>
+            <a:endParaRPr lang="en-GB" cap="none" dirty="0"/>
+          </a:p>
+        </p:txBody>
+      </p:sp>
+      <p:sp>
+        <p:nvSpPr>
+          <p:cNvPr id="5" name="Espace réservé du numéro de diapositive 4"/>
+          <p:cNvSpPr>
+            <a:spLocks noGrp="1"/>
+          </p:cNvSpPr>
+          <p:nvPr>
+            <p:ph type="sldNum" sz="quarter" idx="12"/>
+          </p:nvPr>
+        </p:nvSpPr>
+        <p:spPr bwMode="gray"/>
+        <p:txBody>
+          <a:bodyPr/>
+          <a:lstStyle/>
+          <a:p>
+            <a:fld id="{AF43E6FD-AB27-4108-A2FC-346BB5F75E3F}" type="slidenum">
+              <a:rPr lang="fr-FR" smtClean="0"/>
+              <a:pPr/>
+              <a:t>2</a:t>
+            </a:fld>
+            <a:endParaRPr lang="fr-FR" dirty="0"/>
+          </a:p>
+        </p:txBody>
+      </p:sp>
+      <p:sp>
+        <p:nvSpPr>
+          <p:cNvPr id="6" name="Espace réservé du pied de page 5"/>
+          <p:cNvSpPr>
+            <a:spLocks noGrp="1"/>
+          </p:cNvSpPr>
+          <p:nvPr>
+            <p:ph type="ftr" sz="quarter" idx="11"/>
+          </p:nvPr>
+        </p:nvSpPr>
+        <p:spPr/>
+        <p:txBody>
+          <a:bodyPr/>
+          <a:lstStyle/>
+          <a:p>
+            <a:r>
+              <a:rPr lang="fr-FR" dirty="0" err="1"/>
+              <a:t>Angular</a:t>
+            </a:r>
+            <a:r>
+              <a:rPr lang="fr-FR" dirty="0"/>
+              <a:t> JS 1 : Introduction</a:t>
+            </a:r>
+          </a:p>
+        </p:txBody>
+      </p:sp>
+      <p:sp>
+        <p:nvSpPr>
+          <p:cNvPr id="17" name="Ellipse 16"/>
+          <p:cNvSpPr/>
+          <p:nvPr/>
+        </p:nvSpPr>
+        <p:spPr>
+          <a:xfrm>
+            <a:off x="1783533" y="4471988"/>
+            <a:ext cx="5353191" cy="1914525"/>
+          </a:xfrm>
+          <a:prstGeom prst="ellipse">
+            <a:avLst/>
+          </a:prstGeom>
+          <a:solidFill>
+            <a:schemeClr val="accent5">
+              <a:alpha val="28000"/>
+            </a:schemeClr>
+          </a:solidFill>
+          <a:ln/>
+        </p:spPr>
+        <p:style>
+          <a:lnRef idx="2">
+            <a:schemeClr val="accent5">
+              <a:shade val="50000"/>
+            </a:schemeClr>
+          </a:lnRef>
+          <a:fillRef idx="1">
+            <a:schemeClr val="accent5"/>
+          </a:fillRef>
+          <a:effectRef idx="0">
+            <a:schemeClr val="accent5"/>
+          </a:effectRef>
+          <a:fontRef idx="minor">
+            <a:schemeClr val="lt1"/>
+          </a:fontRef>
+        </p:style>
+        <p:txBody>
+          <a:bodyPr rtlCol="0" anchor="ctr"/>
+          <a:lstStyle/>
+          <a:p>
+            <a:pPr algn="ctr"/>
+            <a:endParaRPr lang="fr-FR" dirty="0" smtClean="0"/>
+          </a:p>
+        </p:txBody>
+      </p:sp>
+      <p:sp>
+        <p:nvSpPr>
+          <p:cNvPr id="18" name="Ellipse 17"/>
+          <p:cNvSpPr/>
+          <p:nvPr/>
+        </p:nvSpPr>
+        <p:spPr>
+          <a:xfrm>
+            <a:off x="3736178" y="4614863"/>
+            <a:ext cx="5076583" cy="1771650"/>
+          </a:xfrm>
+          <a:prstGeom prst="ellipse">
+            <a:avLst/>
+          </a:prstGeom>
+          <a:solidFill>
+            <a:schemeClr val="accent6">
+              <a:alpha val="29000"/>
+            </a:schemeClr>
+          </a:solidFill>
+          <a:ln/>
+        </p:spPr>
+        <p:style>
+          <a:lnRef idx="2">
+            <a:schemeClr val="accent6">
+              <a:shade val="50000"/>
+            </a:schemeClr>
+          </a:lnRef>
+          <a:fillRef idx="1">
+            <a:schemeClr val="accent6"/>
+          </a:fillRef>
+          <a:effectRef idx="0">
+            <a:schemeClr val="accent6"/>
+          </a:effectRef>
+          <a:fontRef idx="minor">
+            <a:schemeClr val="lt1"/>
+          </a:fontRef>
+        </p:style>
+        <p:txBody>
+          <a:bodyPr rtlCol="0" anchor="ctr"/>
+          <a:lstStyle/>
+          <a:p>
+            <a:pPr algn="ctr"/>
+            <a:endParaRPr lang="fr-FR" dirty="0" smtClean="0"/>
+          </a:p>
+        </p:txBody>
+      </p:sp>
+      <p:sp>
+        <p:nvSpPr>
+          <p:cNvPr id="19" name="Ellipse 18"/>
+          <p:cNvSpPr/>
+          <p:nvPr/>
+        </p:nvSpPr>
+        <p:spPr>
+          <a:xfrm>
+            <a:off x="4014935" y="5041632"/>
+            <a:ext cx="1214437" cy="871538"/>
+          </a:xfrm>
+          <a:prstGeom prst="ellipse">
+            <a:avLst/>
+          </a:prstGeom>
+          <a:ln/>
+        </p:spPr>
+        <p:style>
+          <a:lnRef idx="0">
+            <a:schemeClr val="accent2"/>
+          </a:lnRef>
+          <a:fillRef idx="3">
+            <a:schemeClr val="accent2"/>
+          </a:fillRef>
+          <a:effectRef idx="3">
+            <a:schemeClr val="accent2"/>
+          </a:effectRef>
+          <a:fontRef idx="minor">
+            <a:schemeClr val="lt1"/>
+          </a:fontRef>
+        </p:style>
+        <p:txBody>
+          <a:bodyPr rtlCol="0" anchor="ctr"/>
+          <a:lstStyle/>
+          <a:p>
+            <a:pPr algn="ctr"/>
+            <a:r>
+              <a:rPr lang="fr-FR" dirty="0" smtClean="0"/>
+              <a:t>Model</a:t>
+            </a:r>
+          </a:p>
+        </p:txBody>
+      </p:sp>
+      <p:sp>
+        <p:nvSpPr>
+          <p:cNvPr id="20" name="Ellipse 19"/>
+          <p:cNvSpPr/>
+          <p:nvPr/>
+        </p:nvSpPr>
+        <p:spPr>
+          <a:xfrm>
+            <a:off x="7260578" y="5041632"/>
+            <a:ext cx="1214437" cy="871538"/>
+          </a:xfrm>
+          <a:prstGeom prst="ellipse">
+            <a:avLst/>
+          </a:prstGeom>
+          <a:ln/>
+        </p:spPr>
+        <p:style>
+          <a:lnRef idx="0">
+            <a:schemeClr val="accent2"/>
+          </a:lnRef>
+          <a:fillRef idx="3">
+            <a:schemeClr val="accent2"/>
+          </a:fillRef>
+          <a:effectRef idx="3">
+            <a:schemeClr val="accent2"/>
+          </a:effectRef>
+          <a:fontRef idx="minor">
+            <a:schemeClr val="lt1"/>
+          </a:fontRef>
+        </p:style>
+        <p:txBody>
+          <a:bodyPr rtlCol="0" anchor="ctr"/>
+          <a:lstStyle/>
+          <a:p>
+            <a:pPr algn="ctr"/>
+            <a:r>
+              <a:rPr lang="fr-FR" dirty="0" err="1" smtClean="0"/>
+              <a:t>View</a:t>
+            </a:r>
+            <a:endParaRPr lang="fr-FR" dirty="0" smtClean="0"/>
+          </a:p>
+        </p:txBody>
+      </p:sp>
+      <p:sp>
+        <p:nvSpPr>
+          <p:cNvPr id="21" name="Ellipse 20"/>
+          <p:cNvSpPr/>
+          <p:nvPr/>
+        </p:nvSpPr>
+        <p:spPr>
+          <a:xfrm>
+            <a:off x="1941101" y="4997598"/>
+            <a:ext cx="1628775" cy="871538"/>
+          </a:xfrm>
+          <a:prstGeom prst="ellipse">
+            <a:avLst/>
+          </a:prstGeom>
+          <a:ln/>
+        </p:spPr>
+        <p:style>
+          <a:lnRef idx="0">
+            <a:schemeClr val="accent2"/>
+          </a:lnRef>
+          <a:fillRef idx="3">
+            <a:schemeClr val="accent2"/>
+          </a:fillRef>
+          <a:effectRef idx="3">
+            <a:schemeClr val="accent2"/>
+          </a:effectRef>
+          <a:fontRef idx="minor">
+            <a:schemeClr val="lt1"/>
+          </a:fontRef>
+        </p:style>
+        <p:txBody>
+          <a:bodyPr rtlCol="0" anchor="ctr"/>
+          <a:lstStyle/>
+          <a:p>
+            <a:pPr algn="ctr"/>
+            <a:r>
+              <a:rPr lang="fr-FR" dirty="0" smtClean="0"/>
+              <a:t>Controller</a:t>
+            </a:r>
+          </a:p>
+        </p:txBody>
+      </p:sp>
+      <p:sp>
+        <p:nvSpPr>
+          <p:cNvPr id="22" name="Rectangle à coins arrondis 21"/>
+          <p:cNvSpPr/>
+          <p:nvPr/>
+        </p:nvSpPr>
+        <p:spPr>
+          <a:xfrm>
+            <a:off x="5631531" y="5208125"/>
+            <a:ext cx="1285875" cy="500063"/>
+          </a:xfrm>
+          <a:prstGeom prst="roundRect">
+            <a:avLst/>
+          </a:prstGeom>
+          <a:ln/>
+        </p:spPr>
+        <p:style>
+          <a:lnRef idx="0">
+            <a:schemeClr val="accent6"/>
+          </a:lnRef>
+          <a:fillRef idx="3">
+            <a:schemeClr val="accent6"/>
+          </a:fillRef>
+          <a:effectRef idx="3">
+            <a:schemeClr val="accent6"/>
+          </a:effectRef>
+          <a:fontRef idx="minor">
+            <a:schemeClr val="lt1"/>
+          </a:fontRef>
+        </p:style>
+        <p:txBody>
+          <a:bodyPr rtlCol="0" anchor="ctr"/>
+          <a:lstStyle/>
+          <a:p>
+            <a:pPr algn="ctr"/>
+            <a:r>
+              <a:rPr lang="fr-FR" dirty="0" smtClean="0"/>
+              <a:t>Directive</a:t>
+            </a:r>
+          </a:p>
+        </p:txBody>
+      </p:sp>
+      <p:sp>
+        <p:nvSpPr>
+          <p:cNvPr id="23" name="Rectangle à coins arrondis 22"/>
+          <p:cNvSpPr/>
+          <p:nvPr/>
+        </p:nvSpPr>
+        <p:spPr>
+          <a:xfrm>
+            <a:off x="414507" y="5174294"/>
+            <a:ext cx="1285875" cy="500063"/>
+          </a:xfrm>
+          <a:prstGeom prst="roundRect">
+            <a:avLst/>
+          </a:prstGeom>
+          <a:ln/>
+        </p:spPr>
+        <p:style>
+          <a:lnRef idx="0">
+            <a:schemeClr val="accent5"/>
+          </a:lnRef>
+          <a:fillRef idx="3">
+            <a:schemeClr val="accent5"/>
+          </a:fillRef>
+          <a:effectRef idx="3">
+            <a:schemeClr val="accent5"/>
+          </a:effectRef>
+          <a:fontRef idx="minor">
+            <a:schemeClr val="lt1"/>
+          </a:fontRef>
+        </p:style>
+        <p:txBody>
+          <a:bodyPr rtlCol="0" anchor="ctr"/>
+          <a:lstStyle/>
+          <a:p>
+            <a:pPr algn="ctr"/>
+            <a:r>
+              <a:rPr lang="fr-FR" dirty="0" smtClean="0"/>
+              <a:t>Service</a:t>
+            </a:r>
+          </a:p>
+        </p:txBody>
+      </p:sp>
+    </p:spTree>
+    <p:extLst>
+      <p:ext uri="{BB962C8B-B14F-4D97-AF65-F5344CB8AC3E}">
+        <p14:creationId xmlns:p14="http://schemas.microsoft.com/office/powerpoint/2010/main" val="3490651826"/>
+      </p:ext>
+    </p:extLst>
+  </p:cSld>
+  <p:clrMapOvr>
+    <a:masterClrMapping/>
+  </p:clrMapOvr>
+  <p:timing>
+    <p:tnLst>
+      <p:par>
+        <p:cTn id="1" dur="indefinite" restart="never" nodeType="tmRoot"/>
+      </p:par>
+    </p:tnLst>
+  </p:timing>
+</p:sld>
+</file>
+
+<file path=ppt/slides/slide20.xml><?xml version="1.0" encoding="utf-8"?>
+<p:sld xmlns:a="http://schemas.openxmlformats.org/drawingml/2006/main" xmlns:r="http://schemas.openxmlformats.org/officeDocument/2006/relationships" xmlns:p="http://schemas.openxmlformats.org/presentationml/2006/main">
+  <p:cSld>
+    <p:spTree>
+      <p:nvGrpSpPr>
+        <p:cNvPr id="1" name=""/>
+        <p:cNvGrpSpPr/>
+        <p:nvPr/>
+      </p:nvGrpSpPr>
+      <p:grpSpPr>
+        <a:xfrm>
+          <a:off x="0" y="0"/>
+          <a:ext cx="0" cy="0"/>
+          <a:chOff x="0" y="0"/>
+          <a:chExt cx="0" cy="0"/>
+        </a:xfrm>
+      </p:grpSpPr>
+      <p:sp>
+        <p:nvSpPr>
           <p:cNvPr id="2" name="Espace réservé du contenu 1"/>
           <p:cNvSpPr>
             <a:spLocks noGrp="1"/>
@@ -11652,7 +12390,7 @@
             <a:fld id="{AF43E6FD-AB27-4108-A2FC-346BB5F75E3F}" type="slidenum">
               <a:rPr lang="fr-FR" smtClean="0"/>
               <a:pPr/>
-              <a:t>18</a:t>
+              <a:t>20</a:t>
             </a:fld>
             <a:endParaRPr lang="fr-FR" dirty="0"/>
           </a:p>
@@ -11933,7 +12671,7 @@
 </p:sld>
 </file>
 
-<file path=ppt/slides/slide19.xml><?xml version="1.0" encoding="utf-8"?>
+<file path=ppt/slides/slide21.xml><?xml version="1.0" encoding="utf-8"?>
 <p:sld xmlns:a="http://schemas.openxmlformats.org/drawingml/2006/main" xmlns:r="http://schemas.openxmlformats.org/officeDocument/2006/relationships" xmlns:p="http://schemas.openxmlformats.org/presentationml/2006/main">
   <p:cSld>
     <p:spTree>
@@ -12049,7 +12787,7 @@
             <a:fld id="{AF43E6FD-AB27-4108-A2FC-346BB5F75E3F}" type="slidenum">
               <a:rPr lang="fr-FR" smtClean="0"/>
               <a:pPr/>
-              <a:t>19</a:t>
+              <a:t>21</a:t>
             </a:fld>
             <a:endParaRPr lang="fr-FR" dirty="0"/>
           </a:p>
@@ -12662,199 +13400,6 @@
 </p:sld>
 </file>
 
-<file path=ppt/slides/slide2.xml><?xml version="1.0" encoding="utf-8"?>
-<p:sld xmlns:a="http://schemas.openxmlformats.org/drawingml/2006/main" xmlns:r="http://schemas.openxmlformats.org/officeDocument/2006/relationships" xmlns:p="http://schemas.openxmlformats.org/presentationml/2006/main">
-  <p:cSld>
-    <p:spTree>
-      <p:nvGrpSpPr>
-        <p:cNvPr id="1" name=""/>
-        <p:cNvGrpSpPr/>
-        <p:nvPr/>
-      </p:nvGrpSpPr>
-      <p:grpSpPr>
-        <a:xfrm>
-          <a:off x="0" y="0"/>
-          <a:ext cx="0" cy="0"/>
-          <a:chOff x="0" y="0"/>
-          <a:chExt cx="0" cy="0"/>
-        </a:xfrm>
-      </p:grpSpPr>
-      <p:sp>
-        <p:nvSpPr>
-          <p:cNvPr id="2" name="Espace réservé du contenu 1"/>
-          <p:cNvSpPr>
-            <a:spLocks noGrp="1"/>
-          </p:cNvSpPr>
-          <p:nvPr>
-            <p:ph idx="1"/>
-          </p:nvPr>
-        </p:nvSpPr>
-        <p:spPr/>
-        <p:txBody>
-          <a:bodyPr/>
-          <a:lstStyle/>
-          <a:p>
-            <a:r>
-              <a:rPr lang="fr-FR" dirty="0"/>
-              <a:t>EXPRESSIONS</a:t>
-            </a:r>
-          </a:p>
-          <a:p>
-            <a:pPr lvl="1">
-              <a:buFont typeface="Arial" pitchFamily="34" charset="0"/>
-              <a:buChar char="•"/>
-            </a:pPr>
-            <a:r>
-              <a:rPr lang="fr-FR" dirty="0"/>
-              <a:t>Angular interprète les templates, ce qui permet d'écrire de l'HTML contenant des expressions dynamiques  :</a:t>
-            </a:r>
-          </a:p>
-          <a:p>
-            <a:pPr lvl="1">
-              <a:buFont typeface="Arial" pitchFamily="34" charset="0"/>
-              <a:buChar char="•"/>
-            </a:pPr>
-            <a:endParaRPr lang="fr-FR" dirty="0"/>
-          </a:p>
-          <a:p>
-            <a:pPr lvl="1">
-              <a:buFont typeface="Arial" pitchFamily="34" charset="0"/>
-              <a:buChar char="•"/>
-            </a:pPr>
-            <a:r>
-              <a:rPr lang="fr-FR" dirty="0"/>
-              <a:t>&lt;h1&gt;{{ 1+1 }}&lt;/h1&gt; // 2</a:t>
-            </a:r>
-          </a:p>
-          <a:p>
-            <a:pPr lvl="1">
-              <a:buFont typeface="Arial" pitchFamily="34" charset="0"/>
-              <a:buChar char="•"/>
-            </a:pPr>
-            <a:r>
-              <a:rPr lang="fr-FR" dirty="0"/>
-              <a:t>&lt;h1&gt;{{ "Hello " + "world !!!" }}&lt;/h1&gt; // Hello world</a:t>
-            </a:r>
-          </a:p>
-          <a:p>
-            <a:pPr lvl="1">
-              <a:buFont typeface="Arial" pitchFamily="34" charset="0"/>
-              <a:buChar char="•"/>
-            </a:pPr>
-            <a:endParaRPr lang="fr-FR" dirty="0"/>
-          </a:p>
-          <a:p>
-            <a:pPr lvl="1">
-              <a:buFont typeface="Arial" pitchFamily="34" charset="0"/>
-              <a:buChar char="•"/>
-            </a:pPr>
-            <a:r>
-              <a:rPr lang="fr-FR" dirty="0"/>
-              <a:t>Les expressions pardonnent les null ou undefined :</a:t>
-            </a:r>
-          </a:p>
-          <a:p>
-            <a:pPr lvl="2">
-              <a:buFont typeface="Arial" pitchFamily="34" charset="0"/>
-              <a:buChar char="•"/>
-            </a:pPr>
-            <a:r>
-              <a:rPr lang="fr-FR" dirty="0"/>
-              <a:t>une chaîne de caractères vide sera affichée</a:t>
-            </a:r>
-            <a:endParaRPr lang="en-US" dirty="0"/>
-          </a:p>
-        </p:txBody>
-      </p:sp>
-      <p:sp>
-        <p:nvSpPr>
-          <p:cNvPr id="3" name="Titre 2"/>
-          <p:cNvSpPr>
-            <a:spLocks noGrp="1"/>
-          </p:cNvSpPr>
-          <p:nvPr>
-            <p:ph type="title"/>
-          </p:nvPr>
-        </p:nvSpPr>
-        <p:spPr/>
-        <p:txBody>
-          <a:bodyPr/>
-          <a:lstStyle/>
-          <a:p>
-            <a:endParaRPr lang="en-US" dirty="0"/>
-          </a:p>
-        </p:txBody>
-      </p:sp>
-      <p:sp>
-        <p:nvSpPr>
-          <p:cNvPr id="4" name="Espace réservé du pied de page 3"/>
-          <p:cNvSpPr>
-            <a:spLocks noGrp="1"/>
-          </p:cNvSpPr>
-          <p:nvPr>
-            <p:ph type="ftr" sz="quarter" idx="11"/>
-          </p:nvPr>
-        </p:nvSpPr>
-        <p:spPr/>
-        <p:txBody>
-          <a:bodyPr/>
-          <a:lstStyle/>
-          <a:p>
-            <a:endParaRPr lang="fr-FR" dirty="0"/>
-          </a:p>
-        </p:txBody>
-      </p:sp>
-      <p:sp>
-        <p:nvSpPr>
-          <p:cNvPr id="5" name="Espace réservé du numéro de diapositive 4"/>
-          <p:cNvSpPr>
-            <a:spLocks noGrp="1"/>
-          </p:cNvSpPr>
-          <p:nvPr>
-            <p:ph type="sldNum" sz="quarter" idx="12"/>
-          </p:nvPr>
-        </p:nvSpPr>
-        <p:spPr/>
-        <p:txBody>
-          <a:bodyPr/>
-          <a:lstStyle/>
-          <a:p>
-            <a:fld id="{AF43E6FD-AB27-4108-A2FC-346BB5F75E3F}" type="slidenum">
-              <a:rPr lang="fr-FR" smtClean="0"/>
-              <a:pPr/>
-              <a:t>2</a:t>
-            </a:fld>
-            <a:endParaRPr lang="fr-FR" dirty="0"/>
-          </a:p>
-        </p:txBody>
-      </p:sp>
-      <p:sp>
-        <p:nvSpPr>
-          <p:cNvPr id="6" name="Espace réservé du texte 5"/>
-          <p:cNvSpPr>
-            <a:spLocks noGrp="1"/>
-          </p:cNvSpPr>
-          <p:nvPr>
-            <p:ph type="body" sz="quarter" idx="13"/>
-          </p:nvPr>
-        </p:nvSpPr>
-        <p:spPr/>
-        <p:txBody>
-          <a:bodyPr/>
-          <a:lstStyle/>
-          <a:p>
-            <a:endParaRPr lang="en-US"/>
-          </a:p>
-        </p:txBody>
-      </p:sp>
-    </p:spTree>
-  </p:cSld>
-  <p:clrMapOvr>
-    <a:masterClrMapping/>
-  </p:clrMapOvr>
-</p:sld>
-</file>
-
 <file path=ppt/slides/slide3.xml><?xml version="1.0" encoding="utf-8"?>
 <p:sld xmlns:a="http://schemas.openxmlformats.org/drawingml/2006/main" xmlns:r="http://schemas.openxmlformats.org/officeDocument/2006/relationships" xmlns:p="http://schemas.openxmlformats.org/presentationml/2006/main">
   <p:cSld>
@@ -12882,55 +13427,124 @@
             <p:ph idx="1"/>
           </p:nvPr>
         </p:nvSpPr>
-        <p:spPr/>
+        <p:spPr>
+          <a:xfrm>
+            <a:off x="515938" y="1255704"/>
+            <a:ext cx="8088511" cy="4681537"/>
+          </a:xfrm>
+        </p:spPr>
         <p:txBody>
           <a:bodyPr/>
           <a:lstStyle/>
           <a:p>
             <a:r>
               <a:rPr lang="fr-FR" dirty="0"/>
-              <a:t>RÈGLES</a:t>
+              <a:t>Récupérer angular.js depuis le site web</a:t>
             </a:r>
           </a:p>
           <a:p>
             <a:r>
               <a:rPr lang="fr-FR" dirty="0"/>
-              <a:t>Les variables des expressions sont évaluées </a:t>
+              <a:t>2 conditions sur une page html :</a:t>
+            </a:r>
+          </a:p>
+          <a:p>
+            <a:pPr lvl="1"/>
+            <a:r>
+              <a:rPr lang="fr-FR" dirty="0"/>
+              <a:t>Ajouter angular.js dans une balise script</a:t>
+            </a:r>
+          </a:p>
+          <a:p>
+            <a:pPr lvl="1"/>
+            <a:endParaRPr lang="fr-FR" dirty="0"/>
+          </a:p>
+          <a:p>
+            <a:pPr lvl="1"/>
+            <a:endParaRPr lang="fr-FR" dirty="0"/>
+          </a:p>
+          <a:p>
+            <a:pPr lvl="1"/>
+            <a:endParaRPr lang="fr-FR" dirty="0"/>
+          </a:p>
+          <a:p>
+            <a:pPr lvl="1"/>
+            <a:r>
+              <a:rPr lang="fr-FR" dirty="0"/>
+              <a:t>Ajouter un attribut </a:t>
+            </a:r>
+            <a:r>
+              <a:rPr lang="fr-FR" dirty="0" err="1"/>
+              <a:t>ng-app</a:t>
+            </a:r>
+            <a:r>
+              <a:rPr lang="fr-FR" dirty="0"/>
+              <a:t> sur une balise</a:t>
+            </a:r>
+          </a:p>
+          <a:p>
+            <a:pPr lvl="2"/>
+            <a:r>
+              <a:rPr lang="fr-FR" dirty="0"/>
+              <a:t>Définit le nom du module de l’application</a:t>
+            </a:r>
+          </a:p>
+          <a:p>
+            <a:pPr lvl="2"/>
+            <a:r>
+              <a:rPr lang="fr-FR" dirty="0" err="1"/>
+              <a:t>Inidique</a:t>
+            </a:r>
+            <a:r>
+              <a:rPr lang="fr-FR" dirty="0"/>
+              <a:t> le début du code à traiter </a:t>
             </a:r>
             <a:br>
               <a:rPr lang="fr-FR" dirty="0"/>
             </a:br>
             <a:r>
               <a:rPr lang="fr-FR" dirty="0"/>
-              <a:t>depuis l'objet $scope et non l'objet </a:t>
+              <a:t>par </a:t>
             </a:r>
             <a:r>
               <a:rPr lang="fr-FR" dirty="0" err="1"/>
-              <a:t>window</a:t>
-            </a:r>
+              <a:t>AngularJS</a:t>
+            </a:r>
+            <a:endParaRPr lang="fr-FR" dirty="0"/>
+          </a:p>
+          <a:p>
+            <a:pPr lvl="2"/>
             <a:r>
               <a:rPr lang="fr-FR" dirty="0"/>
-              <a:t>.</a:t>
-            </a:r>
-          </a:p>
-          <a:p>
+              <a:t>Un seul </a:t>
+            </a:r>
+            <a:r>
+              <a:rPr lang="fr-FR" dirty="0" err="1"/>
+              <a:t>ng-app</a:t>
+            </a:r>
             <a:r>
               <a:rPr lang="fr-FR" dirty="0"/>
-              <a:t>Pour respecter la séparation du code entre les vues et les contrôleurs, il est impératif de garder les expressions simples.</a:t>
-            </a:r>
-          </a:p>
-          <a:p>
+              <a:t> par page !</a:t>
+            </a:r>
+          </a:p>
+          <a:p>
+            <a:pPr lvl="2"/>
+            <a:r>
+              <a:rPr lang="fr-FR" dirty="0" err="1"/>
+              <a:t>ng</a:t>
+            </a:r>
             <a:r>
               <a:rPr lang="fr-FR" dirty="0"/>
-              <a:t>Il est préférable de faire appel à une fonction exposée par un contrôleur.</a:t>
-            </a:r>
-          </a:p>
-          <a:p>
+              <a:t> = raccourci pour </a:t>
+            </a:r>
+            <a:r>
+              <a:rPr lang="fr-FR" dirty="0" err="1"/>
+              <a:t>Angular</a:t>
+            </a:r>
             <a:r>
               <a:rPr lang="fr-FR" dirty="0"/>
-              <a:t>Il est possible d'utiliser des filtres dans les expressions</a:t>
-            </a:r>
-            <a:endParaRPr lang="en-US" dirty="0"/>
+              <a:t> JS</a:t>
+            </a:r>
           </a:p>
         </p:txBody>
       </p:sp>
@@ -12949,7 +13563,11 @@
           <a:bodyPr/>
           <a:lstStyle/>
           <a:p>
-            <a:endParaRPr lang="en-US"/>
+            <a:r>
+              <a:rPr lang="fr-FR" cap="none" dirty="0" smtClean="0"/>
+              <a:t>Premier Pas</a:t>
+            </a:r>
+            <a:endParaRPr lang="fr-FR" dirty="0"/>
           </a:p>
         </p:txBody>
       </p:sp>
@@ -13011,11 +13629,147 @@
           <a:bodyPr/>
           <a:lstStyle/>
           <a:p>
-            <a:endParaRPr lang="en-US"/>
+            <a:r>
+              <a:rPr lang="fr-FR" cap="none" dirty="0"/>
+              <a:t>Une application avec </a:t>
+            </a:r>
+            <a:r>
+              <a:rPr lang="fr-FR" cap="none" dirty="0" err="1"/>
+              <a:t>Angular</a:t>
+            </a:r>
+            <a:r>
+              <a:rPr lang="fr-FR" cap="none" dirty="0"/>
+              <a:t> JS</a:t>
+            </a:r>
+          </a:p>
+        </p:txBody>
+      </p:sp>
+      <p:sp>
+        <p:nvSpPr>
+          <p:cNvPr id="7" name="ZoneTexte 6"/>
+          <p:cNvSpPr txBox="1"/>
+          <p:nvPr/>
+        </p:nvSpPr>
+        <p:spPr>
+          <a:xfrm>
+            <a:off x="1685927" y="2524601"/>
+            <a:ext cx="3457575" cy="640515"/>
+          </a:xfrm>
+          <a:prstGeom prst="rect">
+            <a:avLst/>
+          </a:prstGeom>
+        </p:spPr>
+        <p:style>
+          <a:lnRef idx="0">
+            <a:schemeClr val="accent6"/>
+          </a:lnRef>
+          <a:fillRef idx="3">
+            <a:schemeClr val="accent6"/>
+          </a:fillRef>
+          <a:effectRef idx="3">
+            <a:schemeClr val="accent6"/>
+          </a:effectRef>
+          <a:fontRef idx="minor">
+            <a:schemeClr val="lt1"/>
+          </a:fontRef>
+        </p:style>
+        <p:txBody>
+          <a:bodyPr wrap="square" lIns="180000" tIns="180000" rIns="180000" bIns="180000" rtlCol="0">
+            <a:spAutoFit/>
+          </a:bodyPr>
+          <a:lstStyle/>
+          <a:p>
+            <a:r>
+              <a:rPr lang="fr-FR" dirty="0"/>
+              <a:t>&lt;script </a:t>
+            </a:r>
+            <a:r>
+              <a:rPr lang="fr-FR" dirty="0" err="1"/>
+              <a:t>src</a:t>
+            </a:r>
+            <a:r>
+              <a:rPr lang="fr-FR" dirty="0"/>
+              <a:t>="angular.js"&gt;&lt;/script&gt;</a:t>
+            </a:r>
+          </a:p>
+        </p:txBody>
+      </p:sp>
+      <p:sp>
+        <p:nvSpPr>
+          <p:cNvPr id="10" name="ZoneTexte 9"/>
+          <p:cNvSpPr txBox="1"/>
+          <p:nvPr/>
+        </p:nvSpPr>
+        <p:spPr>
+          <a:xfrm>
+            <a:off x="5143502" y="4620101"/>
+            <a:ext cx="3457575" cy="1194512"/>
+          </a:xfrm>
+          <a:prstGeom prst="rect">
+            <a:avLst/>
+          </a:prstGeom>
+        </p:spPr>
+        <p:style>
+          <a:lnRef idx="0">
+            <a:schemeClr val="accent6"/>
+          </a:lnRef>
+          <a:fillRef idx="3">
+            <a:schemeClr val="accent6"/>
+          </a:fillRef>
+          <a:effectRef idx="3">
+            <a:schemeClr val="accent6"/>
+          </a:effectRef>
+          <a:fontRef idx="minor">
+            <a:schemeClr val="lt1"/>
+          </a:fontRef>
+        </p:style>
+        <p:txBody>
+          <a:bodyPr wrap="square" lIns="180000" tIns="180000" rIns="180000" bIns="180000" rtlCol="0">
+            <a:spAutoFit/>
+          </a:bodyPr>
+          <a:lstStyle/>
+          <a:p>
+            <a:r>
+              <a:rPr lang="fr-FR" dirty="0"/>
+              <a:t>&lt;body </a:t>
+            </a:r>
+            <a:r>
+              <a:rPr lang="fr-FR" dirty="0" err="1"/>
+              <a:t>ng-app</a:t>
+            </a:r>
+            <a:r>
+              <a:rPr lang="fr-FR" dirty="0"/>
+              <a:t>="</a:t>
+            </a:r>
+            <a:r>
+              <a:rPr lang="fr-FR" dirty="0" err="1"/>
+              <a:t>app</a:t>
+            </a:r>
+            <a:r>
+              <a:rPr lang="fr-FR" dirty="0"/>
+              <a:t>"&gt;</a:t>
+            </a:r>
+          </a:p>
+          <a:p>
+            <a:r>
+              <a:rPr lang="fr-FR" dirty="0"/>
+              <a:t>…</a:t>
+            </a:r>
+          </a:p>
+          <a:p>
+            <a:r>
+              <a:rPr lang="fr-FR" dirty="0"/>
+              <a:t>&lt;/body&gt;</a:t>
+            </a:r>
           </a:p>
         </p:txBody>
       </p:sp>
     </p:spTree>
+    <p:extLst>
+      <p:ext uri="{BB962C8B-B14F-4D97-AF65-F5344CB8AC3E}">
+        <p14:creationId xmlns:p14="http://schemas.microsoft.com/office/powerpoint/2010/main" val="985939801"/>
+      </p:ext>
+    </p:extLst>
   </p:cSld>
   <p:clrMapOvr>
     <a:masterClrMapping/>
@@ -13056,123 +13810,93 @@
           <a:lstStyle/>
           <a:p>
             <a:r>
-              <a:rPr lang="en-US" dirty="0"/>
-              <a:t>BINDING</a:t>
-            </a:r>
-          </a:p>
-          <a:p>
-            <a:r>
-              <a:rPr lang="en-US" dirty="0"/>
-              <a:t>Le double data-binding </a:t>
-            </a:r>
-            <a:r>
-              <a:rPr lang="en-US" dirty="0" err="1"/>
-              <a:t>d'Angular</a:t>
-            </a:r>
-            <a:r>
-              <a:rPr lang="en-US" dirty="0"/>
-              <a:t> </a:t>
-            </a:r>
-            <a:r>
-              <a:rPr lang="en-US" dirty="0" err="1"/>
-              <a:t>permet</a:t>
-            </a:r>
-            <a:r>
-              <a:rPr lang="en-US" dirty="0"/>
-              <a:t> de </a:t>
-            </a:r>
-            <a:r>
-              <a:rPr lang="en-US" dirty="0" err="1"/>
-              <a:t>maintenir</a:t>
-            </a:r>
-            <a:r>
-              <a:rPr lang="en-US" dirty="0"/>
-              <a:t> le </a:t>
-            </a:r>
-            <a:r>
-              <a:rPr lang="en-US" dirty="0" err="1"/>
-              <a:t>modèle</a:t>
-            </a:r>
-            <a:r>
-              <a:rPr lang="en-US" dirty="0"/>
-              <a:t> en accord avec la </a:t>
-            </a:r>
-            <a:r>
-              <a:rPr lang="en-US" dirty="0" err="1"/>
-              <a:t>vue</a:t>
-            </a:r>
-            <a:r>
-              <a:rPr lang="en-US" dirty="0"/>
-              <a:t> et vice-versa.</a:t>
-            </a:r>
-          </a:p>
-          <a:p>
+              <a:rPr lang="fr-FR" dirty="0"/>
+              <a:t>EXPRESSIONS</a:t>
+            </a:r>
+          </a:p>
+          <a:p>
+            <a:pPr lvl="1">
+              <a:buFont typeface="Arial" pitchFamily="34" charset="0"/>
+              <a:buChar char="•"/>
+            </a:pPr>
+            <a:r>
+              <a:rPr lang="fr-FR" dirty="0"/>
+              <a:t>Angular interprète les templates, ce qui permet d'écrire de l'HTML contenant des expressions dynamiques  :</a:t>
+            </a:r>
+          </a:p>
+          <a:p>
+            <a:pPr lvl="1">
+              <a:buFont typeface="Arial" pitchFamily="34" charset="0"/>
+              <a:buChar char="•"/>
+            </a:pPr>
+            <a:endParaRPr lang="fr-FR" dirty="0"/>
+          </a:p>
+          <a:p>
+            <a:pPr lvl="1">
+              <a:buFont typeface="Arial" pitchFamily="34" charset="0"/>
+              <a:buChar char="•"/>
+            </a:pPr>
+            <a:r>
+              <a:rPr lang="fr-FR" dirty="0"/>
+              <a:t>&lt;h1&gt;{{ 1+1 }}&lt;/h1&gt; // 2</a:t>
+            </a:r>
+          </a:p>
+          <a:p>
+            <a:pPr lvl="1">
+              <a:buFont typeface="Arial" pitchFamily="34" charset="0"/>
+              <a:buChar char="•"/>
+            </a:pPr>
+            <a:r>
+              <a:rPr lang="fr-FR" dirty="0"/>
+              <a:t>&lt;h1&gt;{{ "Hello " + "world !!!" }}&lt;/h1&gt; // Hello world</a:t>
+            </a:r>
+          </a:p>
+          <a:p>
+            <a:pPr lvl="1">
+              <a:buFont typeface="Arial" pitchFamily="34" charset="0"/>
+              <a:buChar char="•"/>
+            </a:pPr>
+            <a:endParaRPr lang="fr-FR" dirty="0"/>
+          </a:p>
+          <a:p>
+            <a:pPr lvl="1">
+              <a:buFont typeface="Arial" pitchFamily="34" charset="0"/>
+              <a:buChar char="•"/>
+            </a:pPr>
+            <a:r>
+              <a:rPr lang="fr-FR" dirty="0"/>
+              <a:t>Les expressions pardonnent les null ou undefined :</a:t>
+            </a:r>
+          </a:p>
+          <a:p>
+            <a:pPr lvl="2">
+              <a:buFont typeface="Arial" pitchFamily="34" charset="0"/>
+              <a:buChar char="•"/>
+            </a:pPr>
+            <a:r>
+              <a:rPr lang="fr-FR" dirty="0"/>
+              <a:t>une chaîne de caractères vide sera affichée</a:t>
+            </a:r>
             <a:endParaRPr lang="en-US" dirty="0"/>
           </a:p>
+        </p:txBody>
+      </p:sp>
+      <p:sp>
+        <p:nvSpPr>
+          <p:cNvPr id="3" name="Titre 2"/>
+          <p:cNvSpPr>
+            <a:spLocks noGrp="1"/>
+          </p:cNvSpPr>
+          <p:nvPr>
+            <p:ph type="title"/>
+          </p:nvPr>
+        </p:nvSpPr>
+        <p:spPr/>
+        <p:txBody>
+          <a:bodyPr/>
+          <a:lstStyle/>
           <a:p>
             <a:endParaRPr lang="en-US" dirty="0"/>
-          </a:p>
-          <a:p>
-            <a:r>
-              <a:rPr lang="en-US" dirty="0"/>
-              <a:t>En </a:t>
-            </a:r>
-            <a:r>
-              <a:rPr lang="en-US" dirty="0" err="1"/>
-              <a:t>préférant</a:t>
-            </a:r>
-            <a:r>
-              <a:rPr lang="en-US" dirty="0"/>
-              <a:t> la 'dot notation' avec </a:t>
-            </a:r>
-            <a:r>
-              <a:rPr lang="en-US" dirty="0" err="1"/>
-              <a:t>l'expression</a:t>
-            </a:r>
-            <a:r>
-              <a:rPr lang="en-US" dirty="0"/>
-              <a:t> </a:t>
-            </a:r>
-            <a:r>
-              <a:rPr lang="en-US" dirty="0" err="1"/>
-              <a:t>évaluée</a:t>
-            </a:r>
-            <a:r>
-              <a:rPr lang="en-US" dirty="0"/>
-              <a:t> </a:t>
-            </a:r>
-            <a:r>
-              <a:rPr lang="en-US" dirty="0" err="1"/>
-              <a:t>dans</a:t>
-            </a:r>
-            <a:r>
-              <a:rPr lang="en-US" dirty="0"/>
-              <a:t> la </a:t>
-            </a:r>
-            <a:r>
-              <a:rPr lang="en-US" dirty="0" err="1"/>
-              <a:t>classe</a:t>
-            </a:r>
-            <a:endParaRPr lang="en-US" dirty="0"/>
-          </a:p>
-        </p:txBody>
-      </p:sp>
-      <p:sp>
-        <p:nvSpPr>
-          <p:cNvPr id="3" name="Titre 2"/>
-          <p:cNvSpPr>
-            <a:spLocks noGrp="1"/>
-          </p:cNvSpPr>
-          <p:nvPr>
-            <p:ph type="title"/>
-          </p:nvPr>
-        </p:nvSpPr>
-        <p:spPr/>
-        <p:txBody>
-          <a:bodyPr/>
-          <a:lstStyle/>
-          <a:p>
-            <a:endParaRPr lang="en-US"/>
           </a:p>
         </p:txBody>
       </p:sp>
@@ -13214,6 +13938,397 @@
               <a:rPr lang="fr-FR" smtClean="0"/>
               <a:pPr/>
               <a:t>4</a:t>
+            </a:fld>
+            <a:endParaRPr lang="fr-FR" dirty="0"/>
+          </a:p>
+        </p:txBody>
+      </p:sp>
+      <p:sp>
+        <p:nvSpPr>
+          <p:cNvPr id="6" name="Espace réservé du texte 5"/>
+          <p:cNvSpPr>
+            <a:spLocks noGrp="1"/>
+          </p:cNvSpPr>
+          <p:nvPr>
+            <p:ph type="body" sz="quarter" idx="13"/>
+          </p:nvPr>
+        </p:nvSpPr>
+        <p:spPr/>
+        <p:txBody>
+          <a:bodyPr/>
+          <a:lstStyle/>
+          <a:p>
+            <a:endParaRPr lang="en-US"/>
+          </a:p>
+        </p:txBody>
+      </p:sp>
+    </p:spTree>
+  </p:cSld>
+  <p:clrMapOvr>
+    <a:masterClrMapping/>
+  </p:clrMapOvr>
+</p:sld>
+</file>
+
+<file path=ppt/slides/slide5.xml><?xml version="1.0" encoding="utf-8"?>
+<p:sld xmlns:a="http://schemas.openxmlformats.org/drawingml/2006/main" xmlns:r="http://schemas.openxmlformats.org/officeDocument/2006/relationships" xmlns:p="http://schemas.openxmlformats.org/presentationml/2006/main">
+  <p:cSld>
+    <p:spTree>
+      <p:nvGrpSpPr>
+        <p:cNvPr id="1" name=""/>
+        <p:cNvGrpSpPr/>
+        <p:nvPr/>
+      </p:nvGrpSpPr>
+      <p:grpSpPr>
+        <a:xfrm>
+          <a:off x="0" y="0"/>
+          <a:ext cx="0" cy="0"/>
+          <a:chOff x="0" y="0"/>
+          <a:chExt cx="0" cy="0"/>
+        </a:xfrm>
+      </p:grpSpPr>
+      <p:sp>
+        <p:nvSpPr>
+          <p:cNvPr id="2" name="Espace réservé du contenu 1"/>
+          <p:cNvSpPr>
+            <a:spLocks noGrp="1"/>
+          </p:cNvSpPr>
+          <p:nvPr>
+            <p:ph idx="1"/>
+          </p:nvPr>
+        </p:nvSpPr>
+        <p:spPr/>
+        <p:txBody>
+          <a:bodyPr/>
+          <a:lstStyle/>
+          <a:p>
+            <a:r>
+              <a:rPr lang="fr-FR" dirty="0"/>
+              <a:t>RÈGLES</a:t>
+            </a:r>
+          </a:p>
+          <a:p>
+            <a:r>
+              <a:rPr lang="fr-FR" dirty="0"/>
+              <a:t>Les variables des expressions sont évaluées </a:t>
+            </a:r>
+            <a:br>
+              <a:rPr lang="fr-FR" dirty="0"/>
+            </a:br>
+            <a:r>
+              <a:rPr lang="fr-FR" dirty="0"/>
+              <a:t>depuis l'objet $scope et non l'objet </a:t>
+            </a:r>
+            <a:r>
+              <a:rPr lang="fr-FR" dirty="0" err="1"/>
+              <a:t>window</a:t>
+            </a:r>
+            <a:r>
+              <a:rPr lang="fr-FR" dirty="0"/>
+              <a:t>.</a:t>
+            </a:r>
+          </a:p>
+          <a:p>
+            <a:r>
+              <a:rPr lang="fr-FR" dirty="0"/>
+              <a:t>Pour respecter la séparation du code entre les vues et les contrôleurs, il est impératif de garder les expressions simples.</a:t>
+            </a:r>
+          </a:p>
+          <a:p>
+            <a:r>
+              <a:rPr lang="fr-FR" dirty="0"/>
+              <a:t>Il est préférable de faire appel à une fonction exposée par un contrôleur.</a:t>
+            </a:r>
+          </a:p>
+          <a:p>
+            <a:r>
+              <a:rPr lang="fr-FR" dirty="0"/>
+              <a:t>Il est possible d'utiliser des filtres dans les expressions</a:t>
+            </a:r>
+            <a:endParaRPr lang="en-US" dirty="0"/>
+          </a:p>
+        </p:txBody>
+      </p:sp>
+      <p:sp>
+        <p:nvSpPr>
+          <p:cNvPr id="3" name="Titre 2"/>
+          <p:cNvSpPr>
+            <a:spLocks noGrp="1"/>
+          </p:cNvSpPr>
+          <p:nvPr>
+            <p:ph type="title"/>
+          </p:nvPr>
+        </p:nvSpPr>
+        <p:spPr/>
+        <p:txBody>
+          <a:bodyPr/>
+          <a:lstStyle/>
+          <a:p>
+            <a:endParaRPr lang="en-US"/>
+          </a:p>
+        </p:txBody>
+      </p:sp>
+      <p:sp>
+        <p:nvSpPr>
+          <p:cNvPr id="4" name="Espace réservé du pied de page 3"/>
+          <p:cNvSpPr>
+            <a:spLocks noGrp="1"/>
+          </p:cNvSpPr>
+          <p:nvPr>
+            <p:ph type="ftr" sz="quarter" idx="11"/>
+          </p:nvPr>
+        </p:nvSpPr>
+        <p:spPr/>
+        <p:txBody>
+          <a:bodyPr/>
+          <a:lstStyle/>
+          <a:p>
+            <a:endParaRPr lang="fr-FR" dirty="0"/>
+          </a:p>
+        </p:txBody>
+      </p:sp>
+      <p:sp>
+        <p:nvSpPr>
+          <p:cNvPr id="5" name="Espace réservé du numéro de diapositive 4"/>
+          <p:cNvSpPr>
+            <a:spLocks noGrp="1"/>
+          </p:cNvSpPr>
+          <p:nvPr>
+            <p:ph type="sldNum" sz="quarter" idx="12"/>
+          </p:nvPr>
+        </p:nvSpPr>
+        <p:spPr/>
+        <p:txBody>
+          <a:bodyPr/>
+          <a:lstStyle/>
+          <a:p>
+            <a:fld id="{AF43E6FD-AB27-4108-A2FC-346BB5F75E3F}" type="slidenum">
+              <a:rPr lang="fr-FR" smtClean="0"/>
+              <a:pPr/>
+              <a:t>5</a:t>
+            </a:fld>
+            <a:endParaRPr lang="fr-FR" dirty="0"/>
+          </a:p>
+        </p:txBody>
+      </p:sp>
+      <p:sp>
+        <p:nvSpPr>
+          <p:cNvPr id="6" name="Espace réservé du texte 5"/>
+          <p:cNvSpPr>
+            <a:spLocks noGrp="1"/>
+          </p:cNvSpPr>
+          <p:nvPr>
+            <p:ph type="body" sz="quarter" idx="13"/>
+          </p:nvPr>
+        </p:nvSpPr>
+        <p:spPr/>
+        <p:txBody>
+          <a:bodyPr/>
+          <a:lstStyle/>
+          <a:p>
+            <a:endParaRPr lang="en-US"/>
+          </a:p>
+        </p:txBody>
+      </p:sp>
+    </p:spTree>
+  </p:cSld>
+  <p:clrMapOvr>
+    <a:masterClrMapping/>
+  </p:clrMapOvr>
+</p:sld>
+</file>
+
+<file path=ppt/slides/slide6.xml><?xml version="1.0" encoding="utf-8"?>
+<p:sld xmlns:a="http://schemas.openxmlformats.org/drawingml/2006/main" xmlns:r="http://schemas.openxmlformats.org/officeDocument/2006/relationships" xmlns:p="http://schemas.openxmlformats.org/presentationml/2006/main">
+  <p:cSld>
+    <p:spTree>
+      <p:nvGrpSpPr>
+        <p:cNvPr id="1" name=""/>
+        <p:cNvGrpSpPr/>
+        <p:nvPr/>
+      </p:nvGrpSpPr>
+      <p:grpSpPr>
+        <a:xfrm>
+          <a:off x="0" y="0"/>
+          <a:ext cx="0" cy="0"/>
+          <a:chOff x="0" y="0"/>
+          <a:chExt cx="0" cy="0"/>
+        </a:xfrm>
+      </p:grpSpPr>
+      <p:sp>
+        <p:nvSpPr>
+          <p:cNvPr id="2" name="Espace réservé du contenu 1"/>
+          <p:cNvSpPr>
+            <a:spLocks noGrp="1"/>
+          </p:cNvSpPr>
+          <p:nvPr>
+            <p:ph idx="1"/>
+          </p:nvPr>
+        </p:nvSpPr>
+        <p:spPr/>
+        <p:txBody>
+          <a:bodyPr/>
+          <a:lstStyle/>
+          <a:p>
+            <a:r>
+              <a:rPr lang="en-US" dirty="0"/>
+              <a:t>BINDING</a:t>
+            </a:r>
+          </a:p>
+          <a:p>
+            <a:r>
+              <a:rPr lang="en-US" dirty="0"/>
+              <a:t>Le double data-binding </a:t>
+            </a:r>
+            <a:r>
+              <a:rPr lang="en-US" dirty="0" err="1"/>
+              <a:t>d'Angular</a:t>
+            </a:r>
+            <a:r>
+              <a:rPr lang="en-US" dirty="0"/>
+              <a:t> </a:t>
+            </a:r>
+            <a:r>
+              <a:rPr lang="en-US" dirty="0" err="1"/>
+              <a:t>permet</a:t>
+            </a:r>
+            <a:r>
+              <a:rPr lang="en-US" dirty="0"/>
+              <a:t> de </a:t>
+            </a:r>
+            <a:r>
+              <a:rPr lang="en-US" dirty="0" err="1"/>
+              <a:t>maintenir</a:t>
+            </a:r>
+            <a:r>
+              <a:rPr lang="en-US" dirty="0"/>
+              <a:t> le </a:t>
+            </a:r>
+            <a:r>
+              <a:rPr lang="en-US" dirty="0" err="1"/>
+              <a:t>modèle</a:t>
+            </a:r>
+            <a:r>
+              <a:rPr lang="en-US" dirty="0"/>
+              <a:t> en accord avec la </a:t>
+            </a:r>
+            <a:r>
+              <a:rPr lang="en-US" dirty="0" err="1"/>
+              <a:t>vue</a:t>
+            </a:r>
+            <a:r>
+              <a:rPr lang="en-US" dirty="0"/>
+              <a:t> et vice-versa.</a:t>
+            </a:r>
+          </a:p>
+          <a:p>
+            <a:endParaRPr lang="en-US" dirty="0"/>
+          </a:p>
+          <a:p>
+            <a:endParaRPr lang="en-US" dirty="0"/>
+          </a:p>
+          <a:p>
+            <a:r>
+              <a:rPr lang="en-US" dirty="0"/>
+              <a:t>En </a:t>
+            </a:r>
+            <a:r>
+              <a:rPr lang="en-US" dirty="0" err="1"/>
+              <a:t>préférant</a:t>
+            </a:r>
+            <a:r>
+              <a:rPr lang="en-US" dirty="0"/>
+              <a:t> la 'dot notation' avec </a:t>
+            </a:r>
+            <a:r>
+              <a:rPr lang="en-US" dirty="0" err="1"/>
+              <a:t>l'expression</a:t>
+            </a:r>
+            <a:r>
+              <a:rPr lang="en-US" dirty="0"/>
+              <a:t> </a:t>
+            </a:r>
+            <a:r>
+              <a:rPr lang="en-US" dirty="0" err="1"/>
+              <a:t>évaluée</a:t>
+            </a:r>
+            <a:r>
+              <a:rPr lang="en-US" dirty="0"/>
+              <a:t> </a:t>
+            </a:r>
+            <a:r>
+              <a:rPr lang="en-US" dirty="0" err="1"/>
+              <a:t>dans</a:t>
+            </a:r>
+            <a:r>
+              <a:rPr lang="en-US" dirty="0"/>
+              <a:t> la </a:t>
+            </a:r>
+            <a:r>
+              <a:rPr lang="en-US" dirty="0" err="1"/>
+              <a:t>classe</a:t>
+            </a:r>
+            <a:endParaRPr lang="en-US" dirty="0"/>
+          </a:p>
+        </p:txBody>
+      </p:sp>
+      <p:sp>
+        <p:nvSpPr>
+          <p:cNvPr id="3" name="Titre 2"/>
+          <p:cNvSpPr>
+            <a:spLocks noGrp="1"/>
+          </p:cNvSpPr>
+          <p:nvPr>
+            <p:ph type="title"/>
+          </p:nvPr>
+        </p:nvSpPr>
+        <p:spPr/>
+        <p:txBody>
+          <a:bodyPr/>
+          <a:lstStyle/>
+          <a:p>
+            <a:endParaRPr lang="en-US"/>
+          </a:p>
+        </p:txBody>
+      </p:sp>
+      <p:sp>
+        <p:nvSpPr>
+          <p:cNvPr id="4" name="Espace réservé du pied de page 3"/>
+          <p:cNvSpPr>
+            <a:spLocks noGrp="1"/>
+          </p:cNvSpPr>
+          <p:nvPr>
+            <p:ph type="ftr" sz="quarter" idx="11"/>
+          </p:nvPr>
+        </p:nvSpPr>
+        <p:spPr/>
+        <p:txBody>
+          <a:bodyPr/>
+          <a:lstStyle/>
+          <a:p>
+            <a:endParaRPr lang="fr-FR" dirty="0"/>
+          </a:p>
+        </p:txBody>
+      </p:sp>
+      <p:sp>
+        <p:nvSpPr>
+          <p:cNvPr id="5" name="Espace réservé du numéro de diapositive 4"/>
+          <p:cNvSpPr>
+            <a:spLocks noGrp="1"/>
+          </p:cNvSpPr>
+          <p:nvPr>
+            <p:ph type="sldNum" sz="quarter" idx="12"/>
+          </p:nvPr>
+        </p:nvSpPr>
+        <p:spPr/>
+        <p:txBody>
+          <a:bodyPr/>
+          <a:lstStyle/>
+          <a:p>
+            <a:fld id="{AF43E6FD-AB27-4108-A2FC-346BB5F75E3F}" type="slidenum">
+              <a:rPr lang="fr-FR" smtClean="0"/>
+              <a:pPr/>
+              <a:t>6</a:t>
             </a:fld>
             <a:endParaRPr lang="fr-FR" dirty="0"/>
           </a:p>
@@ -13312,7 +14427,7 @@
 </p:sld>
 </file>
 
-<file path=ppt/slides/slide5.xml><?xml version="1.0" encoding="utf-8"?>
+<file path=ppt/slides/slide7.xml><?xml version="1.0" encoding="utf-8"?>
 <p:sld xmlns:a="http://schemas.openxmlformats.org/drawingml/2006/main" xmlns:r="http://schemas.openxmlformats.org/officeDocument/2006/relationships" xmlns:p="http://schemas.openxmlformats.org/presentationml/2006/main">
   <p:cSld>
     <p:spTree>
@@ -13401,7 +14516,7 @@
             <a:fld id="{AF43E6FD-AB27-4108-A2FC-346BB5F75E3F}" type="slidenum">
               <a:rPr lang="fr-FR" smtClean="0"/>
               <a:pPr/>
-              <a:t>5</a:t>
+              <a:t>7</a:t>
             </a:fld>
             <a:endParaRPr lang="fr-FR" dirty="0"/>
           </a:p>
@@ -13500,7 +14615,7 @@
 </p:sld>
 </file>
 
-<file path=ppt/slides/slide6.xml><?xml version="1.0" encoding="utf-8"?>
+<file path=ppt/slides/slide8.xml><?xml version="1.0" encoding="utf-8"?>
 <p:sld xmlns:a="http://schemas.openxmlformats.org/drawingml/2006/main" xmlns:r="http://schemas.openxmlformats.org/officeDocument/2006/relationships" xmlns:p="http://schemas.openxmlformats.org/presentationml/2006/main">
   <p:cSld>
     <p:spTree>
@@ -13592,7 +14707,7 @@
             <a:fld id="{AF43E6FD-AB27-4108-A2FC-346BB5F75E3F}" type="slidenum">
               <a:rPr lang="fr-FR" smtClean="0"/>
               <a:pPr/>
-              <a:t>6</a:t>
+              <a:t>8</a:t>
             </a:fld>
             <a:endParaRPr lang="fr-FR" dirty="0"/>
           </a:p>
@@ -13658,369 +14773,6 @@
 </p:sld>
 </file>
 
-<file path=ppt/slides/slide7.xml><?xml version="1.0" encoding="utf-8"?>
-<p:sld xmlns:a="http://schemas.openxmlformats.org/drawingml/2006/main" xmlns:r="http://schemas.openxmlformats.org/officeDocument/2006/relationships" xmlns:p="http://schemas.openxmlformats.org/presentationml/2006/main">
-  <p:cSld>
-    <p:spTree>
-      <p:nvGrpSpPr>
-        <p:cNvPr id="1" name=""/>
-        <p:cNvGrpSpPr/>
-        <p:nvPr/>
-      </p:nvGrpSpPr>
-      <p:grpSpPr>
-        <a:xfrm>
-          <a:off x="0" y="0"/>
-          <a:ext cx="0" cy="0"/>
-          <a:chOff x="0" y="0"/>
-          <a:chExt cx="0" cy="0"/>
-        </a:xfrm>
-      </p:grpSpPr>
-      <p:sp>
-        <p:nvSpPr>
-          <p:cNvPr id="2" name="Espace réservé du contenu 1"/>
-          <p:cNvSpPr>
-            <a:spLocks noGrp="1"/>
-          </p:cNvSpPr>
-          <p:nvPr>
-            <p:ph idx="1"/>
-          </p:nvPr>
-        </p:nvSpPr>
-        <p:spPr>
-          <a:xfrm>
-            <a:off x="515938" y="1484312"/>
-            <a:ext cx="8383513" cy="4681537"/>
-          </a:xfrm>
-        </p:spPr>
-        <p:txBody>
-          <a:bodyPr/>
-          <a:lstStyle/>
-          <a:p>
-            <a:r>
-              <a:rPr lang="en-GB" sz="1800" dirty="0"/>
-              <a:t>By default Angular does not propose a complete dependency management.</a:t>
-            </a:r>
-          </a:p>
-          <a:p>
-            <a:pPr lvl="1"/>
-            <a:r>
-              <a:rPr lang="en-GB" sz="1600" dirty="0"/>
-              <a:t>=&gt; your index.html  should  import all  *.js and *.css files explicitly</a:t>
-            </a:r>
-          </a:p>
-          <a:p>
-            <a:pPr lvl="1"/>
-            <a:r>
-              <a:rPr lang="en-GB" sz="1600" dirty="0"/>
-              <a:t>=&gt;Within an IDE :  inside  a </a:t>
-            </a:r>
-            <a:r>
-              <a:rPr lang="en-GB" sz="1600" dirty="0" err="1"/>
-              <a:t>js</a:t>
-            </a:r>
-            <a:r>
-              <a:rPr lang="en-GB" sz="1600" dirty="0"/>
-              <a:t>  file there is no way to know if another </a:t>
-            </a:r>
-            <a:r>
-              <a:rPr lang="en-GB" sz="1600" dirty="0" err="1"/>
-              <a:t>js</a:t>
-            </a:r>
-            <a:r>
-              <a:rPr lang="en-GB" sz="1600" dirty="0"/>
-              <a:t> file is visible</a:t>
-            </a:r>
-          </a:p>
-          <a:p>
-            <a:pPr lvl="1"/>
-            <a:r>
-              <a:rPr lang="en-GB" sz="1600" dirty="0"/>
-              <a:t>the Angular modules offers hierarchical dependencies to activate features but files must already </a:t>
-            </a:r>
-            <a:r>
-              <a:rPr lang="en-GB" sz="1600"/>
-              <a:t>be present</a:t>
-            </a:r>
-            <a:endParaRPr lang="en-GB" sz="1600" dirty="0"/>
-          </a:p>
-          <a:p>
-            <a:r>
-              <a:rPr lang="en-GB" sz="1800" dirty="0"/>
-              <a:t>This problem is solved in Angular 2.0</a:t>
-            </a:r>
-          </a:p>
-          <a:p>
-            <a:endParaRPr lang="en-GB" sz="1800" dirty="0"/>
-          </a:p>
-          <a:p>
-            <a:r>
-              <a:rPr lang="en-GB" sz="1800" dirty="0"/>
-              <a:t>Note : framework managing dependencies : </a:t>
-            </a:r>
-          </a:p>
-          <a:p>
-            <a:pPr lvl="1"/>
-            <a:r>
-              <a:rPr lang="en-GB" sz="1600" dirty="0" err="1"/>
-              <a:t>RequireJS</a:t>
-            </a:r>
-            <a:endParaRPr lang="en-GB" sz="1600" dirty="0"/>
-          </a:p>
-          <a:p>
-            <a:pPr lvl="1"/>
-            <a:r>
-              <a:rPr lang="en-GB" sz="1600" dirty="0" err="1"/>
-              <a:t>CommonJS</a:t>
-            </a:r>
-            <a:endParaRPr lang="en-GB" sz="1600" dirty="0"/>
-          </a:p>
-          <a:p>
-            <a:pPr lvl="1"/>
-            <a:r>
-              <a:rPr lang="en-GB" sz="1600" dirty="0"/>
-              <a:t>ES2015 module</a:t>
-            </a:r>
-          </a:p>
-        </p:txBody>
-      </p:sp>
-      <p:sp>
-        <p:nvSpPr>
-          <p:cNvPr id="3" name="Titre 2"/>
-          <p:cNvSpPr>
-            <a:spLocks noGrp="1"/>
-          </p:cNvSpPr>
-          <p:nvPr>
-            <p:ph type="title"/>
-          </p:nvPr>
-        </p:nvSpPr>
-        <p:spPr/>
-        <p:txBody>
-          <a:bodyPr/>
-          <a:lstStyle/>
-          <a:p>
-            <a:r>
-              <a:rPr lang="en-GB" dirty="0"/>
-              <a:t>Dependencies</a:t>
-            </a:r>
-          </a:p>
-        </p:txBody>
-      </p:sp>
-      <p:sp>
-        <p:nvSpPr>
-          <p:cNvPr id="4" name="Espace réservé du pied de page 3"/>
-          <p:cNvSpPr>
-            <a:spLocks noGrp="1"/>
-          </p:cNvSpPr>
-          <p:nvPr>
-            <p:ph type="ftr" sz="quarter" idx="11"/>
-          </p:nvPr>
-        </p:nvSpPr>
-        <p:spPr/>
-        <p:txBody>
-          <a:bodyPr/>
-          <a:lstStyle/>
-          <a:p>
-            <a:endParaRPr lang="fr-FR" dirty="0"/>
-          </a:p>
-        </p:txBody>
-      </p:sp>
-      <p:sp>
-        <p:nvSpPr>
-          <p:cNvPr id="5" name="Espace réservé du numéro de diapositive 4"/>
-          <p:cNvSpPr>
-            <a:spLocks noGrp="1"/>
-          </p:cNvSpPr>
-          <p:nvPr>
-            <p:ph type="sldNum" sz="quarter" idx="12"/>
-          </p:nvPr>
-        </p:nvSpPr>
-        <p:spPr/>
-        <p:txBody>
-          <a:bodyPr/>
-          <a:lstStyle/>
-          <a:p>
-            <a:fld id="{AF43E6FD-AB27-4108-A2FC-346BB5F75E3F}" type="slidenum">
-              <a:rPr lang="fr-FR" smtClean="0"/>
-              <a:pPr/>
-              <a:t>7</a:t>
-            </a:fld>
-            <a:endParaRPr lang="fr-FR" dirty="0"/>
-          </a:p>
-        </p:txBody>
-      </p:sp>
-      <p:sp>
-        <p:nvSpPr>
-          <p:cNvPr id="6" name="Espace réservé du texte 5"/>
-          <p:cNvSpPr>
-            <a:spLocks noGrp="1"/>
-          </p:cNvSpPr>
-          <p:nvPr>
-            <p:ph type="body" sz="quarter" idx="13"/>
-          </p:nvPr>
-        </p:nvSpPr>
-        <p:spPr/>
-        <p:txBody>
-          <a:bodyPr/>
-          <a:lstStyle/>
-          <a:p>
-            <a:endParaRPr lang="en-GB"/>
-          </a:p>
-        </p:txBody>
-      </p:sp>
-    </p:spTree>
-  </p:cSld>
-  <p:clrMapOvr>
-    <a:masterClrMapping/>
-  </p:clrMapOvr>
-</p:sld>
-</file>
-
-<file path=ppt/slides/slide8.xml><?xml version="1.0" encoding="utf-8"?>
-<p:sld xmlns:a="http://schemas.openxmlformats.org/drawingml/2006/main" xmlns:r="http://schemas.openxmlformats.org/officeDocument/2006/relationships" xmlns:p="http://schemas.openxmlformats.org/presentationml/2006/main">
-  <p:cSld>
-    <p:spTree>
-      <p:nvGrpSpPr>
-        <p:cNvPr id="1" name=""/>
-        <p:cNvGrpSpPr/>
-        <p:nvPr/>
-      </p:nvGrpSpPr>
-      <p:grpSpPr>
-        <a:xfrm>
-          <a:off x="0" y="0"/>
-          <a:ext cx="0" cy="0"/>
-          <a:chOff x="0" y="0"/>
-          <a:chExt cx="0" cy="0"/>
-        </a:xfrm>
-      </p:grpSpPr>
-      <p:sp>
-        <p:nvSpPr>
-          <p:cNvPr id="2" name="Espace réservé du contenu 1"/>
-          <p:cNvSpPr>
-            <a:spLocks noGrp="1"/>
-          </p:cNvSpPr>
-          <p:nvPr>
-            <p:ph idx="1"/>
-          </p:nvPr>
-        </p:nvSpPr>
-        <p:spPr/>
-        <p:txBody>
-          <a:bodyPr/>
-          <a:lstStyle/>
-          <a:p>
-            <a:r>
-              <a:rPr lang="fr-FR" dirty="0"/>
-              <a:t>CONTROLLER</a:t>
-            </a:r>
-          </a:p>
-          <a:p>
-            <a:r>
-              <a:rPr lang="fr-FR" dirty="0"/>
-              <a:t>Les contrôleurs sont chargés de manipuler le modèle et de faire lien avec la vue (page HTML).</a:t>
-            </a:r>
-          </a:p>
-          <a:p>
-            <a:r>
-              <a:rPr lang="fr-FR" dirty="0"/>
-              <a:t>Il est possible de définir plusieurs contrôleurs sur un template.</a:t>
-            </a:r>
-          </a:p>
-          <a:p>
-            <a:r>
-              <a:rPr lang="fr-FR" dirty="0"/>
-              <a:t>AngularJS gère le cycle de vie des contrôleurs.</a:t>
-            </a:r>
-            <a:endParaRPr lang="en-US" dirty="0"/>
-          </a:p>
-        </p:txBody>
-      </p:sp>
-      <p:sp>
-        <p:nvSpPr>
-          <p:cNvPr id="3" name="Titre 2"/>
-          <p:cNvSpPr>
-            <a:spLocks noGrp="1"/>
-          </p:cNvSpPr>
-          <p:nvPr>
-            <p:ph type="title"/>
-          </p:nvPr>
-        </p:nvSpPr>
-        <p:spPr/>
-        <p:txBody>
-          <a:bodyPr/>
-          <a:lstStyle/>
-          <a:p>
-            <a:endParaRPr lang="en-US"/>
-          </a:p>
-        </p:txBody>
-      </p:sp>
-      <p:sp>
-        <p:nvSpPr>
-          <p:cNvPr id="4" name="Espace réservé du pied de page 3"/>
-          <p:cNvSpPr>
-            <a:spLocks noGrp="1"/>
-          </p:cNvSpPr>
-          <p:nvPr>
-            <p:ph type="ftr" sz="quarter" idx="11"/>
-          </p:nvPr>
-        </p:nvSpPr>
-        <p:spPr/>
-        <p:txBody>
-          <a:bodyPr/>
-          <a:lstStyle/>
-          <a:p>
-            <a:endParaRPr lang="fr-FR" dirty="0"/>
-          </a:p>
-        </p:txBody>
-      </p:sp>
-      <p:sp>
-        <p:nvSpPr>
-          <p:cNvPr id="5" name="Espace réservé du numéro de diapositive 4"/>
-          <p:cNvSpPr>
-            <a:spLocks noGrp="1"/>
-          </p:cNvSpPr>
-          <p:nvPr>
-            <p:ph type="sldNum" sz="quarter" idx="12"/>
-          </p:nvPr>
-        </p:nvSpPr>
-        <p:spPr/>
-        <p:txBody>
-          <a:bodyPr/>
-          <a:lstStyle/>
-          <a:p>
-            <a:fld id="{AF43E6FD-AB27-4108-A2FC-346BB5F75E3F}" type="slidenum">
-              <a:rPr lang="fr-FR" smtClean="0"/>
-              <a:pPr/>
-              <a:t>8</a:t>
-            </a:fld>
-            <a:endParaRPr lang="fr-FR" dirty="0"/>
-          </a:p>
-        </p:txBody>
-      </p:sp>
-      <p:sp>
-        <p:nvSpPr>
-          <p:cNvPr id="6" name="Espace réservé du texte 5"/>
-          <p:cNvSpPr>
-            <a:spLocks noGrp="1"/>
-          </p:cNvSpPr>
-          <p:nvPr>
-            <p:ph type="body" sz="quarter" idx="13"/>
-          </p:nvPr>
-        </p:nvSpPr>
-        <p:spPr/>
-        <p:txBody>
-          <a:bodyPr/>
-          <a:lstStyle/>
-          <a:p>
-            <a:endParaRPr lang="en-US"/>
-          </a:p>
-        </p:txBody>
-      </p:sp>
-    </p:spTree>
-  </p:cSld>
-  <p:clrMapOvr>
-    <a:masterClrMapping/>
-  </p:clrMapOvr>
-</p:sld>
-</file>
-
 <file path=ppt/slides/slide9.xml><?xml version="1.0" encoding="utf-8"?>
 <p:sld xmlns:a="http://schemas.openxmlformats.org/drawingml/2006/main" xmlns:r="http://schemas.openxmlformats.org/officeDocument/2006/relationships" xmlns:p="http://schemas.openxmlformats.org/presentationml/2006/main">
   <p:cSld>
@@ -14048,53 +14800,122 @@
             <p:ph idx="1"/>
           </p:nvPr>
         </p:nvSpPr>
+        <p:spPr>
+          <a:xfrm>
+            <a:off x="515938" y="1484312"/>
+            <a:ext cx="8383513" cy="4681537"/>
+          </a:xfrm>
+        </p:spPr>
+        <p:txBody>
+          <a:bodyPr/>
+          <a:lstStyle/>
+          <a:p>
+            <a:r>
+              <a:rPr lang="en-GB" sz="1800" dirty="0"/>
+              <a:t>By default Angular does not propose a complete dependency management.</a:t>
+            </a:r>
+          </a:p>
+          <a:p>
+            <a:pPr lvl="1"/>
+            <a:r>
+              <a:rPr lang="en-GB" sz="1600" dirty="0"/>
+              <a:t>=&gt; your index.html  should  import all  *.js and *.css files explicitly</a:t>
+            </a:r>
+          </a:p>
+          <a:p>
+            <a:pPr lvl="1"/>
+            <a:r>
+              <a:rPr lang="en-GB" sz="1600" dirty="0"/>
+              <a:t>=&gt;Within an IDE :  inside  a </a:t>
+            </a:r>
+            <a:r>
+              <a:rPr lang="en-GB" sz="1600" dirty="0" err="1"/>
+              <a:t>js</a:t>
+            </a:r>
+            <a:r>
+              <a:rPr lang="en-GB" sz="1600" dirty="0"/>
+              <a:t>  file there is no way to know if another </a:t>
+            </a:r>
+            <a:r>
+              <a:rPr lang="en-GB" sz="1600" dirty="0" err="1"/>
+              <a:t>js</a:t>
+            </a:r>
+            <a:r>
+              <a:rPr lang="en-GB" sz="1600" dirty="0"/>
+              <a:t> file is visible</a:t>
+            </a:r>
+          </a:p>
+          <a:p>
+            <a:pPr lvl="1"/>
+            <a:r>
+              <a:rPr lang="en-GB" sz="1600" dirty="0"/>
+              <a:t>the Angular modules offers hierarchical dependencies to activate features but files must already </a:t>
+            </a:r>
+            <a:r>
+              <a:rPr lang="en-GB" sz="1600"/>
+              <a:t>be present</a:t>
+            </a:r>
+            <a:endParaRPr lang="en-GB" sz="1600" dirty="0"/>
+          </a:p>
+          <a:p>
+            <a:r>
+              <a:rPr lang="en-GB" sz="1800" dirty="0"/>
+              <a:t>This problem is solved in Angular 2.0</a:t>
+            </a:r>
+          </a:p>
+          <a:p>
+            <a:endParaRPr lang="en-GB" sz="1800" dirty="0"/>
+          </a:p>
+          <a:p>
+            <a:r>
+              <a:rPr lang="en-GB" sz="1800" dirty="0"/>
+              <a:t>Note : framework managing dependencies : </a:t>
+            </a:r>
+          </a:p>
+          <a:p>
+            <a:pPr lvl="1"/>
+            <a:r>
+              <a:rPr lang="en-GB" sz="1600" dirty="0" err="1"/>
+              <a:t>RequireJS</a:t>
+            </a:r>
+            <a:endParaRPr lang="en-GB" sz="1600" dirty="0"/>
+          </a:p>
+          <a:p>
+            <a:pPr lvl="1"/>
+            <a:r>
+              <a:rPr lang="en-GB" sz="1600" dirty="0" err="1"/>
+              <a:t>CommonJS</a:t>
+            </a:r>
+            <a:endParaRPr lang="en-GB" sz="1600" dirty="0"/>
+          </a:p>
+          <a:p>
+            <a:pPr lvl="1"/>
+            <a:r>
+              <a:rPr lang="en-GB" sz="1600" dirty="0"/>
+              <a:t>ES2015 module</a:t>
+            </a:r>
+          </a:p>
+        </p:txBody>
+      </p:sp>
+      <p:sp>
+        <p:nvSpPr>
+          <p:cNvPr id="3" name="Titre 2"/>
+          <p:cNvSpPr>
+            <a:spLocks noGrp="1"/>
+          </p:cNvSpPr>
+          <p:nvPr>
+            <p:ph type="title"/>
+          </p:nvPr>
+        </p:nvSpPr>
         <p:spPr/>
         <p:txBody>
           <a:bodyPr/>
           <a:lstStyle/>
           <a:p>
             <a:r>
-              <a:rPr lang="fr-FR" dirty="0"/>
-              <a:t>CONTROLLER</a:t>
-            </a:r>
-          </a:p>
-          <a:p>
-            <a:r>
-              <a:rPr lang="fr-FR" dirty="0"/>
-              <a:t>Les contrôleurs sont chargés de manipuler le modèle et de faire lien avec la vue (page HTML).</a:t>
-            </a:r>
-          </a:p>
-          <a:p>
-            <a:r>
-              <a:rPr lang="fr-FR" dirty="0"/>
-              <a:t>Il est possible de définir plusieurs contrôleurs sur un template.</a:t>
-            </a:r>
-          </a:p>
-          <a:p>
-            <a:r>
-              <a:rPr lang="fr-FR" dirty="0"/>
-              <a:t>AngularJS gère le cycle de vie des contrôleurs.</a:t>
-            </a:r>
-            <a:endParaRPr lang="en-US" dirty="0"/>
-          </a:p>
-        </p:txBody>
-      </p:sp>
-      <p:sp>
-        <p:nvSpPr>
-          <p:cNvPr id="3" name="Titre 2"/>
-          <p:cNvSpPr>
-            <a:spLocks noGrp="1"/>
-          </p:cNvSpPr>
-          <p:nvPr>
-            <p:ph type="title"/>
-          </p:nvPr>
-        </p:nvSpPr>
-        <p:spPr/>
-        <p:txBody>
-          <a:bodyPr/>
-          <a:lstStyle/>
-          <a:p>
-            <a:endParaRPr lang="en-US"/>
+              <a:rPr lang="en-GB" dirty="0"/>
+              <a:t>Dependencies</a:t>
+            </a:r>
           </a:p>
         </p:txBody>
       </p:sp>
@@ -14156,7 +14977,7 @@
           <a:bodyPr/>
           <a:lstStyle/>
           <a:p>
-            <a:endParaRPr lang="en-US"/>
+            <a:endParaRPr lang="en-GB"/>
           </a:p>
         </p:txBody>
       </p:sp>

--- a/Jour1/03 Premiers pas/03_Premier_pas_AngularJS.pptx
+++ b/Jour1/03 Premiers pas/03_Premier_pas_AngularJS.pptx
@@ -11,7 +11,7 @@
     <p:handoutMasterId r:id="rId24"/>
   </p:handoutMasterIdLst>
   <p:sldIdLst>
-    <p:sldId id="565" r:id="rId2"/>
+    <p:sldId id="566" r:id="rId2"/>
     <p:sldId id="564" r:id="rId3"/>
     <p:sldId id="563" r:id="rId4"/>
     <p:sldId id="446" r:id="rId5"/>
@@ -302,7 +302,7 @@
             <a:fld id="{87731427-D242-475D-9180-8940013A50B8}" type="datetimeFigureOut">
               <a:rPr lang="en-GB" smtClean="0"/>
               <a:pPr algn="l"/>
-              <a:t>16/11/2016</a:t>
+              <a:t>17/11/2016</a:t>
             </a:fld>
             <a:endParaRPr lang="en-GB" dirty="0"/>
           </a:p>
@@ -507,7 +507,7 @@
             <a:fld id="{BA521D56-F1F4-41A0-82EB-989F4F6F400D}" type="datetimeFigureOut">
               <a:rPr lang="fr-FR" smtClean="0"/>
               <a:pPr/>
-              <a:t>16/11/2016</a:t>
+              <a:t>17/11/2016</a:t>
             </a:fld>
             <a:endParaRPr lang="fr-FR"/>
           </a:p>
@@ -1031,7 +1031,7 @@
             <a:fld id="{973B10A7-8A2B-4F39-8160-83B51E5E9C07}" type="datetime1">
               <a:rPr lang="fr-FR" smtClean="0"/>
               <a:pPr/>
-              <a:t>16/11/2016</a:t>
+              <a:t>17/11/2016</a:t>
             </a:fld>
             <a:endParaRPr lang="fr-FR"/>
           </a:p>
@@ -1167,7 +1167,7 @@
             <a:fld id="{CEEEE294-B79F-4A25-95D8-F3C9F64C4822}" type="datetime1">
               <a:rPr lang="fr-FR" smtClean="0"/>
               <a:pPr/>
-              <a:t>16/11/2016</a:t>
+              <a:t>17/11/2016</a:t>
             </a:fld>
             <a:endParaRPr lang="fr-FR"/>
           </a:p>
@@ -1303,7 +1303,7 @@
             <a:fld id="{973B10A7-8A2B-4F39-8160-83B51E5E9C07}" type="datetime1">
               <a:rPr lang="fr-FR" smtClean="0"/>
               <a:pPr/>
-              <a:t>16/11/2016</a:t>
+              <a:t>17/11/2016</a:t>
             </a:fld>
             <a:endParaRPr lang="fr-FR"/>
           </a:p>
@@ -1439,7 +1439,7 @@
             <a:fld id="{CEEEE294-B79F-4A25-95D8-F3C9F64C4822}" type="datetime1">
               <a:rPr lang="fr-FR" smtClean="0"/>
               <a:pPr/>
-              <a:t>16/11/2016</a:t>
+              <a:t>17/11/2016</a:t>
             </a:fld>
             <a:endParaRPr lang="fr-FR"/>
           </a:p>
@@ -1575,7 +1575,7 @@
             <a:fld id="{973B10A7-8A2B-4F39-8160-83B51E5E9C07}" type="datetime1">
               <a:rPr lang="fr-FR" smtClean="0"/>
               <a:pPr/>
-              <a:t>16/11/2016</a:t>
+              <a:t>17/11/2016</a:t>
             </a:fld>
             <a:endParaRPr lang="fr-FR"/>
           </a:p>
@@ -1711,7 +1711,7 @@
             <a:fld id="{973B10A7-8A2B-4F39-8160-83B51E5E9C07}" type="datetime1">
               <a:rPr lang="fr-FR" smtClean="0"/>
               <a:pPr/>
-              <a:t>16/11/2016</a:t>
+              <a:t>17/11/2016</a:t>
             </a:fld>
             <a:endParaRPr lang="fr-FR"/>
           </a:p>
@@ -1847,7 +1847,7 @@
             <a:fld id="{CEEEE294-B79F-4A25-95D8-F3C9F64C4822}" type="datetime1">
               <a:rPr lang="fr-FR" smtClean="0"/>
               <a:pPr/>
-              <a:t>16/11/2016</a:t>
+              <a:t>17/11/2016</a:t>
             </a:fld>
             <a:endParaRPr lang="fr-FR"/>
           </a:p>
@@ -1983,7 +1983,7 @@
             <a:fld id="{973B10A7-8A2B-4F39-8160-83B51E5E9C07}" type="datetime1">
               <a:rPr lang="fr-FR" smtClean="0"/>
               <a:pPr/>
-              <a:t>16/11/2016</a:t>
+              <a:t>17/11/2016</a:t>
             </a:fld>
             <a:endParaRPr lang="fr-FR"/>
           </a:p>
@@ -2119,7 +2119,7 @@
             <a:fld id="{973B10A7-8A2B-4F39-8160-83B51E5E9C07}" type="datetime1">
               <a:rPr lang="fr-FR" smtClean="0"/>
               <a:pPr/>
-              <a:t>16/11/2016</a:t>
+              <a:t>17/11/2016</a:t>
             </a:fld>
             <a:endParaRPr lang="fr-FR"/>
           </a:p>
@@ -9846,6 +9846,54 @@
           <a:chExt cx="0" cy="0"/>
         </a:xfrm>
       </p:grpSpPr>
+      <p:pic>
+        <p:nvPicPr>
+          <p:cNvPr id="8" name="Espace réservé pour une image  7"/>
+          <p:cNvPicPr>
+            <a:picLocks noGrp="1" noChangeAspect="1"/>
+          </p:cNvPicPr>
+          <p:nvPr>
+            <p:ph type="pic" sz="quarter" idx="15"/>
+          </p:nvPr>
+        </p:nvPicPr>
+        <p:blipFill>
+          <a:blip r:embed="rId2">
+            <a:extLst>
+              <a:ext uri="{28A0092B-C50C-407E-A947-70E740481C1C}">
+                <a14:useLocalDpi xmlns:a14="http://schemas.microsoft.com/office/drawing/2010/main" val="0"/>
+              </a:ext>
+            </a:extLst>
+          </a:blip>
+          <a:srcRect t="4076" b="4076"/>
+          <a:stretch>
+            <a:fillRect/>
+          </a:stretch>
+        </p:blipFill>
+        <p:spPr/>
+      </p:pic>
+      <p:sp>
+        <p:nvSpPr>
+          <p:cNvPr id="3" name="Espace réservé du pied de page 2"/>
+          <p:cNvSpPr>
+            <a:spLocks noGrp="1"/>
+          </p:cNvSpPr>
+          <p:nvPr>
+            <p:ph type="ftr" sz="quarter" idx="13"/>
+          </p:nvPr>
+        </p:nvSpPr>
+        <p:spPr/>
+        <p:txBody>
+          <a:bodyPr/>
+          <a:lstStyle/>
+          <a:p>
+            <a:r>
+              <a:rPr lang="fr-FR" smtClean="0"/>
+              <a:t>Nom de la présentation</a:t>
+            </a:r>
+            <a:endParaRPr lang="fr-FR" dirty="0"/>
+          </a:p>
+        </p:txBody>
+      </p:sp>
       <p:sp>
         <p:nvSpPr>
           <p:cNvPr id="4" name="Espace réservé du numéro de diapositive 3"/>
@@ -9886,71 +9934,31 @@
           <a:lstStyle/>
           <a:p>
             <a:r>
-              <a:rPr lang="fr-FR" cap="none" dirty="0" err="1"/>
-              <a:t>Angular</a:t>
-            </a:r>
-            <a:r>
-              <a:rPr lang="fr-FR" cap="none" dirty="0"/>
-              <a:t> JS : </a:t>
-            </a:r>
-            <a:r>
-              <a:rPr lang="fr-FR" cap="none" smtClean="0"/>
+              <a:rPr lang="fr-FR" dirty="0" err="1" smtClean="0"/>
+              <a:t>ANgularJS</a:t>
+            </a:r>
+            <a:endParaRPr lang="fr-FR" dirty="0"/>
+          </a:p>
+        </p:txBody>
+      </p:sp>
+      <p:sp>
+        <p:nvSpPr>
+          <p:cNvPr id="6" name="Sous-titre 5"/>
+          <p:cNvSpPr>
+            <a:spLocks noGrp="1"/>
+          </p:cNvSpPr>
+          <p:nvPr>
+            <p:ph type="subTitle" idx="1"/>
+          </p:nvPr>
+        </p:nvSpPr>
+        <p:spPr/>
+        <p:txBody>
+          <a:bodyPr/>
+          <a:lstStyle/>
+          <a:p>
+            <a:r>
+              <a:rPr lang="fr-FR" dirty="0" smtClean="0"/>
               <a:t>Premiers pas</a:t>
-            </a:r>
-            <a:endParaRPr lang="fr-FR" cap="none" dirty="0"/>
-          </a:p>
-        </p:txBody>
-      </p:sp>
-      <p:pic>
-        <p:nvPicPr>
-          <p:cNvPr id="9" name="Espace réservé pour une image  8"/>
-          <p:cNvPicPr>
-            <a:picLocks noGrp="1" noChangeAspect="1"/>
-          </p:cNvPicPr>
-          <p:nvPr>
-            <p:ph type="pic" sz="quarter" idx="15"/>
-          </p:nvPr>
-        </p:nvPicPr>
-        <p:blipFill rotWithShape="1">
-          <a:blip r:embed="rId2" cstate="print">
-            <a:extLst>
-              <a:ext uri="{28A0092B-C50C-407E-A947-70E740481C1C}">
-                <a14:useLocalDpi xmlns:a14="http://schemas.microsoft.com/office/drawing/2010/main"/>
-              </a:ext>
-            </a:extLst>
-          </a:blip>
-          <a:srcRect/>
-          <a:stretch/>
-        </p:blipFill>
-        <p:spPr>
-          <a:xfrm>
-            <a:off x="-5576" y="-2539"/>
-            <a:ext cx="9155154" cy="3431539"/>
-          </a:xfrm>
-        </p:spPr>
-      </p:pic>
-      <p:sp>
-        <p:nvSpPr>
-          <p:cNvPr id="2" name="Espace réservé du pied de page 1"/>
-          <p:cNvSpPr>
-            <a:spLocks noGrp="1"/>
-          </p:cNvSpPr>
-          <p:nvPr>
-            <p:ph type="ftr" sz="quarter" idx="13"/>
-          </p:nvPr>
-        </p:nvSpPr>
-        <p:spPr/>
-        <p:txBody>
-          <a:bodyPr/>
-          <a:lstStyle/>
-          <a:p>
-            <a:r>
-              <a:rPr lang="fr-FR" dirty="0" err="1" smtClean="0"/>
-              <a:t>Angular</a:t>
-            </a:r>
-            <a:r>
-              <a:rPr lang="fr-FR" dirty="0" smtClean="0"/>
-              <a:t> JS 1 : Introduction</a:t>
             </a:r>
             <a:endParaRPr lang="fr-FR" dirty="0"/>
           </a:p>
@@ -9959,20 +9967,13 @@
     </p:spTree>
     <p:extLst>
       <p:ext uri="{BB962C8B-B14F-4D97-AF65-F5344CB8AC3E}">
-        <p14:creationId xmlns:p14="http://schemas.microsoft.com/office/powerpoint/2010/main" val="4030593035"/>
+        <p14:creationId xmlns:p14="http://schemas.microsoft.com/office/powerpoint/2010/main" val="3255797730"/>
       </p:ext>
     </p:extLst>
   </p:cSld>
   <p:clrMapOvr>
     <a:masterClrMapping/>
   </p:clrMapOvr>
-  <p:timing>
-    <p:tnLst>
-      <p:par>
-        <p:cTn id="1" dur="indefinite" restart="never" nodeType="tmRoot"/>
-      </p:par>
-    </p:tnLst>
-  </p:timing>
 </p:sld>
 </file>
 

--- a/Jour1/03 Premiers pas/03_Premier_pas_AngularJS.pptx
+++ b/Jour1/03 Premiers pas/03_Premier_pas_AngularJS.pptx
@@ -5,10 +5,10 @@
     <p:sldMasterId id="2147483648" r:id="rId1"/>
   </p:sldMasterIdLst>
   <p:notesMasterIdLst>
-    <p:notesMasterId r:id="rId23"/>
+    <p:notesMasterId r:id="rId19"/>
   </p:notesMasterIdLst>
   <p:handoutMasterIdLst>
-    <p:handoutMasterId r:id="rId24"/>
+    <p:handoutMasterId r:id="rId20"/>
   </p:handoutMasterIdLst>
   <p:sldIdLst>
     <p:sldId id="566" r:id="rId2"/>
@@ -17,21 +17,17 @@
     <p:sldId id="446" r:id="rId5"/>
     <p:sldId id="447" r:id="rId6"/>
     <p:sldId id="448" r:id="rId7"/>
-    <p:sldId id="500" r:id="rId8"/>
-    <p:sldId id="449" r:id="rId9"/>
-    <p:sldId id="515" r:id="rId10"/>
-    <p:sldId id="450" r:id="rId11"/>
-    <p:sldId id="520" r:id="rId12"/>
-    <p:sldId id="451" r:id="rId13"/>
-    <p:sldId id="452" r:id="rId14"/>
-    <p:sldId id="426" r:id="rId15"/>
-    <p:sldId id="445" r:id="rId16"/>
-    <p:sldId id="459" r:id="rId17"/>
-    <p:sldId id="521" r:id="rId18"/>
-    <p:sldId id="522" r:id="rId19"/>
-    <p:sldId id="516" r:id="rId20"/>
-    <p:sldId id="461" r:id="rId21"/>
-    <p:sldId id="490" r:id="rId22"/>
+    <p:sldId id="449" r:id="rId8"/>
+    <p:sldId id="500" r:id="rId9"/>
+    <p:sldId id="451" r:id="rId10"/>
+    <p:sldId id="452" r:id="rId11"/>
+    <p:sldId id="450" r:id="rId12"/>
+    <p:sldId id="426" r:id="rId13"/>
+    <p:sldId id="445" r:id="rId14"/>
+    <p:sldId id="459" r:id="rId15"/>
+    <p:sldId id="521" r:id="rId16"/>
+    <p:sldId id="567" r:id="rId17"/>
+    <p:sldId id="522" r:id="rId18"/>
   </p:sldIdLst>
   <p:sldSz cx="9144000" cy="6858000" type="screen4x3"/>
   <p:notesSz cx="7104063" cy="10234613"/>
@@ -302,7 +298,7 @@
             <a:fld id="{87731427-D242-475D-9180-8940013A50B8}" type="datetimeFigureOut">
               <a:rPr lang="en-GB" smtClean="0"/>
               <a:pPr algn="l"/>
-              <a:t>17/11/2016</a:t>
+              <a:t>20/11/2016</a:t>
             </a:fld>
             <a:endParaRPr lang="en-GB" dirty="0"/>
           </a:p>
@@ -507,7 +503,7 @@
             <a:fld id="{BA521D56-F1F4-41A0-82EB-989F4F6F400D}" type="datetimeFigureOut">
               <a:rPr lang="fr-FR" smtClean="0"/>
               <a:pPr/>
-              <a:t>17/11/2016</a:t>
+              <a:t>20/11/2016</a:t>
             </a:fld>
             <a:endParaRPr lang="fr-FR"/>
           </a:p>
@@ -1031,7 +1027,7 @@
             <a:fld id="{973B10A7-8A2B-4F39-8160-83B51E5E9C07}" type="datetime1">
               <a:rPr lang="fr-FR" smtClean="0"/>
               <a:pPr/>
-              <a:t>17/11/2016</a:t>
+              <a:t>20/11/2016</a:t>
             </a:fld>
             <a:endParaRPr lang="fr-FR"/>
           </a:p>
@@ -1143,7 +1139,7 @@
             <a:fld id="{305287CA-3E72-4A91-B59B-B69F40801570}" type="slidenum">
               <a:rPr lang="en-GB" sz="1100" smtClean="0"/>
               <a:pPr/>
-              <a:t>7</a:t>
+              <a:t>8</a:t>
             </a:fld>
             <a:endParaRPr lang="en-GB" sz="1100" dirty="0"/>
           </a:p>
@@ -1167,7 +1163,7 @@
             <a:fld id="{CEEEE294-B79F-4A25-95D8-F3C9F64C4822}" type="datetime1">
               <a:rPr lang="fr-FR" smtClean="0"/>
               <a:pPr/>
-              <a:t>17/11/2016</a:t>
+              <a:t>20/11/2016</a:t>
             </a:fld>
             <a:endParaRPr lang="fr-FR"/>
           </a:p>
@@ -1279,7 +1275,7 @@
             <a:fld id="{305287CA-3E72-4A91-B59B-B69F40801570}" type="slidenum">
               <a:rPr lang="en-GB" sz="1100" smtClean="0"/>
               <a:pPr/>
-              <a:t>14</a:t>
+              <a:t>12</a:t>
             </a:fld>
             <a:endParaRPr lang="en-GB" sz="1100" dirty="0"/>
           </a:p>
@@ -1303,7 +1299,7 @@
             <a:fld id="{973B10A7-8A2B-4F39-8160-83B51E5E9C07}" type="datetime1">
               <a:rPr lang="fr-FR" smtClean="0"/>
               <a:pPr/>
-              <a:t>17/11/2016</a:t>
+              <a:t>20/11/2016</a:t>
             </a:fld>
             <a:endParaRPr lang="fr-FR"/>
           </a:p>
@@ -1415,7 +1411,7 @@
             <a:fld id="{305287CA-3E72-4A91-B59B-B69F40801570}" type="slidenum">
               <a:rPr lang="en-GB" sz="1100" smtClean="0"/>
               <a:pPr/>
-              <a:t>15</a:t>
+              <a:t>13</a:t>
             </a:fld>
             <a:endParaRPr lang="en-GB" sz="1100" dirty="0"/>
           </a:p>
@@ -1439,7 +1435,7 @@
             <a:fld id="{CEEEE294-B79F-4A25-95D8-F3C9F64C4822}" type="datetime1">
               <a:rPr lang="fr-FR" smtClean="0"/>
               <a:pPr/>
-              <a:t>17/11/2016</a:t>
+              <a:t>20/11/2016</a:t>
             </a:fld>
             <a:endParaRPr lang="fr-FR"/>
           </a:p>
@@ -1551,7 +1547,7 @@
             <a:fld id="{305287CA-3E72-4A91-B59B-B69F40801570}" type="slidenum">
               <a:rPr lang="en-GB" sz="1100" smtClean="0"/>
               <a:pPr/>
-              <a:t>16</a:t>
+              <a:t>14</a:t>
             </a:fld>
             <a:endParaRPr lang="en-GB" sz="1100" dirty="0"/>
           </a:p>
@@ -1575,7 +1571,7 @@
             <a:fld id="{973B10A7-8A2B-4F39-8160-83B51E5E9C07}" type="datetime1">
               <a:rPr lang="fr-FR" smtClean="0"/>
               <a:pPr/>
-              <a:t>17/11/2016</a:t>
+              <a:t>20/11/2016</a:t>
             </a:fld>
             <a:endParaRPr lang="fr-FR"/>
           </a:p>
@@ -1687,7 +1683,7 @@
             <a:fld id="{305287CA-3E72-4A91-B59B-B69F40801570}" type="slidenum">
               <a:rPr lang="en-GB" sz="1100" smtClean="0"/>
               <a:pPr/>
-              <a:t>17</a:t>
+              <a:t>15</a:t>
             </a:fld>
             <a:endParaRPr lang="en-GB" sz="1100" dirty="0"/>
           </a:p>
@@ -1711,7 +1707,7 @@
             <a:fld id="{973B10A7-8A2B-4F39-8160-83B51E5E9C07}" type="datetime1">
               <a:rPr lang="fr-FR" smtClean="0"/>
               <a:pPr/>
-              <a:t>17/11/2016</a:t>
+              <a:t>20/11/2016</a:t>
             </a:fld>
             <a:endParaRPr lang="fr-FR"/>
           </a:p>
@@ -1823,7 +1819,7 @@
             <a:fld id="{305287CA-3E72-4A91-B59B-B69F40801570}" type="slidenum">
               <a:rPr lang="en-GB" sz="1100" smtClean="0"/>
               <a:pPr/>
-              <a:t>18</a:t>
+              <a:t>16</a:t>
             </a:fld>
             <a:endParaRPr lang="en-GB" sz="1100" dirty="0"/>
           </a:p>
@@ -1844,10 +1840,10 @@
           <a:bodyPr/>
           <a:lstStyle/>
           <a:p>
-            <a:fld id="{CEEEE294-B79F-4A25-95D8-F3C9F64C4822}" type="datetime1">
+            <a:fld id="{973B10A7-8A2B-4F39-8160-83B51E5E9C07}" type="datetime1">
               <a:rPr lang="fr-FR" smtClean="0"/>
               <a:pPr/>
-              <a:t>17/11/2016</a:t>
+              <a:t>20/11/2016</a:t>
             </a:fld>
             <a:endParaRPr lang="fr-FR"/>
           </a:p>
@@ -1856,7 +1852,7 @@
     </p:spTree>
     <p:extLst>
       <p:ext uri="{BB962C8B-B14F-4D97-AF65-F5344CB8AC3E}">
-        <p14:creationId xmlns:p14="http://schemas.microsoft.com/office/powerpoint/2010/main" val="4081639851"/>
+        <p14:creationId xmlns:p14="http://schemas.microsoft.com/office/powerpoint/2010/main" val="1310849285"/>
       </p:ext>
     </p:extLst>
   </p:cSld>
@@ -1959,7 +1955,7 @@
             <a:fld id="{305287CA-3E72-4A91-B59B-B69F40801570}" type="slidenum">
               <a:rPr lang="en-GB" sz="1100" smtClean="0"/>
               <a:pPr/>
-              <a:t>20</a:t>
+              <a:t>17</a:t>
             </a:fld>
             <a:endParaRPr lang="en-GB" sz="1100" dirty="0"/>
           </a:p>
@@ -1980,10 +1976,10 @@
           <a:bodyPr/>
           <a:lstStyle/>
           <a:p>
-            <a:fld id="{973B10A7-8A2B-4F39-8160-83B51E5E9C07}" type="datetime1">
+            <a:fld id="{CEEEE294-B79F-4A25-95D8-F3C9F64C4822}" type="datetime1">
               <a:rPr lang="fr-FR" smtClean="0"/>
               <a:pPr/>
-              <a:t>17/11/2016</a:t>
+              <a:t>20/11/2016</a:t>
             </a:fld>
             <a:endParaRPr lang="fr-FR"/>
           </a:p>
@@ -1992,143 +1988,7 @@
     </p:spTree>
     <p:extLst>
       <p:ext uri="{BB962C8B-B14F-4D97-AF65-F5344CB8AC3E}">
-        <p14:creationId xmlns:p14="http://schemas.microsoft.com/office/powerpoint/2010/main" val="185757619"/>
-      </p:ext>
-    </p:extLst>
-  </p:cSld>
-  <p:clrMapOvr>
-    <a:masterClrMapping/>
-  </p:clrMapOvr>
-</p:notes>
-</file>
-
-<file path=ppt/notesSlides/notesSlide9.xml><?xml version="1.0" encoding="utf-8"?>
-<p:notes xmlns:a="http://schemas.openxmlformats.org/drawingml/2006/main" xmlns:r="http://schemas.openxmlformats.org/officeDocument/2006/relationships" xmlns:p="http://schemas.openxmlformats.org/presentationml/2006/main">
-  <p:cSld>
-    <p:spTree>
-      <p:nvGrpSpPr>
-        <p:cNvPr id="1" name=""/>
-        <p:cNvGrpSpPr/>
-        <p:nvPr/>
-      </p:nvGrpSpPr>
-      <p:grpSpPr>
-        <a:xfrm>
-          <a:off x="0" y="0"/>
-          <a:ext cx="0" cy="0"/>
-          <a:chOff x="0" y="0"/>
-          <a:chExt cx="0" cy="0"/>
-        </a:xfrm>
-      </p:grpSpPr>
-      <p:sp>
-        <p:nvSpPr>
-          <p:cNvPr id="10" name="Espace réservé de l'image des diapositives 9"/>
-          <p:cNvSpPr>
-            <a:spLocks noGrp="1" noRot="1" noChangeAspect="1"/>
-          </p:cNvSpPr>
-          <p:nvPr>
-            <p:ph type="sldImg"/>
-          </p:nvPr>
-        </p:nvSpPr>
-        <p:spPr/>
-      </p:sp>
-      <p:sp>
-        <p:nvSpPr>
-          <p:cNvPr id="11" name="Espace réservé des commentaires 10"/>
-          <p:cNvSpPr>
-            <a:spLocks noGrp="1"/>
-          </p:cNvSpPr>
-          <p:nvPr>
-            <p:ph type="body" idx="1"/>
-          </p:nvPr>
-        </p:nvSpPr>
-        <p:spPr/>
-        <p:txBody>
-          <a:bodyPr/>
-          <a:lstStyle/>
-          <a:p>
-            <a:endParaRPr lang="fr-FR"/>
-          </a:p>
-        </p:txBody>
-      </p:sp>
-      <p:sp>
-        <p:nvSpPr>
-          <p:cNvPr id="14" name="Espace réservé du pied de page 13"/>
-          <p:cNvSpPr>
-            <a:spLocks noGrp="1"/>
-          </p:cNvSpPr>
-          <p:nvPr>
-            <p:ph type="ftr" sz="quarter" idx="12"/>
-          </p:nvPr>
-        </p:nvSpPr>
-        <p:spPr/>
-        <p:txBody>
-          <a:bodyPr/>
-          <a:lstStyle/>
-          <a:p>
-            <a:r>
-              <a:rPr lang="en-GB" sz="1100" dirty="0"/>
-              <a:t>Titre de la </a:t>
-            </a:r>
-            <a:r>
-              <a:rPr lang="en-GB" sz="1100" dirty="0" err="1"/>
-              <a:t>présentation</a:t>
-            </a:r>
-            <a:endParaRPr lang="en-GB" sz="1100" dirty="0"/>
-          </a:p>
-        </p:txBody>
-      </p:sp>
-      <p:sp>
-        <p:nvSpPr>
-          <p:cNvPr id="15" name="Espace réservé du numéro de diapositive 14"/>
-          <p:cNvSpPr>
-            <a:spLocks noGrp="1"/>
-          </p:cNvSpPr>
-          <p:nvPr>
-            <p:ph type="sldNum" sz="quarter" idx="13"/>
-          </p:nvPr>
-        </p:nvSpPr>
-        <p:spPr/>
-        <p:txBody>
-          <a:bodyPr/>
-          <a:lstStyle/>
-          <a:p>
-            <a:fld id="{305287CA-3E72-4A91-B59B-B69F40801570}" type="slidenum">
-              <a:rPr lang="en-GB" sz="1100" smtClean="0"/>
-              <a:pPr/>
-              <a:t>21</a:t>
-            </a:fld>
-            <a:endParaRPr lang="en-GB" sz="1100" dirty="0"/>
-          </a:p>
-        </p:txBody>
-      </p:sp>
-      <p:sp>
-        <p:nvSpPr>
-          <p:cNvPr id="2" name="Espace réservé de la date 1"/>
-          <p:cNvSpPr>
-            <a:spLocks noGrp="1"/>
-          </p:cNvSpPr>
-          <p:nvPr>
-            <p:ph type="dt" idx="14"/>
-          </p:nvPr>
-        </p:nvSpPr>
-        <p:spPr/>
-        <p:txBody>
-          <a:bodyPr/>
-          <a:lstStyle/>
-          <a:p>
-            <a:fld id="{973B10A7-8A2B-4F39-8160-83B51E5E9C07}" type="datetime1">
-              <a:rPr lang="fr-FR" smtClean="0"/>
-              <a:pPr/>
-              <a:t>17/11/2016</a:t>
-            </a:fld>
-            <a:endParaRPr lang="fr-FR"/>
-          </a:p>
-        </p:txBody>
-      </p:sp>
-    </p:spTree>
-    <p:extLst>
-      <p:ext uri="{BB962C8B-B14F-4D97-AF65-F5344CB8AC3E}">
-        <p14:creationId xmlns:p14="http://schemas.microsoft.com/office/powerpoint/2010/main" val="185757619"/>
+        <p14:creationId xmlns:p14="http://schemas.microsoft.com/office/powerpoint/2010/main" val="4081639851"/>
       </p:ext>
     </p:extLst>
   </p:cSld>
@@ -9974,6 +9834,13 @@
   <p:clrMapOvr>
     <a:masterClrMapping/>
   </p:clrMapOvr>
+  <p:timing>
+    <p:tnLst>
+      <p:par>
+        <p:cTn id="1" dur="indefinite" restart="never" nodeType="tmRoot"/>
+      </p:par>
+    </p:tnLst>
+  </p:timing>
 </p:sld>
 </file>
 
@@ -10004,506 +9871,6 @@
             <p:ph idx="1"/>
           </p:nvPr>
         </p:nvSpPr>
-        <p:spPr/>
-        <p:txBody>
-          <a:bodyPr/>
-          <a:lstStyle/>
-          <a:p>
-            <a:r>
-              <a:rPr lang="fr-FR" dirty="0"/>
-              <a:t>CONTROLLER</a:t>
-            </a:r>
-          </a:p>
-          <a:p>
-            <a:r>
-              <a:rPr lang="fr-FR" dirty="0"/>
-              <a:t>Les contrôleurs sont chargés de manipuler le modèle et de faire lien avec la vue (page HTML).</a:t>
-            </a:r>
-          </a:p>
-          <a:p>
-            <a:r>
-              <a:rPr lang="fr-FR" dirty="0"/>
-              <a:t>Il est possible de définir plusieurs contrôleurs sur un template.</a:t>
-            </a:r>
-          </a:p>
-          <a:p>
-            <a:r>
-              <a:rPr lang="fr-FR" dirty="0"/>
-              <a:t>AngularJS gère le cycle de vie des contrôleurs.</a:t>
-            </a:r>
-            <a:endParaRPr lang="en-US" dirty="0"/>
-          </a:p>
-        </p:txBody>
-      </p:sp>
-      <p:sp>
-        <p:nvSpPr>
-          <p:cNvPr id="3" name="Titre 2"/>
-          <p:cNvSpPr>
-            <a:spLocks noGrp="1"/>
-          </p:cNvSpPr>
-          <p:nvPr>
-            <p:ph type="title"/>
-          </p:nvPr>
-        </p:nvSpPr>
-        <p:spPr/>
-        <p:txBody>
-          <a:bodyPr/>
-          <a:lstStyle/>
-          <a:p>
-            <a:endParaRPr lang="en-US"/>
-          </a:p>
-        </p:txBody>
-      </p:sp>
-      <p:sp>
-        <p:nvSpPr>
-          <p:cNvPr id="4" name="Espace réservé du pied de page 3"/>
-          <p:cNvSpPr>
-            <a:spLocks noGrp="1"/>
-          </p:cNvSpPr>
-          <p:nvPr>
-            <p:ph type="ftr" sz="quarter" idx="11"/>
-          </p:nvPr>
-        </p:nvSpPr>
-        <p:spPr/>
-        <p:txBody>
-          <a:bodyPr/>
-          <a:lstStyle/>
-          <a:p>
-            <a:endParaRPr lang="fr-FR" dirty="0"/>
-          </a:p>
-        </p:txBody>
-      </p:sp>
-      <p:sp>
-        <p:nvSpPr>
-          <p:cNvPr id="5" name="Espace réservé du numéro de diapositive 4"/>
-          <p:cNvSpPr>
-            <a:spLocks noGrp="1"/>
-          </p:cNvSpPr>
-          <p:nvPr>
-            <p:ph type="sldNum" sz="quarter" idx="12"/>
-          </p:nvPr>
-        </p:nvSpPr>
-        <p:spPr/>
-        <p:txBody>
-          <a:bodyPr/>
-          <a:lstStyle/>
-          <a:p>
-            <a:fld id="{AF43E6FD-AB27-4108-A2FC-346BB5F75E3F}" type="slidenum">
-              <a:rPr lang="fr-FR" smtClean="0"/>
-              <a:pPr/>
-              <a:t>10</a:t>
-            </a:fld>
-            <a:endParaRPr lang="fr-FR" dirty="0"/>
-          </a:p>
-        </p:txBody>
-      </p:sp>
-      <p:sp>
-        <p:nvSpPr>
-          <p:cNvPr id="6" name="Espace réservé du texte 5"/>
-          <p:cNvSpPr>
-            <a:spLocks noGrp="1"/>
-          </p:cNvSpPr>
-          <p:nvPr>
-            <p:ph type="body" sz="quarter" idx="13"/>
-          </p:nvPr>
-        </p:nvSpPr>
-        <p:spPr/>
-        <p:txBody>
-          <a:bodyPr/>
-          <a:lstStyle/>
-          <a:p>
-            <a:endParaRPr lang="en-US"/>
-          </a:p>
-        </p:txBody>
-      </p:sp>
-    </p:spTree>
-  </p:cSld>
-  <p:clrMapOvr>
-    <a:masterClrMapping/>
-  </p:clrMapOvr>
-</p:sld>
-</file>
-
-<file path=ppt/slides/slide11.xml><?xml version="1.0" encoding="utf-8"?>
-<p:sld xmlns:a="http://schemas.openxmlformats.org/drawingml/2006/main" xmlns:r="http://schemas.openxmlformats.org/officeDocument/2006/relationships" xmlns:p="http://schemas.openxmlformats.org/presentationml/2006/main">
-  <p:cSld>
-    <p:spTree>
-      <p:nvGrpSpPr>
-        <p:cNvPr id="1" name=""/>
-        <p:cNvGrpSpPr/>
-        <p:nvPr/>
-      </p:nvGrpSpPr>
-      <p:grpSpPr>
-        <a:xfrm>
-          <a:off x="0" y="0"/>
-          <a:ext cx="0" cy="0"/>
-          <a:chOff x="0" y="0"/>
-          <a:chExt cx="0" cy="0"/>
-        </a:xfrm>
-      </p:grpSpPr>
-      <p:sp>
-        <p:nvSpPr>
-          <p:cNvPr id="2" name="Espace réservé du contenu 1"/>
-          <p:cNvSpPr>
-            <a:spLocks noGrp="1"/>
-          </p:cNvSpPr>
-          <p:nvPr>
-            <p:ph idx="1"/>
-          </p:nvPr>
-        </p:nvSpPr>
-        <p:spPr/>
-        <p:txBody>
-          <a:bodyPr/>
-          <a:lstStyle/>
-          <a:p>
-            <a:r>
-              <a:rPr lang="fr-FR" dirty="0"/>
-              <a:t>CONTROLLER</a:t>
-            </a:r>
-          </a:p>
-          <a:p>
-            <a:r>
-              <a:rPr lang="fr-FR" dirty="0"/>
-              <a:t>Les contrôleurs sont chargés de manipuler le modèle et de faire lien avec la vue (page HTML).</a:t>
-            </a:r>
-          </a:p>
-          <a:p>
-            <a:r>
-              <a:rPr lang="fr-FR" dirty="0"/>
-              <a:t>Il est possible de définir plusieurs contrôleurs sur un template.</a:t>
-            </a:r>
-          </a:p>
-          <a:p>
-            <a:r>
-              <a:rPr lang="fr-FR" dirty="0"/>
-              <a:t>AngularJS gère le cycle de vie des contrôleurs.</a:t>
-            </a:r>
-            <a:endParaRPr lang="en-US" dirty="0"/>
-          </a:p>
-        </p:txBody>
-      </p:sp>
-      <p:sp>
-        <p:nvSpPr>
-          <p:cNvPr id="3" name="Titre 2"/>
-          <p:cNvSpPr>
-            <a:spLocks noGrp="1"/>
-          </p:cNvSpPr>
-          <p:nvPr>
-            <p:ph type="title"/>
-          </p:nvPr>
-        </p:nvSpPr>
-        <p:spPr/>
-        <p:txBody>
-          <a:bodyPr/>
-          <a:lstStyle/>
-          <a:p>
-            <a:endParaRPr lang="en-US"/>
-          </a:p>
-        </p:txBody>
-      </p:sp>
-      <p:sp>
-        <p:nvSpPr>
-          <p:cNvPr id="4" name="Espace réservé du pied de page 3"/>
-          <p:cNvSpPr>
-            <a:spLocks noGrp="1"/>
-          </p:cNvSpPr>
-          <p:nvPr>
-            <p:ph type="ftr" sz="quarter" idx="11"/>
-          </p:nvPr>
-        </p:nvSpPr>
-        <p:spPr/>
-        <p:txBody>
-          <a:bodyPr/>
-          <a:lstStyle/>
-          <a:p>
-            <a:endParaRPr lang="fr-FR" dirty="0"/>
-          </a:p>
-        </p:txBody>
-      </p:sp>
-      <p:sp>
-        <p:nvSpPr>
-          <p:cNvPr id="5" name="Espace réservé du numéro de diapositive 4"/>
-          <p:cNvSpPr>
-            <a:spLocks noGrp="1"/>
-          </p:cNvSpPr>
-          <p:nvPr>
-            <p:ph type="sldNum" sz="quarter" idx="12"/>
-          </p:nvPr>
-        </p:nvSpPr>
-        <p:spPr/>
-        <p:txBody>
-          <a:bodyPr/>
-          <a:lstStyle/>
-          <a:p>
-            <a:fld id="{AF43E6FD-AB27-4108-A2FC-346BB5F75E3F}" type="slidenum">
-              <a:rPr lang="fr-FR" smtClean="0"/>
-              <a:pPr/>
-              <a:t>11</a:t>
-            </a:fld>
-            <a:endParaRPr lang="fr-FR" dirty="0"/>
-          </a:p>
-        </p:txBody>
-      </p:sp>
-      <p:sp>
-        <p:nvSpPr>
-          <p:cNvPr id="6" name="Espace réservé du texte 5"/>
-          <p:cNvSpPr>
-            <a:spLocks noGrp="1"/>
-          </p:cNvSpPr>
-          <p:nvPr>
-            <p:ph type="body" sz="quarter" idx="13"/>
-          </p:nvPr>
-        </p:nvSpPr>
-        <p:spPr/>
-        <p:txBody>
-          <a:bodyPr/>
-          <a:lstStyle/>
-          <a:p>
-            <a:endParaRPr lang="en-US"/>
-          </a:p>
-        </p:txBody>
-      </p:sp>
-    </p:spTree>
-  </p:cSld>
-  <p:clrMapOvr>
-    <a:masterClrMapping/>
-  </p:clrMapOvr>
-</p:sld>
-</file>
-
-<file path=ppt/slides/slide12.xml><?xml version="1.0" encoding="utf-8"?>
-<p:sld xmlns:a="http://schemas.openxmlformats.org/drawingml/2006/main" xmlns:r="http://schemas.openxmlformats.org/officeDocument/2006/relationships" xmlns:p="http://schemas.openxmlformats.org/presentationml/2006/main">
-  <p:cSld>
-    <p:spTree>
-      <p:nvGrpSpPr>
-        <p:cNvPr id="1" name=""/>
-        <p:cNvGrpSpPr/>
-        <p:nvPr/>
-      </p:nvGrpSpPr>
-      <p:grpSpPr>
-        <a:xfrm>
-          <a:off x="0" y="0"/>
-          <a:ext cx="0" cy="0"/>
-          <a:chOff x="0" y="0"/>
-          <a:chExt cx="0" cy="0"/>
-        </a:xfrm>
-      </p:grpSpPr>
-      <p:sp>
-        <p:nvSpPr>
-          <p:cNvPr id="2" name="Espace réservé du contenu 1"/>
-          <p:cNvSpPr>
-            <a:spLocks noGrp="1"/>
-          </p:cNvSpPr>
-          <p:nvPr>
-            <p:ph idx="1"/>
-          </p:nvPr>
-        </p:nvSpPr>
-        <p:spPr/>
-        <p:txBody>
-          <a:bodyPr/>
-          <a:lstStyle/>
-          <a:p>
-            <a:pPr fontAlgn="base"/>
-            <a:r>
-              <a:rPr lang="fr-FR" b="1" cap="all" dirty="0"/>
-              <a:t>SCOPE</a:t>
-            </a:r>
-          </a:p>
-          <a:p>
-            <a:pPr fontAlgn="base"/>
-            <a:endParaRPr lang="fr-FR" dirty="0"/>
-          </a:p>
-          <a:p>
-            <a:pPr fontAlgn="base"/>
-            <a:r>
-              <a:rPr lang="fr-FR" dirty="0"/>
-              <a:t>Comment est évaluée l'expression {{ hello }} ?</a:t>
-            </a:r>
-          </a:p>
-          <a:p>
-            <a:pPr fontAlgn="base"/>
-            <a:r>
-              <a:rPr lang="fr-FR" dirty="0"/>
-              <a:t>AngularJS va chercher un attribut nommé 'hello' dans l'objet scope, si celui-ci est trouvé alors la valeur de l'attribut sera affichée sinon une chaîne de caractères vide.</a:t>
-            </a:r>
-          </a:p>
-          <a:p>
-            <a:pPr fontAlgn="base"/>
-            <a:r>
-              <a:rPr lang="fr-FR" dirty="0"/>
-              <a:t>Le scope est ainsi utilisé pour initialiser des valeurs ou récupérer les valeurs modifiées par un utilisateur (</a:t>
-            </a:r>
-            <a:r>
-              <a:rPr lang="fr-FR" dirty="0" err="1"/>
-              <a:t>cf</a:t>
-            </a:r>
-            <a:r>
-              <a:rPr lang="fr-FR" dirty="0"/>
-              <a:t> double data </a:t>
-            </a:r>
-            <a:r>
-              <a:rPr lang="fr-FR" dirty="0" err="1"/>
-              <a:t>binding</a:t>
-            </a:r>
-            <a:r>
-              <a:rPr lang="fr-FR" dirty="0"/>
-              <a:t>).</a:t>
-            </a:r>
-          </a:p>
-          <a:p>
-            <a:endParaRPr lang="en-US" dirty="0"/>
-          </a:p>
-        </p:txBody>
-      </p:sp>
-      <p:sp>
-        <p:nvSpPr>
-          <p:cNvPr id="3" name="Titre 2"/>
-          <p:cNvSpPr>
-            <a:spLocks noGrp="1"/>
-          </p:cNvSpPr>
-          <p:nvPr>
-            <p:ph type="title"/>
-          </p:nvPr>
-        </p:nvSpPr>
-        <p:spPr/>
-        <p:txBody>
-          <a:bodyPr/>
-          <a:lstStyle/>
-          <a:p>
-            <a:endParaRPr lang="en-US"/>
-          </a:p>
-        </p:txBody>
-      </p:sp>
-      <p:sp>
-        <p:nvSpPr>
-          <p:cNvPr id="4" name="Espace réservé du pied de page 3"/>
-          <p:cNvSpPr>
-            <a:spLocks noGrp="1"/>
-          </p:cNvSpPr>
-          <p:nvPr>
-            <p:ph type="ftr" sz="quarter" idx="11"/>
-          </p:nvPr>
-        </p:nvSpPr>
-        <p:spPr/>
-        <p:txBody>
-          <a:bodyPr/>
-          <a:lstStyle/>
-          <a:p>
-            <a:endParaRPr lang="fr-FR" dirty="0"/>
-          </a:p>
-        </p:txBody>
-      </p:sp>
-      <p:sp>
-        <p:nvSpPr>
-          <p:cNvPr id="5" name="Espace réservé du numéro de diapositive 4"/>
-          <p:cNvSpPr>
-            <a:spLocks noGrp="1"/>
-          </p:cNvSpPr>
-          <p:nvPr>
-            <p:ph type="sldNum" sz="quarter" idx="12"/>
-          </p:nvPr>
-        </p:nvSpPr>
-        <p:spPr/>
-        <p:txBody>
-          <a:bodyPr/>
-          <a:lstStyle/>
-          <a:p>
-            <a:fld id="{AF43E6FD-AB27-4108-A2FC-346BB5F75E3F}" type="slidenum">
-              <a:rPr lang="fr-FR" smtClean="0"/>
-              <a:pPr/>
-              <a:t>12</a:t>
-            </a:fld>
-            <a:endParaRPr lang="fr-FR" dirty="0"/>
-          </a:p>
-        </p:txBody>
-      </p:sp>
-      <p:sp>
-        <p:nvSpPr>
-          <p:cNvPr id="6" name="Espace réservé du texte 5"/>
-          <p:cNvSpPr>
-            <a:spLocks noGrp="1"/>
-          </p:cNvSpPr>
-          <p:nvPr>
-            <p:ph type="body" sz="quarter" idx="13"/>
-          </p:nvPr>
-        </p:nvSpPr>
-        <p:spPr/>
-        <p:txBody>
-          <a:bodyPr/>
-          <a:lstStyle/>
-          <a:p>
-            <a:endParaRPr lang="en-US"/>
-          </a:p>
-        </p:txBody>
-      </p:sp>
-      <p:pic>
-        <p:nvPicPr>
-          <p:cNvPr id="4098" name="Picture 2"/>
-          <p:cNvPicPr>
-            <a:picLocks noChangeAspect="1" noChangeArrowheads="1"/>
-          </p:cNvPicPr>
-          <p:nvPr/>
-        </p:nvPicPr>
-        <p:blipFill>
-          <a:blip r:embed="rId2"/>
-          <a:srcRect/>
-          <a:stretch>
-            <a:fillRect/>
-          </a:stretch>
-        </p:blipFill>
-        <p:spPr bwMode="auto">
-          <a:xfrm>
-            <a:off x="1885950" y="1766888"/>
-            <a:ext cx="4248150" cy="561975"/>
-          </a:xfrm>
-          <a:prstGeom prst="rect">
-            <a:avLst/>
-          </a:prstGeom>
-          <a:noFill/>
-          <a:ln w="9525">
-            <a:noFill/>
-            <a:miter lim="800000"/>
-            <a:headEnd/>
-            <a:tailEnd/>
-          </a:ln>
-          <a:effectLst/>
-        </p:spPr>
-      </p:pic>
-    </p:spTree>
-  </p:cSld>
-  <p:clrMapOvr>
-    <a:masterClrMapping/>
-  </p:clrMapOvr>
-</p:sld>
-</file>
-
-<file path=ppt/slides/slide13.xml><?xml version="1.0" encoding="utf-8"?>
-<p:sld xmlns:a="http://schemas.openxmlformats.org/drawingml/2006/main" xmlns:r="http://schemas.openxmlformats.org/officeDocument/2006/relationships" xmlns:p="http://schemas.openxmlformats.org/presentationml/2006/main">
-  <p:cSld>
-    <p:spTree>
-      <p:nvGrpSpPr>
-        <p:cNvPr id="1" name=""/>
-        <p:cNvGrpSpPr/>
-        <p:nvPr/>
-      </p:nvGrpSpPr>
-      <p:grpSpPr>
-        <a:xfrm>
-          <a:off x="0" y="0"/>
-          <a:ext cx="0" cy="0"/>
-          <a:chOff x="0" y="0"/>
-          <a:chExt cx="0" cy="0"/>
-        </a:xfrm>
-      </p:grpSpPr>
-      <p:sp>
-        <p:nvSpPr>
-          <p:cNvPr id="2" name="Espace réservé du contenu 1"/>
-          <p:cNvSpPr>
-            <a:spLocks noGrp="1"/>
-          </p:cNvSpPr>
-          <p:nvPr>
-            <p:ph idx="1"/>
-          </p:nvPr>
-        </p:nvSpPr>
         <p:spPr>
           <a:xfrm>
             <a:off x="1559453" y="695542"/>
@@ -10548,9 +9915,10 @@
           <a:lstStyle/>
           <a:p>
             <a:r>
-              <a:rPr lang="en-US" dirty="0"/>
-              <a:t>Le scope</a:t>
-            </a:r>
+              <a:rPr lang="en-US" dirty="0" smtClean="0"/>
+              <a:t>scope</a:t>
+            </a:r>
+            <a:endParaRPr lang="en-US" dirty="0"/>
           </a:p>
         </p:txBody>
       </p:sp>
@@ -10591,7 +9959,7 @@
             <a:fld id="{AF43E6FD-AB27-4108-A2FC-346BB5F75E3F}" type="slidenum">
               <a:rPr lang="fr-FR" smtClean="0"/>
               <a:pPr/>
-              <a:t>13</a:t>
+              <a:t>10</a:t>
             </a:fld>
             <a:endParaRPr lang="fr-FR" dirty="0"/>
           </a:p>
@@ -10635,6 +10003,544 @@
   <p:clrMapOvr>
     <a:masterClrMapping/>
   </p:clrMapOvr>
+  <p:timing>
+    <p:tnLst>
+      <p:par>
+        <p:cTn id="1" dur="indefinite" restart="never" nodeType="tmRoot"/>
+      </p:par>
+    </p:tnLst>
+  </p:timing>
+</p:sld>
+</file>
+
+<file path=ppt/slides/slide11.xml><?xml version="1.0" encoding="utf-8"?>
+<p:sld xmlns:a="http://schemas.openxmlformats.org/drawingml/2006/main" xmlns:r="http://schemas.openxmlformats.org/officeDocument/2006/relationships" xmlns:p="http://schemas.openxmlformats.org/presentationml/2006/main">
+  <p:cSld>
+    <p:spTree>
+      <p:nvGrpSpPr>
+        <p:cNvPr id="1" name=""/>
+        <p:cNvGrpSpPr/>
+        <p:nvPr/>
+      </p:nvGrpSpPr>
+      <p:grpSpPr>
+        <a:xfrm>
+          <a:off x="0" y="0"/>
+          <a:ext cx="0" cy="0"/>
+          <a:chOff x="0" y="0"/>
+          <a:chExt cx="0" cy="0"/>
+        </a:xfrm>
+      </p:grpSpPr>
+      <p:sp>
+        <p:nvSpPr>
+          <p:cNvPr id="2" name="Espace réservé du contenu 1"/>
+          <p:cNvSpPr>
+            <a:spLocks noGrp="1"/>
+          </p:cNvSpPr>
+          <p:nvPr>
+            <p:ph idx="1"/>
+          </p:nvPr>
+        </p:nvSpPr>
+        <p:spPr/>
+        <p:txBody>
+          <a:bodyPr/>
+          <a:lstStyle/>
+          <a:p>
+            <a:endParaRPr lang="fr-FR" dirty="0"/>
+          </a:p>
+          <a:p>
+            <a:r>
+              <a:rPr lang="fr-FR" dirty="0" smtClean="0"/>
+              <a:t>Les </a:t>
+            </a:r>
+            <a:r>
+              <a:rPr lang="fr-FR" dirty="0"/>
+              <a:t>contrôleurs sont chargés de manipuler le modèle et de faire lien avec la vue (page HTML</a:t>
+            </a:r>
+            <a:r>
+              <a:rPr lang="fr-FR" dirty="0" smtClean="0"/>
+              <a:t>).</a:t>
+            </a:r>
+          </a:p>
+          <a:p>
+            <a:endParaRPr lang="fr-FR" dirty="0"/>
+          </a:p>
+          <a:p>
+            <a:r>
+              <a:rPr lang="fr-FR" dirty="0"/>
+              <a:t>Il est possible de définir plusieurs contrôleurs sur un </a:t>
+            </a:r>
+            <a:r>
+              <a:rPr lang="fr-FR" dirty="0" err="1"/>
+              <a:t>template</a:t>
+            </a:r>
+            <a:r>
+              <a:rPr lang="fr-FR" dirty="0" smtClean="0"/>
+              <a:t>.</a:t>
+            </a:r>
+          </a:p>
+          <a:p>
+            <a:endParaRPr lang="fr-FR" dirty="0"/>
+          </a:p>
+          <a:p>
+            <a:r>
+              <a:rPr lang="fr-FR" dirty="0"/>
+              <a:t>AngularJS gère le cycle de vie des contrôleurs.</a:t>
+            </a:r>
+            <a:endParaRPr lang="en-US" dirty="0"/>
+          </a:p>
+        </p:txBody>
+      </p:sp>
+      <p:sp>
+        <p:nvSpPr>
+          <p:cNvPr id="3" name="Titre 2"/>
+          <p:cNvSpPr>
+            <a:spLocks noGrp="1"/>
+          </p:cNvSpPr>
+          <p:nvPr>
+            <p:ph type="title"/>
+          </p:nvPr>
+        </p:nvSpPr>
+        <p:spPr/>
+        <p:txBody>
+          <a:bodyPr/>
+          <a:lstStyle/>
+          <a:p>
+            <a:r>
+              <a:rPr lang="fr-FR" dirty="0"/>
+              <a:t>CONTROLLER</a:t>
+            </a:r>
+            <a:endParaRPr lang="en-US" dirty="0"/>
+          </a:p>
+        </p:txBody>
+      </p:sp>
+      <p:sp>
+        <p:nvSpPr>
+          <p:cNvPr id="4" name="Espace réservé du pied de page 3"/>
+          <p:cNvSpPr>
+            <a:spLocks noGrp="1"/>
+          </p:cNvSpPr>
+          <p:nvPr>
+            <p:ph type="ftr" sz="quarter" idx="11"/>
+          </p:nvPr>
+        </p:nvSpPr>
+        <p:spPr/>
+        <p:txBody>
+          <a:bodyPr/>
+          <a:lstStyle/>
+          <a:p>
+            <a:endParaRPr lang="fr-FR" dirty="0"/>
+          </a:p>
+        </p:txBody>
+      </p:sp>
+      <p:sp>
+        <p:nvSpPr>
+          <p:cNvPr id="5" name="Espace réservé du numéro de diapositive 4"/>
+          <p:cNvSpPr>
+            <a:spLocks noGrp="1"/>
+          </p:cNvSpPr>
+          <p:nvPr>
+            <p:ph type="sldNum" sz="quarter" idx="12"/>
+          </p:nvPr>
+        </p:nvSpPr>
+        <p:spPr/>
+        <p:txBody>
+          <a:bodyPr/>
+          <a:lstStyle/>
+          <a:p>
+            <a:fld id="{AF43E6FD-AB27-4108-A2FC-346BB5F75E3F}" type="slidenum">
+              <a:rPr lang="fr-FR" smtClean="0"/>
+              <a:pPr/>
+              <a:t>11</a:t>
+            </a:fld>
+            <a:endParaRPr lang="fr-FR" dirty="0"/>
+          </a:p>
+        </p:txBody>
+      </p:sp>
+      <p:sp>
+        <p:nvSpPr>
+          <p:cNvPr id="6" name="Espace réservé du texte 5"/>
+          <p:cNvSpPr>
+            <a:spLocks noGrp="1"/>
+          </p:cNvSpPr>
+          <p:nvPr>
+            <p:ph type="body" sz="quarter" idx="13"/>
+          </p:nvPr>
+        </p:nvSpPr>
+        <p:spPr/>
+        <p:txBody>
+          <a:bodyPr/>
+          <a:lstStyle/>
+          <a:p>
+            <a:endParaRPr lang="en-US"/>
+          </a:p>
+        </p:txBody>
+      </p:sp>
+    </p:spTree>
+  </p:cSld>
+  <p:clrMapOvr>
+    <a:masterClrMapping/>
+  </p:clrMapOvr>
+  <p:timing>
+    <p:tnLst>
+      <p:par>
+        <p:cTn id="1" dur="indefinite" restart="never" nodeType="tmRoot"/>
+      </p:par>
+    </p:tnLst>
+  </p:timing>
+</p:sld>
+</file>
+
+<file path=ppt/slides/slide12.xml><?xml version="1.0" encoding="utf-8"?>
+<p:sld xmlns:a="http://schemas.openxmlformats.org/drawingml/2006/main" xmlns:r="http://schemas.openxmlformats.org/officeDocument/2006/relationships" xmlns:p="http://schemas.openxmlformats.org/presentationml/2006/main">
+  <p:cSld>
+    <p:spTree>
+      <p:nvGrpSpPr>
+        <p:cNvPr id="1" name=""/>
+        <p:cNvGrpSpPr/>
+        <p:nvPr/>
+      </p:nvGrpSpPr>
+      <p:grpSpPr>
+        <a:xfrm>
+          <a:off x="0" y="0"/>
+          <a:ext cx="0" cy="0"/>
+          <a:chOff x="0" y="0"/>
+          <a:chExt cx="0" cy="0"/>
+        </a:xfrm>
+      </p:grpSpPr>
+      <p:sp>
+        <p:nvSpPr>
+          <p:cNvPr id="3" name="Titre 2"/>
+          <p:cNvSpPr>
+            <a:spLocks noGrp="1"/>
+          </p:cNvSpPr>
+          <p:nvPr>
+            <p:ph type="title"/>
+          </p:nvPr>
+        </p:nvSpPr>
+        <p:spPr bwMode="gray">
+          <a:xfrm>
+            <a:off x="544439" y="260648"/>
+            <a:ext cx="8045374" cy="332546"/>
+          </a:xfrm>
+        </p:spPr>
+        <p:txBody>
+          <a:bodyPr/>
+          <a:lstStyle/>
+          <a:p>
+            <a:r>
+              <a:rPr lang="fr-FR" cap="none" dirty="0"/>
+              <a:t>AngularJS</a:t>
+            </a:r>
+            <a:endParaRPr lang="en-GB" cap="none" dirty="0"/>
+          </a:p>
+        </p:txBody>
+      </p:sp>
+      <p:sp>
+        <p:nvSpPr>
+          <p:cNvPr id="5" name="Espace réservé du numéro de diapositive 4"/>
+          <p:cNvSpPr>
+            <a:spLocks noGrp="1"/>
+          </p:cNvSpPr>
+          <p:nvPr>
+            <p:ph type="sldNum" sz="quarter" idx="12"/>
+          </p:nvPr>
+        </p:nvSpPr>
+        <p:spPr bwMode="gray"/>
+        <p:txBody>
+          <a:bodyPr/>
+          <a:lstStyle/>
+          <a:p>
+            <a:fld id="{AF43E6FD-AB27-4108-A2FC-346BB5F75E3F}" type="slidenum">
+              <a:rPr lang="fr-FR" smtClean="0"/>
+              <a:pPr/>
+              <a:t>12</a:t>
+            </a:fld>
+            <a:endParaRPr lang="fr-FR" dirty="0"/>
+          </a:p>
+        </p:txBody>
+      </p:sp>
+      <p:sp>
+        <p:nvSpPr>
+          <p:cNvPr id="10" name="Espace réservé du texte 9"/>
+          <p:cNvSpPr>
+            <a:spLocks noGrp="1"/>
+          </p:cNvSpPr>
+          <p:nvPr>
+            <p:ph type="body" sz="quarter" idx="13"/>
+          </p:nvPr>
+        </p:nvSpPr>
+        <p:spPr bwMode="gray"/>
+        <p:txBody>
+          <a:bodyPr/>
+          <a:lstStyle/>
+          <a:p>
+            <a:r>
+              <a:rPr lang="en-US" cap="none" dirty="0"/>
+              <a:t>OLD Style Syntax </a:t>
+            </a:r>
+            <a:r>
+              <a:rPr lang="en-US" cap="none" dirty="0" smtClean="0"/>
+              <a:t>Using $</a:t>
+            </a:r>
+            <a:r>
+              <a:rPr lang="en-US" cap="none" dirty="0"/>
+              <a:t>s</a:t>
+            </a:r>
+            <a:r>
+              <a:rPr lang="en-US" cap="none" dirty="0" smtClean="0"/>
+              <a:t>cope </a:t>
+            </a:r>
+            <a:r>
+              <a:rPr lang="en-US" cap="none" dirty="0"/>
+              <a:t>:</a:t>
+            </a:r>
+          </a:p>
+        </p:txBody>
+      </p:sp>
+      <p:sp>
+        <p:nvSpPr>
+          <p:cNvPr id="6" name="Espace réservé du pied de page 5"/>
+          <p:cNvSpPr>
+            <a:spLocks noGrp="1"/>
+          </p:cNvSpPr>
+          <p:nvPr>
+            <p:ph type="ftr" sz="quarter" idx="11"/>
+          </p:nvPr>
+        </p:nvSpPr>
+        <p:spPr/>
+        <p:txBody>
+          <a:bodyPr/>
+          <a:lstStyle/>
+          <a:p>
+            <a:r>
+              <a:rPr lang="fr-FR"/>
+              <a:t>Nom de la présentation</a:t>
+            </a:r>
+            <a:endParaRPr lang="fr-FR" dirty="0"/>
+          </a:p>
+        </p:txBody>
+      </p:sp>
+      <p:pic>
+        <p:nvPicPr>
+          <p:cNvPr id="4" name="Image 3"/>
+          <p:cNvPicPr>
+            <a:picLocks noChangeAspect="1"/>
+          </p:cNvPicPr>
+          <p:nvPr/>
+        </p:nvPicPr>
+        <p:blipFill>
+          <a:blip r:embed="rId3">
+            <a:extLst>
+              <a:ext uri="{28A0092B-C50C-407E-A947-70E740481C1C}">
+                <a14:useLocalDpi xmlns:a14="http://schemas.microsoft.com/office/drawing/2010/main" val="0"/>
+              </a:ext>
+            </a:extLst>
+          </a:blip>
+          <a:stretch>
+            <a:fillRect/>
+          </a:stretch>
+        </p:blipFill>
+        <p:spPr>
+          <a:xfrm>
+            <a:off x="1019560" y="1299132"/>
+            <a:ext cx="5554235" cy="4758879"/>
+          </a:xfrm>
+          <a:prstGeom prst="rect">
+            <a:avLst/>
+          </a:prstGeom>
+        </p:spPr>
+      </p:pic>
+    </p:spTree>
+    <p:extLst>
+      <p:ext uri="{BB962C8B-B14F-4D97-AF65-F5344CB8AC3E}">
+        <p14:creationId xmlns:p14="http://schemas.microsoft.com/office/powerpoint/2010/main" val="2526031973"/>
+      </p:ext>
+    </p:extLst>
+  </p:cSld>
+  <p:clrMapOvr>
+    <a:masterClrMapping/>
+  </p:clrMapOvr>
+  <p:timing>
+    <p:tnLst>
+      <p:par>
+        <p:cTn id="1" dur="indefinite" restart="never" nodeType="tmRoot"/>
+      </p:par>
+    </p:tnLst>
+  </p:timing>
+</p:sld>
+</file>
+
+<file path=ppt/slides/slide13.xml><?xml version="1.0" encoding="utf-8"?>
+<p:sld xmlns:a="http://schemas.openxmlformats.org/drawingml/2006/main" xmlns:r="http://schemas.openxmlformats.org/officeDocument/2006/relationships" xmlns:p="http://schemas.openxmlformats.org/presentationml/2006/main">
+  <p:cSld>
+    <p:spTree>
+      <p:nvGrpSpPr>
+        <p:cNvPr id="1" name=""/>
+        <p:cNvGrpSpPr/>
+        <p:nvPr/>
+      </p:nvGrpSpPr>
+      <p:grpSpPr>
+        <a:xfrm>
+          <a:off x="0" y="0"/>
+          <a:ext cx="0" cy="0"/>
+          <a:chOff x="0" y="0"/>
+          <a:chExt cx="0" cy="0"/>
+        </a:xfrm>
+      </p:grpSpPr>
+      <p:sp>
+        <p:nvSpPr>
+          <p:cNvPr id="3" name="Titre 2"/>
+          <p:cNvSpPr>
+            <a:spLocks noGrp="1"/>
+          </p:cNvSpPr>
+          <p:nvPr>
+            <p:ph type="title"/>
+          </p:nvPr>
+        </p:nvSpPr>
+        <p:spPr/>
+        <p:txBody>
+          <a:bodyPr/>
+          <a:lstStyle/>
+          <a:p>
+            <a:r>
+              <a:rPr lang="fr-FR" dirty="0" err="1"/>
+              <a:t>Bindings</a:t>
+            </a:r>
+            <a:r>
+              <a:rPr lang="fr-FR" dirty="0"/>
+              <a:t> </a:t>
+            </a:r>
+            <a:r>
+              <a:rPr lang="fr-FR" dirty="0" err="1"/>
+              <a:t>exercise</a:t>
+            </a:r>
+            <a:endParaRPr lang="en-GB" dirty="0"/>
+          </a:p>
+        </p:txBody>
+      </p:sp>
+      <p:sp>
+        <p:nvSpPr>
+          <p:cNvPr id="2" name="Espace réservé du pied de page 1"/>
+          <p:cNvSpPr>
+            <a:spLocks noGrp="1"/>
+          </p:cNvSpPr>
+          <p:nvPr>
+            <p:ph type="ftr" sz="quarter" idx="11"/>
+          </p:nvPr>
+        </p:nvSpPr>
+        <p:spPr/>
+        <p:txBody>
+          <a:bodyPr/>
+          <a:lstStyle/>
+          <a:p>
+            <a:r>
+              <a:rPr lang="fr-FR"/>
+              <a:t>Nom de la présentation</a:t>
+            </a:r>
+            <a:endParaRPr lang="fr-FR" dirty="0"/>
+          </a:p>
+        </p:txBody>
+      </p:sp>
+      <p:sp>
+        <p:nvSpPr>
+          <p:cNvPr id="5" name="Espace réservé du numéro de diapositive 4"/>
+          <p:cNvSpPr>
+            <a:spLocks noGrp="1"/>
+          </p:cNvSpPr>
+          <p:nvPr>
+            <p:ph type="sldNum" sz="quarter" idx="12"/>
+          </p:nvPr>
+        </p:nvSpPr>
+        <p:spPr/>
+        <p:txBody>
+          <a:bodyPr/>
+          <a:lstStyle/>
+          <a:p>
+            <a:fld id="{AF43E6FD-AB27-4108-A2FC-346BB5F75E3F}" type="slidenum">
+              <a:rPr lang="fr-FR" smtClean="0"/>
+              <a:pPr/>
+              <a:t>13</a:t>
+            </a:fld>
+            <a:endParaRPr lang="fr-FR" dirty="0"/>
+          </a:p>
+        </p:txBody>
+      </p:sp>
+      <p:pic>
+        <p:nvPicPr>
+          <p:cNvPr id="8" name="Espace réservé pour une image  9" descr="Fotolia_42179448_S.jpg"/>
+          <p:cNvPicPr>
+            <a:picLocks noGrp="1" noChangeAspect="1"/>
+          </p:cNvPicPr>
+          <p:nvPr>
+            <p:ph type="pic" sz="quarter" idx="13"/>
+          </p:nvPr>
+        </p:nvPicPr>
+        <p:blipFill>
+          <a:blip r:embed="rId3"/>
+          <a:srcRect l="5409" r="5409"/>
+          <a:stretch>
+            <a:fillRect/>
+          </a:stretch>
+        </p:blipFill>
+        <p:spPr/>
+      </p:pic>
+      <p:sp>
+        <p:nvSpPr>
+          <p:cNvPr id="13" name="Espace réservé du contenu 12"/>
+          <p:cNvSpPr>
+            <a:spLocks noGrp="1"/>
+          </p:cNvSpPr>
+          <p:nvPr>
+            <p:ph idx="1"/>
+          </p:nvPr>
+        </p:nvSpPr>
+        <p:spPr/>
+        <p:txBody>
+          <a:bodyPr/>
+          <a:lstStyle/>
+          <a:p>
+            <a:r>
+              <a:rPr lang="en-GB" dirty="0"/>
+              <a:t>Exercise 3:</a:t>
+            </a:r>
+          </a:p>
+          <a:p>
+            <a:pPr lvl="1"/>
+            <a:r>
+              <a:rPr lang="en-GB" dirty="0"/>
+              <a:t>Controller with </a:t>
+            </a:r>
+            <a:r>
+              <a:rPr lang="en-GB" dirty="0" err="1"/>
+              <a:t>ng</a:t>
+            </a:r>
+            <a:r>
+              <a:rPr lang="en-GB" dirty="0"/>
+              <a:t>-click</a:t>
+            </a:r>
+          </a:p>
+          <a:p>
+            <a:endParaRPr lang="en-GB" dirty="0"/>
+          </a:p>
+        </p:txBody>
+      </p:sp>
+    </p:spTree>
+    <p:extLst>
+      <p:ext uri="{BB962C8B-B14F-4D97-AF65-F5344CB8AC3E}">
+        <p14:creationId xmlns:p14="http://schemas.microsoft.com/office/powerpoint/2010/main" val="131312719"/>
+      </p:ext>
+    </p:extLst>
+  </p:cSld>
+  <p:clrMapOvr>
+    <a:masterClrMapping/>
+  </p:clrMapOvr>
+  <p:timing>
+    <p:tnLst>
+      <p:par>
+        <p:cTn id="1" dur="indefinite" restart="never" nodeType="tmRoot"/>
+      </p:par>
+    </p:tnLst>
+  </p:timing>
 </p:sld>
 </file>
 
@@ -10657,6 +10563,59 @@
       </p:grpSpPr>
       <p:sp>
         <p:nvSpPr>
+          <p:cNvPr id="2" name="Espace réservé du contenu 1"/>
+          <p:cNvSpPr>
+            <a:spLocks noGrp="1"/>
+          </p:cNvSpPr>
+          <p:nvPr>
+            <p:ph idx="1"/>
+          </p:nvPr>
+        </p:nvSpPr>
+        <p:spPr bwMode="gray">
+          <a:xfrm>
+            <a:off x="487363" y="1227137"/>
+            <a:ext cx="8088511" cy="4681537"/>
+          </a:xfrm>
+        </p:spPr>
+        <p:txBody>
+          <a:bodyPr/>
+          <a:lstStyle/>
+          <a:p>
+            <a:r>
+              <a:rPr lang="fr-FR" dirty="0"/>
+              <a:t>Plus de proche de la logique objet JavaScript</a:t>
+            </a:r>
+          </a:p>
+          <a:p>
+            <a:r>
+              <a:rPr lang="fr-FR" dirty="0"/>
+              <a:t>Fournit la notation avec un '.' directement</a:t>
+            </a:r>
+          </a:p>
+          <a:p>
+            <a:r>
+              <a:rPr lang="fr-FR" dirty="0"/>
+              <a:t>Permet de nommer explicitement dans les vues le contrôleur contenant une variable ou fonction</a:t>
+            </a:r>
+          </a:p>
+          <a:p>
+            <a:r>
+              <a:rPr lang="fr-FR" dirty="0"/>
+              <a:t>Attention à l'utilisation de </a:t>
+            </a:r>
+            <a:r>
+              <a:rPr lang="fr-FR" dirty="0" err="1"/>
+              <a:t>this</a:t>
+            </a:r>
+            <a:r>
+              <a:rPr lang="fr-FR" dirty="0"/>
+              <a:t> qui doit être stabilisé par :</a:t>
+            </a:r>
+          </a:p>
+        </p:txBody>
+      </p:sp>
+      <p:sp>
+        <p:nvSpPr>
           <p:cNvPr id="3" name="Titre 2"/>
           <p:cNvSpPr>
             <a:spLocks noGrp="1"/>
@@ -10702,395 +10661,6 @@
               <a:rPr lang="fr-FR" smtClean="0"/>
               <a:pPr/>
               <a:t>14</a:t>
-            </a:fld>
-            <a:endParaRPr lang="fr-FR" dirty="0"/>
-          </a:p>
-        </p:txBody>
-      </p:sp>
-      <p:sp>
-        <p:nvSpPr>
-          <p:cNvPr id="10" name="Espace réservé du texte 9"/>
-          <p:cNvSpPr>
-            <a:spLocks noGrp="1"/>
-          </p:cNvSpPr>
-          <p:nvPr>
-            <p:ph type="body" sz="quarter" idx="13"/>
-          </p:nvPr>
-        </p:nvSpPr>
-        <p:spPr bwMode="gray"/>
-        <p:txBody>
-          <a:bodyPr/>
-          <a:lstStyle/>
-          <a:p>
-            <a:r>
-              <a:rPr lang="en-US" cap="none" dirty="0"/>
-              <a:t>OLD Style Syntax Using   $</a:t>
-            </a:r>
-            <a:r>
-              <a:rPr lang="en-US" cap="none" dirty="0" err="1"/>
-              <a:t>ccope</a:t>
-            </a:r>
-            <a:r>
-              <a:rPr lang="en-US" cap="none" dirty="0"/>
-              <a:t> :</a:t>
-            </a:r>
-          </a:p>
-        </p:txBody>
-      </p:sp>
-      <p:sp>
-        <p:nvSpPr>
-          <p:cNvPr id="6" name="Espace réservé du pied de page 5"/>
-          <p:cNvSpPr>
-            <a:spLocks noGrp="1"/>
-          </p:cNvSpPr>
-          <p:nvPr>
-            <p:ph type="ftr" sz="quarter" idx="11"/>
-          </p:nvPr>
-        </p:nvSpPr>
-        <p:spPr/>
-        <p:txBody>
-          <a:bodyPr/>
-          <a:lstStyle/>
-          <a:p>
-            <a:r>
-              <a:rPr lang="fr-FR"/>
-              <a:t>Nom de la présentation</a:t>
-            </a:r>
-            <a:endParaRPr lang="fr-FR" dirty="0"/>
-          </a:p>
-        </p:txBody>
-      </p:sp>
-      <p:pic>
-        <p:nvPicPr>
-          <p:cNvPr id="1026" name="Picture 2"/>
-          <p:cNvPicPr>
-            <a:picLocks noChangeAspect="1" noChangeArrowheads="1"/>
-          </p:cNvPicPr>
-          <p:nvPr/>
-        </p:nvPicPr>
-        <p:blipFill>
-          <a:blip r:embed="rId3"/>
-          <a:srcRect/>
-          <a:stretch>
-            <a:fillRect/>
-          </a:stretch>
-        </p:blipFill>
-        <p:spPr bwMode="auto">
-          <a:xfrm>
-            <a:off x="223127" y="1234980"/>
-            <a:ext cx="8509692" cy="4824625"/>
-          </a:xfrm>
-          <a:prstGeom prst="rect">
-            <a:avLst/>
-          </a:prstGeom>
-          <a:noFill/>
-          <a:ln w="9525">
-            <a:solidFill>
-              <a:schemeClr val="tx1"/>
-            </a:solidFill>
-            <a:miter lim="800000"/>
-            <a:headEnd/>
-            <a:tailEnd/>
-          </a:ln>
-        </p:spPr>
-      </p:pic>
-    </p:spTree>
-    <p:extLst>
-      <p:ext uri="{BB962C8B-B14F-4D97-AF65-F5344CB8AC3E}">
-        <p14:creationId xmlns:p14="http://schemas.microsoft.com/office/powerpoint/2010/main" val="2526031973"/>
-      </p:ext>
-    </p:extLst>
-  </p:cSld>
-  <p:clrMapOvr>
-    <a:masterClrMapping/>
-  </p:clrMapOvr>
-</p:sld>
-</file>
-
-<file path=ppt/slides/slide15.xml><?xml version="1.0" encoding="utf-8"?>
-<p:sld xmlns:a="http://schemas.openxmlformats.org/drawingml/2006/main" xmlns:r="http://schemas.openxmlformats.org/officeDocument/2006/relationships" xmlns:p="http://schemas.openxmlformats.org/presentationml/2006/main">
-  <p:cSld>
-    <p:spTree>
-      <p:nvGrpSpPr>
-        <p:cNvPr id="1" name=""/>
-        <p:cNvGrpSpPr/>
-        <p:nvPr/>
-      </p:nvGrpSpPr>
-      <p:grpSpPr>
-        <a:xfrm>
-          <a:off x="0" y="0"/>
-          <a:ext cx="0" cy="0"/>
-          <a:chOff x="0" y="0"/>
-          <a:chExt cx="0" cy="0"/>
-        </a:xfrm>
-      </p:grpSpPr>
-      <p:sp>
-        <p:nvSpPr>
-          <p:cNvPr id="3" name="Titre 2"/>
-          <p:cNvSpPr>
-            <a:spLocks noGrp="1"/>
-          </p:cNvSpPr>
-          <p:nvPr>
-            <p:ph type="title"/>
-          </p:nvPr>
-        </p:nvSpPr>
-        <p:spPr/>
-        <p:txBody>
-          <a:bodyPr/>
-          <a:lstStyle/>
-          <a:p>
-            <a:r>
-              <a:rPr lang="fr-FR" dirty="0" err="1"/>
-              <a:t>Bindings</a:t>
-            </a:r>
-            <a:r>
-              <a:rPr lang="fr-FR" dirty="0"/>
-              <a:t> </a:t>
-            </a:r>
-            <a:r>
-              <a:rPr lang="fr-FR" dirty="0" err="1"/>
-              <a:t>exercise</a:t>
-            </a:r>
-            <a:endParaRPr lang="en-GB" dirty="0"/>
-          </a:p>
-        </p:txBody>
-      </p:sp>
-      <p:sp>
-        <p:nvSpPr>
-          <p:cNvPr id="2" name="Espace réservé du pied de page 1"/>
-          <p:cNvSpPr>
-            <a:spLocks noGrp="1"/>
-          </p:cNvSpPr>
-          <p:nvPr>
-            <p:ph type="ftr" sz="quarter" idx="11"/>
-          </p:nvPr>
-        </p:nvSpPr>
-        <p:spPr/>
-        <p:txBody>
-          <a:bodyPr/>
-          <a:lstStyle/>
-          <a:p>
-            <a:r>
-              <a:rPr lang="fr-FR"/>
-              <a:t>Nom de la présentation</a:t>
-            </a:r>
-            <a:endParaRPr lang="fr-FR" dirty="0"/>
-          </a:p>
-        </p:txBody>
-      </p:sp>
-      <p:sp>
-        <p:nvSpPr>
-          <p:cNvPr id="5" name="Espace réservé du numéro de diapositive 4"/>
-          <p:cNvSpPr>
-            <a:spLocks noGrp="1"/>
-          </p:cNvSpPr>
-          <p:nvPr>
-            <p:ph type="sldNum" sz="quarter" idx="12"/>
-          </p:nvPr>
-        </p:nvSpPr>
-        <p:spPr/>
-        <p:txBody>
-          <a:bodyPr/>
-          <a:lstStyle/>
-          <a:p>
-            <a:fld id="{AF43E6FD-AB27-4108-A2FC-346BB5F75E3F}" type="slidenum">
-              <a:rPr lang="fr-FR" smtClean="0"/>
-              <a:pPr/>
-              <a:t>15</a:t>
-            </a:fld>
-            <a:endParaRPr lang="fr-FR" dirty="0"/>
-          </a:p>
-        </p:txBody>
-      </p:sp>
-      <p:pic>
-        <p:nvPicPr>
-          <p:cNvPr id="8" name="Espace réservé pour une image  9" descr="Fotolia_42179448_S.jpg"/>
-          <p:cNvPicPr>
-            <a:picLocks noGrp="1" noChangeAspect="1"/>
-          </p:cNvPicPr>
-          <p:nvPr>
-            <p:ph type="pic" sz="quarter" idx="13"/>
-          </p:nvPr>
-        </p:nvPicPr>
-        <p:blipFill>
-          <a:blip r:embed="rId3"/>
-          <a:srcRect l="5409" r="5409"/>
-          <a:stretch>
-            <a:fillRect/>
-          </a:stretch>
-        </p:blipFill>
-        <p:spPr/>
-      </p:pic>
-      <p:sp>
-        <p:nvSpPr>
-          <p:cNvPr id="13" name="Espace réservé du contenu 12"/>
-          <p:cNvSpPr>
-            <a:spLocks noGrp="1"/>
-          </p:cNvSpPr>
-          <p:nvPr>
-            <p:ph idx="1"/>
-          </p:nvPr>
-        </p:nvSpPr>
-        <p:spPr/>
-        <p:txBody>
-          <a:bodyPr/>
-          <a:lstStyle/>
-          <a:p>
-            <a:r>
-              <a:rPr lang="en-GB" dirty="0"/>
-              <a:t>Exercise 3:</a:t>
-            </a:r>
-          </a:p>
-          <a:p>
-            <a:pPr lvl="1"/>
-            <a:r>
-              <a:rPr lang="en-GB" dirty="0"/>
-              <a:t>Controller with </a:t>
-            </a:r>
-            <a:r>
-              <a:rPr lang="en-GB" dirty="0" err="1"/>
-              <a:t>ng</a:t>
-            </a:r>
-            <a:r>
-              <a:rPr lang="en-GB" dirty="0"/>
-              <a:t>-click</a:t>
-            </a:r>
-          </a:p>
-          <a:p>
-            <a:endParaRPr lang="en-GB" dirty="0"/>
-          </a:p>
-        </p:txBody>
-      </p:sp>
-    </p:spTree>
-    <p:extLst>
-      <p:ext uri="{BB962C8B-B14F-4D97-AF65-F5344CB8AC3E}">
-        <p14:creationId xmlns:p14="http://schemas.microsoft.com/office/powerpoint/2010/main" val="131312719"/>
-      </p:ext>
-    </p:extLst>
-  </p:cSld>
-  <p:clrMapOvr>
-    <a:masterClrMapping/>
-  </p:clrMapOvr>
-</p:sld>
-</file>
-
-<file path=ppt/slides/slide16.xml><?xml version="1.0" encoding="utf-8"?>
-<p:sld xmlns:a="http://schemas.openxmlformats.org/drawingml/2006/main" xmlns:r="http://schemas.openxmlformats.org/officeDocument/2006/relationships" xmlns:p="http://schemas.openxmlformats.org/presentationml/2006/main">
-  <p:cSld>
-    <p:spTree>
-      <p:nvGrpSpPr>
-        <p:cNvPr id="1" name=""/>
-        <p:cNvGrpSpPr/>
-        <p:nvPr/>
-      </p:nvGrpSpPr>
-      <p:grpSpPr>
-        <a:xfrm>
-          <a:off x="0" y="0"/>
-          <a:ext cx="0" cy="0"/>
-          <a:chOff x="0" y="0"/>
-          <a:chExt cx="0" cy="0"/>
-        </a:xfrm>
-      </p:grpSpPr>
-      <p:sp>
-        <p:nvSpPr>
-          <p:cNvPr id="2" name="Espace réservé du contenu 1"/>
-          <p:cNvSpPr>
-            <a:spLocks noGrp="1"/>
-          </p:cNvSpPr>
-          <p:nvPr>
-            <p:ph idx="1"/>
-          </p:nvPr>
-        </p:nvSpPr>
-        <p:spPr bwMode="gray">
-          <a:xfrm>
-            <a:off x="487363" y="1227137"/>
-            <a:ext cx="8088511" cy="4681537"/>
-          </a:xfrm>
-        </p:spPr>
-        <p:txBody>
-          <a:bodyPr/>
-          <a:lstStyle/>
-          <a:p>
-            <a:r>
-              <a:rPr lang="fr-FR" dirty="0"/>
-              <a:t>Plus de proche de la logique objet JavaScript</a:t>
-            </a:r>
-          </a:p>
-          <a:p>
-            <a:r>
-              <a:rPr lang="fr-FR" dirty="0"/>
-              <a:t>Fournit la notation avec un '.' directement</a:t>
-            </a:r>
-          </a:p>
-          <a:p>
-            <a:r>
-              <a:rPr lang="fr-FR" dirty="0"/>
-              <a:t>Permet de nommer explicitement dans les vues le contrôleur contenant une variable ou fonction</a:t>
-            </a:r>
-          </a:p>
-          <a:p>
-            <a:r>
-              <a:rPr lang="fr-FR" dirty="0"/>
-              <a:t>Attention à l'utilisation de </a:t>
-            </a:r>
-            <a:r>
-              <a:rPr lang="fr-FR" dirty="0" err="1"/>
-              <a:t>this</a:t>
-            </a:r>
-            <a:r>
-              <a:rPr lang="fr-FR" dirty="0"/>
-              <a:t> qui doit être stabilisé par :</a:t>
-            </a:r>
-          </a:p>
-        </p:txBody>
-      </p:sp>
-      <p:sp>
-        <p:nvSpPr>
-          <p:cNvPr id="3" name="Titre 2"/>
-          <p:cNvSpPr>
-            <a:spLocks noGrp="1"/>
-          </p:cNvSpPr>
-          <p:nvPr>
-            <p:ph type="title"/>
-          </p:nvPr>
-        </p:nvSpPr>
-        <p:spPr bwMode="gray">
-          <a:xfrm>
-            <a:off x="544439" y="260648"/>
-            <a:ext cx="8045374" cy="332546"/>
-          </a:xfrm>
-        </p:spPr>
-        <p:txBody>
-          <a:bodyPr/>
-          <a:lstStyle/>
-          <a:p>
-            <a:r>
-              <a:rPr lang="fr-FR" cap="none" dirty="0"/>
-              <a:t>AngularJS</a:t>
-            </a:r>
-            <a:endParaRPr lang="en-GB" cap="none" dirty="0"/>
-          </a:p>
-        </p:txBody>
-      </p:sp>
-      <p:sp>
-        <p:nvSpPr>
-          <p:cNvPr id="5" name="Espace réservé du numéro de diapositive 4"/>
-          <p:cNvSpPr>
-            <a:spLocks noGrp="1"/>
-          </p:cNvSpPr>
-          <p:nvPr>
-            <p:ph type="sldNum" sz="quarter" idx="12"/>
-          </p:nvPr>
-        </p:nvSpPr>
-        <p:spPr bwMode="gray"/>
-        <p:txBody>
-          <a:bodyPr/>
-          <a:lstStyle/>
-          <a:p>
-            <a:fld id="{AF43E6FD-AB27-4108-A2FC-346BB5F75E3F}" type="slidenum">
-              <a:rPr lang="fr-FR" smtClean="0"/>
-              <a:pPr/>
-              <a:t>16</a:t>
             </a:fld>
             <a:endParaRPr lang="fr-FR" dirty="0"/>
           </a:p>
@@ -11220,10 +10790,17 @@
   <p:clrMapOvr>
     <a:masterClrMapping/>
   </p:clrMapOvr>
+  <p:timing>
+    <p:tnLst>
+      <p:par>
+        <p:cTn id="1" dur="indefinite" restart="never" nodeType="tmRoot"/>
+      </p:par>
+    </p:tnLst>
+  </p:timing>
 </p:sld>
 </file>
 
-<file path=ppt/slides/slide17.xml><?xml version="1.0" encoding="utf-8"?>
+<file path=ppt/slides/slide15.xml><?xml version="1.0" encoding="utf-8"?>
 <p:sld xmlns:a="http://schemas.openxmlformats.org/drawingml/2006/main" xmlns:r="http://schemas.openxmlformats.org/officeDocument/2006/relationships" xmlns:p="http://schemas.openxmlformats.org/presentationml/2006/main">
   <p:cSld>
     <p:spTree>
@@ -11286,43 +10863,9 @@
             <a:fld id="{AF43E6FD-AB27-4108-A2FC-346BB5F75E3F}" type="slidenum">
               <a:rPr lang="fr-FR" smtClean="0"/>
               <a:pPr/>
-              <a:t>17</a:t>
+              <a:t>15</a:t>
             </a:fld>
             <a:endParaRPr lang="fr-FR" dirty="0"/>
-          </a:p>
-        </p:txBody>
-      </p:sp>
-      <p:sp>
-        <p:nvSpPr>
-          <p:cNvPr id="10" name="Espace réservé du texte 9"/>
-          <p:cNvSpPr>
-            <a:spLocks noGrp="1"/>
-          </p:cNvSpPr>
-          <p:nvPr>
-            <p:ph type="body" sz="quarter" idx="13"/>
-          </p:nvPr>
-        </p:nvSpPr>
-        <p:spPr bwMode="gray">
-          <a:xfrm>
-            <a:off x="2108484" y="301782"/>
-            <a:ext cx="8045450" cy="585322"/>
-          </a:xfrm>
-        </p:spPr>
-        <p:txBody>
-          <a:bodyPr/>
-          <a:lstStyle/>
-          <a:p>
-            <a:r>
-              <a:rPr lang="en-GB" cap="none" dirty="0"/>
-              <a:t>John Papa Coding style  =&gt; the best syntax for Controllers !</a:t>
-            </a:r>
-            <a:br>
-              <a:rPr lang="en-GB" cap="none" dirty="0"/>
-            </a:br>
-            <a:r>
-              <a:rPr lang="en-GB" cap="none" dirty="0"/>
-              <a:t>Simplified version : </a:t>
-            </a:r>
           </a:p>
         </p:txBody>
       </p:sp>
@@ -11383,6 +10926,41 @@
           </a:ln>
         </p:spPr>
       </p:pic>
+      <p:sp>
+        <p:nvSpPr>
+          <p:cNvPr id="2" name="Espace réservé du texte 1"/>
+          <p:cNvSpPr>
+            <a:spLocks noGrp="1"/>
+          </p:cNvSpPr>
+          <p:nvPr>
+            <p:ph type="body" sz="quarter" idx="13"/>
+          </p:nvPr>
+        </p:nvSpPr>
+        <p:spPr/>
+        <p:txBody>
+          <a:bodyPr/>
+          <a:lstStyle/>
+          <a:p>
+            <a:r>
+              <a:rPr lang="en-GB" cap="none" dirty="0"/>
+              <a:t>John Papa </a:t>
+            </a:r>
+            <a:r>
+              <a:rPr lang="en-GB" cap="none" dirty="0" smtClean="0"/>
+              <a:t>Coding</a:t>
+            </a:r>
+            <a:r>
+              <a:rPr lang="en-US" dirty="0" smtClean="0"/>
+              <a:t>: </a:t>
+            </a:r>
+            <a:r>
+              <a:rPr lang="en-GB" cap="none" dirty="0" smtClean="0"/>
+              <a:t>controller without injection</a:t>
+            </a:r>
+            <a:endParaRPr lang="en-GB" cap="none" dirty="0"/>
+          </a:p>
+        </p:txBody>
+      </p:sp>
     </p:spTree>
     <p:extLst>
       <p:ext uri="{BB962C8B-B14F-4D97-AF65-F5344CB8AC3E}">
@@ -11393,10 +10971,17 @@
   <p:clrMapOvr>
     <a:masterClrMapping/>
   </p:clrMapOvr>
+  <p:timing>
+    <p:tnLst>
+      <p:par>
+        <p:cTn id="1" dur="indefinite" restart="never" nodeType="tmRoot"/>
+      </p:par>
+    </p:tnLst>
+  </p:timing>
 </p:sld>
 </file>
 
-<file path=ppt/slides/slide18.xml><?xml version="1.0" encoding="utf-8"?>
+<file path=ppt/slides/slide16.xml><?xml version="1.0" encoding="utf-8"?>
 <p:sld xmlns:a="http://schemas.openxmlformats.org/drawingml/2006/main" xmlns:r="http://schemas.openxmlformats.org/officeDocument/2006/relationships" xmlns:p="http://schemas.openxmlformats.org/presentationml/2006/main">
   <p:cSld>
     <p:spTree>
@@ -11415,6 +11000,59 @@
       </p:grpSpPr>
       <p:sp>
         <p:nvSpPr>
+          <p:cNvPr id="2" name="Espace réservé du contenu 1"/>
+          <p:cNvSpPr>
+            <a:spLocks noGrp="1"/>
+          </p:cNvSpPr>
+          <p:nvPr>
+            <p:ph idx="1"/>
+          </p:nvPr>
+        </p:nvSpPr>
+        <p:spPr bwMode="gray">
+          <a:xfrm>
+            <a:off x="477838" y="1265237"/>
+            <a:ext cx="8088511" cy="5078413"/>
+          </a:xfrm>
+        </p:spPr>
+        <p:txBody>
+          <a:bodyPr>
+            <a:normAutofit/>
+          </a:bodyPr>
+          <a:lstStyle/>
+          <a:p>
+            <a:endParaRPr lang="en-US" sz="1800" dirty="0"/>
+          </a:p>
+          <a:p>
+            <a:endParaRPr lang="en-US" sz="1800" dirty="0"/>
+          </a:p>
+          <a:p>
+            <a:endParaRPr lang="en-US" sz="1800" dirty="0"/>
+          </a:p>
+          <a:p>
+            <a:endParaRPr lang="en-US" sz="1800" dirty="0"/>
+          </a:p>
+          <a:p>
+            <a:endParaRPr lang="en-US" sz="1800" dirty="0"/>
+          </a:p>
+          <a:p>
+            <a:endParaRPr lang="en-US" sz="1800" dirty="0"/>
+          </a:p>
+          <a:p>
+            <a:endParaRPr lang="en-US" sz="1800" dirty="0"/>
+          </a:p>
+          <a:p>
+            <a:endParaRPr lang="en-US" sz="1800" dirty="0"/>
+          </a:p>
+          <a:p>
+            <a:endParaRPr lang="en-US" sz="1800" dirty="0"/>
+          </a:p>
+          <a:p>
+            <a:endParaRPr lang="en-US" dirty="0"/>
+          </a:p>
+        </p:txBody>
+      </p:sp>
+      <p:sp>
+        <p:nvSpPr>
           <p:cNvPr id="3" name="Titre 2"/>
           <p:cNvSpPr>
             <a:spLocks noGrp="1"/>
@@ -11423,47 +11061,21 @@
             <p:ph type="title"/>
           </p:nvPr>
         </p:nvSpPr>
-        <p:spPr/>
-        <p:txBody>
-          <a:bodyPr/>
-          <a:lstStyle/>
-          <a:p>
-            <a:r>
-              <a:rPr lang="fr-FR" dirty="0" err="1"/>
-              <a:t>Bindings</a:t>
-            </a:r>
-            <a:r>
-              <a:rPr lang="fr-FR" dirty="0"/>
-              <a:t> </a:t>
-            </a:r>
-            <a:r>
-              <a:rPr lang="fr-FR" dirty="0" err="1"/>
-              <a:t>exercise</a:t>
-            </a:r>
-            <a:endParaRPr lang="en-GB" dirty="0"/>
-          </a:p>
-        </p:txBody>
-      </p:sp>
-      <p:sp>
-        <p:nvSpPr>
-          <p:cNvPr id="2" name="Espace réservé du pied de page 1"/>
-          <p:cNvSpPr>
-            <a:spLocks noGrp="1"/>
-          </p:cNvSpPr>
-          <p:nvPr>
-            <p:ph type="ftr" sz="quarter" idx="11"/>
-          </p:nvPr>
-        </p:nvSpPr>
-        <p:spPr/>
-        <p:txBody>
-          <a:bodyPr/>
-          <a:lstStyle/>
-          <a:p>
-            <a:r>
-              <a:rPr lang="fr-FR"/>
-              <a:t>Nom de la présentation</a:t>
-            </a:r>
-            <a:endParaRPr lang="fr-FR" dirty="0"/>
+        <p:spPr bwMode="gray">
+          <a:xfrm>
+            <a:off x="544439" y="260648"/>
+            <a:ext cx="8045374" cy="332546"/>
+          </a:xfrm>
+        </p:spPr>
+        <p:txBody>
+          <a:bodyPr/>
+          <a:lstStyle/>
+          <a:p>
+            <a:r>
+              <a:rPr lang="fr-FR" cap="none" dirty="0"/>
+              <a:t>AngularJS</a:t>
+            </a:r>
+            <a:endParaRPr lang="en-GB" cap="none" dirty="0"/>
           </a:p>
         </p:txBody>
       </p:sp>
@@ -11477,7 +11089,7 @@
             <p:ph type="sldNum" sz="quarter" idx="12"/>
           </p:nvPr>
         </p:nvSpPr>
-        <p:spPr/>
+        <p:spPr bwMode="gray"/>
         <p:txBody>
           <a:bodyPr/>
           <a:lstStyle/>
@@ -11485,75 +11097,130 @@
             <a:fld id="{AF43E6FD-AB27-4108-A2FC-346BB5F75E3F}" type="slidenum">
               <a:rPr lang="fr-FR" smtClean="0"/>
               <a:pPr/>
-              <a:t>18</a:t>
+              <a:t>16</a:t>
             </a:fld>
             <a:endParaRPr lang="fr-FR" dirty="0"/>
           </a:p>
         </p:txBody>
       </p:sp>
+      <p:sp>
+        <p:nvSpPr>
+          <p:cNvPr id="10" name="Espace réservé du texte 9"/>
+          <p:cNvSpPr>
+            <a:spLocks noGrp="1"/>
+          </p:cNvSpPr>
+          <p:nvPr>
+            <p:ph type="body" sz="quarter" idx="13"/>
+          </p:nvPr>
+        </p:nvSpPr>
+        <p:spPr bwMode="gray"/>
+        <p:txBody>
+          <a:bodyPr/>
+          <a:lstStyle/>
+          <a:p>
+            <a:r>
+              <a:rPr lang="en-GB" cap="none" dirty="0"/>
+              <a:t>John Papa Coding</a:t>
+            </a:r>
+            <a:r>
+              <a:rPr lang="en-US" dirty="0"/>
+              <a:t>: </a:t>
+            </a:r>
+            <a:r>
+              <a:rPr lang="en-GB" cap="none" dirty="0"/>
+              <a:t>controller </a:t>
+            </a:r>
+            <a:r>
+              <a:rPr lang="en-GB" cap="none" dirty="0" smtClean="0"/>
+              <a:t>with </a:t>
+            </a:r>
+            <a:r>
+              <a:rPr lang="en-GB" cap="none" dirty="0"/>
+              <a:t>injection</a:t>
+            </a:r>
+          </a:p>
+        </p:txBody>
+      </p:sp>
+      <p:sp>
+        <p:nvSpPr>
+          <p:cNvPr id="6" name="Espace réservé du pied de page 5"/>
+          <p:cNvSpPr>
+            <a:spLocks noGrp="1"/>
+          </p:cNvSpPr>
+          <p:nvPr>
+            <p:ph type="ftr" sz="quarter" idx="11"/>
+          </p:nvPr>
+        </p:nvSpPr>
+        <p:spPr/>
+        <p:txBody>
+          <a:bodyPr/>
+          <a:lstStyle/>
+          <a:p>
+            <a:r>
+              <a:rPr lang="fr-FR"/>
+              <a:t>Nom de la présentation</a:t>
+            </a:r>
+            <a:endParaRPr lang="fr-FR" dirty="0"/>
+          </a:p>
+        </p:txBody>
+      </p:sp>
       <p:pic>
         <p:nvPicPr>
-          <p:cNvPr id="8" name="Espace réservé pour une image  9" descr="Fotolia_42179448_S.jpg"/>
+          <p:cNvPr id="4098" name="Picture 2"/>
           <p:cNvPicPr>
-            <a:picLocks noGrp="1" noChangeAspect="1"/>
+            <a:picLocks noChangeAspect="1" noChangeArrowheads="1"/>
           </p:cNvPicPr>
-          <p:nvPr>
-            <p:ph type="pic" sz="quarter" idx="13"/>
-          </p:nvPr>
+          <p:nvPr/>
         </p:nvPicPr>
         <p:blipFill>
           <a:blip r:embed="rId3"/>
-          <a:srcRect l="5409" r="5409"/>
+          <a:srcRect/>
           <a:stretch>
             <a:fillRect/>
           </a:stretch>
         </p:blipFill>
-        <p:spPr/>
+        <p:spPr bwMode="auto">
+          <a:xfrm>
+            <a:off x="1720558" y="980381"/>
+            <a:ext cx="5128223" cy="5877619"/>
+          </a:xfrm>
+          <a:prstGeom prst="rect">
+            <a:avLst/>
+          </a:prstGeom>
+          <a:noFill/>
+          <a:ln w="9525">
+            <a:solidFill>
+              <a:schemeClr val="tx1"/>
+            </a:solidFill>
+            <a:miter lim="800000"/>
+            <a:headEnd/>
+            <a:tailEnd/>
+          </a:ln>
+          <a:effectLst/>
+        </p:spPr>
       </p:pic>
-      <p:sp>
-        <p:nvSpPr>
-          <p:cNvPr id="13" name="Espace réservé du contenu 12"/>
-          <p:cNvSpPr>
-            <a:spLocks noGrp="1"/>
-          </p:cNvSpPr>
-          <p:nvPr>
-            <p:ph idx="1"/>
-          </p:nvPr>
-        </p:nvSpPr>
-        <p:spPr/>
-        <p:txBody>
-          <a:bodyPr/>
-          <a:lstStyle/>
-          <a:p>
-            <a:r>
-              <a:rPr lang="en-GB" dirty="0"/>
-              <a:t>Exercise 3 suite:</a:t>
-            </a:r>
-          </a:p>
-          <a:p>
-            <a:pPr lvl="1"/>
-            <a:r>
-              <a:rPr lang="en-GB" dirty="0"/>
-              <a:t>Use Controller as syntax</a:t>
-            </a:r>
-          </a:p>
-        </p:txBody>
-      </p:sp>
     </p:spTree>
     <p:extLst>
       <p:ext uri="{BB962C8B-B14F-4D97-AF65-F5344CB8AC3E}">
-        <p14:creationId xmlns:p14="http://schemas.microsoft.com/office/powerpoint/2010/main" val="131312719"/>
+        <p14:creationId xmlns:p14="http://schemas.microsoft.com/office/powerpoint/2010/main" val="1395970795"/>
       </p:ext>
     </p:extLst>
   </p:cSld>
   <p:clrMapOvr>
     <a:masterClrMapping/>
   </p:clrMapOvr>
+  <p:timing>
+    <p:tnLst>
+      <p:par>
+        <p:cTn id="1" dur="indefinite" restart="never" nodeType="tmRoot"/>
+      </p:par>
+    </p:tnLst>
+  </p:timing>
 </p:sld>
 </file>
 
-<file path=ppt/slides/slide19.xml><?xml version="1.0" encoding="utf-8"?>
-<p:sld xmlns:a="http://schemas.openxmlformats.org/drawingml/2006/main" xmlns:r="http://schemas.openxmlformats.org/officeDocument/2006/relationships" xmlns:p="http://schemas.openxmlformats.org/presentationml/2006/main" show="0">
+<file path=ppt/slides/slide17.xml><?xml version="1.0" encoding="utf-8"?>
+<p:sld xmlns:a="http://schemas.openxmlformats.org/drawingml/2006/main" xmlns:r="http://schemas.openxmlformats.org/officeDocument/2006/relationships" xmlns:p="http://schemas.openxmlformats.org/presentationml/2006/main">
   <p:cSld>
     <p:spTree>
       <p:nvGrpSpPr>
@@ -11571,12 +11238,12 @@
       </p:grpSpPr>
       <p:sp>
         <p:nvSpPr>
-          <p:cNvPr id="2" name="Espace réservé du contenu 1"/>
-          <p:cNvSpPr>
-            <a:spLocks noGrp="1"/>
-          </p:cNvSpPr>
-          <p:nvPr>
-            <p:ph idx="1"/>
+          <p:cNvPr id="3" name="Titre 2"/>
+          <p:cNvSpPr>
+            <a:spLocks noGrp="1"/>
+          </p:cNvSpPr>
+          <p:nvPr>
+            <p:ph type="title"/>
           </p:nvPr>
         </p:nvSpPr>
         <p:spPr/>
@@ -11585,66 +11252,29 @@
           <a:lstStyle/>
           <a:p>
             <a:r>
-              <a:rPr lang="en-GB" dirty="0"/>
-              <a:t>Option that could be used :  an angular bracket expression {{  }} could call a function, like in :</a:t>
-            </a:r>
-          </a:p>
-          <a:p>
-            <a:pPr>
-              <a:buNone/>
-            </a:pPr>
-            <a:r>
-              <a:rPr lang="en-GB" dirty="0"/>
-              <a:t>                                         {{ </a:t>
-            </a:r>
-            <a:r>
-              <a:rPr lang="en-GB" dirty="0" err="1"/>
-              <a:t>order.addOrder</a:t>
-            </a:r>
-            <a:r>
-              <a:rPr lang="en-GB" dirty="0"/>
-              <a:t>()  }}  </a:t>
-            </a:r>
-          </a:p>
-          <a:p>
-            <a:r>
-              <a:rPr lang="en-GB" dirty="0"/>
-              <a:t>BUT in this case it ends up in ERROR</a:t>
-            </a:r>
-          </a:p>
-          <a:p>
-            <a:r>
-              <a:rPr lang="en-GB" dirty="0"/>
-              <a:t>BECAUSE the function is changing  another bound value  '</a:t>
-            </a:r>
-            <a:r>
-              <a:rPr lang="en-GB" dirty="0" err="1"/>
-              <a:t>orderCount</a:t>
-            </a:r>
-            <a:r>
-              <a:rPr lang="en-GB" dirty="0"/>
-              <a:t>'</a:t>
-            </a:r>
-          </a:p>
-          <a:p>
-            <a:r>
-              <a:rPr lang="en-GB" dirty="0"/>
-              <a:t>=&gt; so it's always changing =&gt; infinite loop ! until a stop is decided by Angular =&gt; ERROR</a:t>
-            </a:r>
-          </a:p>
-          <a:p>
+              <a:rPr lang="fr-FR" dirty="0" err="1"/>
+              <a:t>Bindings</a:t>
+            </a:r>
+            <a:r>
+              <a:rPr lang="fr-FR" dirty="0"/>
+              <a:t> </a:t>
+            </a:r>
+            <a:r>
+              <a:rPr lang="fr-FR" dirty="0" err="1"/>
+              <a:t>exercise</a:t>
+            </a:r>
             <a:endParaRPr lang="en-GB" dirty="0"/>
           </a:p>
         </p:txBody>
       </p:sp>
       <p:sp>
         <p:nvSpPr>
-          <p:cNvPr id="3" name="Titre 2"/>
-          <p:cNvSpPr>
-            <a:spLocks noGrp="1"/>
-          </p:cNvSpPr>
-          <p:nvPr>
-            <p:ph type="title"/>
+          <p:cNvPr id="2" name="Espace réservé du pied de page 1"/>
+          <p:cNvSpPr>
+            <a:spLocks noGrp="1"/>
+          </p:cNvSpPr>
+          <p:nvPr>
+            <p:ph type="ftr" sz="quarter" idx="11"/>
           </p:nvPr>
         </p:nvSpPr>
         <p:spPr/>
@@ -11653,32 +11283,9 @@
           <a:lstStyle/>
           <a:p>
             <a:r>
-              <a:rPr lang="en-GB" dirty="0" err="1" smtClean="0"/>
-              <a:t>Mais</a:t>
-            </a:r>
-            <a:r>
-              <a:rPr lang="en-GB" dirty="0" smtClean="0"/>
-              <a:t> attention …</a:t>
-            </a:r>
-            <a:endParaRPr lang="en-GB" dirty="0"/>
-          </a:p>
-        </p:txBody>
-      </p:sp>
-      <p:sp>
-        <p:nvSpPr>
-          <p:cNvPr id="4" name="Espace réservé du pied de page 3"/>
-          <p:cNvSpPr>
-            <a:spLocks noGrp="1"/>
-          </p:cNvSpPr>
-          <p:nvPr>
-            <p:ph type="ftr" sz="quarter" idx="11"/>
-          </p:nvPr>
-        </p:nvSpPr>
-        <p:spPr/>
-        <p:txBody>
-          <a:bodyPr/>
-          <a:lstStyle/>
-          <a:p>
+              <a:rPr lang="fr-FR"/>
+              <a:t>Nom de la présentation</a:t>
+            </a:r>
             <a:endParaRPr lang="fr-FR" dirty="0"/>
           </a:p>
         </p:txBody>
@@ -11701,37 +11308,77 @@
             <a:fld id="{AF43E6FD-AB27-4108-A2FC-346BB5F75E3F}" type="slidenum">
               <a:rPr lang="fr-FR" smtClean="0"/>
               <a:pPr/>
-              <a:t>19</a:t>
+              <a:t>17</a:t>
             </a:fld>
             <a:endParaRPr lang="fr-FR" dirty="0"/>
           </a:p>
         </p:txBody>
       </p:sp>
-      <p:sp>
-        <p:nvSpPr>
-          <p:cNvPr id="6" name="Espace réservé du texte 5"/>
-          <p:cNvSpPr>
-            <a:spLocks noGrp="1"/>
-          </p:cNvSpPr>
-          <p:nvPr>
-            <p:ph type="body" sz="quarter" idx="13"/>
-          </p:nvPr>
-        </p:nvSpPr>
+      <p:pic>
+        <p:nvPicPr>
+          <p:cNvPr id="8" name="Espace réservé pour une image  9" descr="Fotolia_42179448_S.jpg"/>
+          <p:cNvPicPr>
+            <a:picLocks noGrp="1" noChangeAspect="1"/>
+          </p:cNvPicPr>
+          <p:nvPr>
+            <p:ph type="pic" sz="quarter" idx="13"/>
+          </p:nvPr>
+        </p:nvPicPr>
+        <p:blipFill>
+          <a:blip r:embed="rId3"/>
+          <a:srcRect l="5409" r="5409"/>
+          <a:stretch>
+            <a:fillRect/>
+          </a:stretch>
+        </p:blipFill>
         <p:spPr/>
-        <p:txBody>
-          <a:bodyPr/>
-          <a:lstStyle/>
-          <a:p>
-            <a:endParaRPr lang="en-GB"/>
+      </p:pic>
+      <p:sp>
+        <p:nvSpPr>
+          <p:cNvPr id="13" name="Espace réservé du contenu 12"/>
+          <p:cNvSpPr>
+            <a:spLocks noGrp="1"/>
+          </p:cNvSpPr>
+          <p:nvPr>
+            <p:ph idx="1"/>
+          </p:nvPr>
+        </p:nvSpPr>
+        <p:spPr/>
+        <p:txBody>
+          <a:bodyPr/>
+          <a:lstStyle/>
+          <a:p>
+            <a:r>
+              <a:rPr lang="en-GB" dirty="0"/>
+              <a:t>Exercise 3 suite:</a:t>
+            </a:r>
+          </a:p>
+          <a:p>
+            <a:pPr lvl="1"/>
+            <a:r>
+              <a:rPr lang="en-GB" dirty="0"/>
+              <a:t>Use Controller as syntax</a:t>
+            </a:r>
           </a:p>
         </p:txBody>
       </p:sp>
     </p:spTree>
+    <p:extLst>
+      <p:ext uri="{BB962C8B-B14F-4D97-AF65-F5344CB8AC3E}">
+        <p14:creationId xmlns:p14="http://schemas.microsoft.com/office/powerpoint/2010/main" val="131312719"/>
+      </p:ext>
+    </p:extLst>
   </p:cSld>
   <p:clrMapOvr>
     <a:masterClrMapping/>
   </p:clrMapOvr>
-  <p:transition/>
+  <p:timing>
+    <p:tnLst>
+      <p:par>
+        <p:cTn id="1" dur="indefinite" restart="never" nodeType="tmRoot"/>
+      </p:par>
+    </p:tnLst>
+  </p:timing>
 </p:sld>
 </file>
 
@@ -12275,1132 +11922,6 @@
 </p:sld>
 </file>
 
-<file path=ppt/slides/slide20.xml><?xml version="1.0" encoding="utf-8"?>
-<p:sld xmlns:a="http://schemas.openxmlformats.org/drawingml/2006/main" xmlns:r="http://schemas.openxmlformats.org/officeDocument/2006/relationships" xmlns:p="http://schemas.openxmlformats.org/presentationml/2006/main">
-  <p:cSld>
-    <p:spTree>
-      <p:nvGrpSpPr>
-        <p:cNvPr id="1" name=""/>
-        <p:cNvGrpSpPr/>
-        <p:nvPr/>
-      </p:nvGrpSpPr>
-      <p:grpSpPr>
-        <a:xfrm>
-          <a:off x="0" y="0"/>
-          <a:ext cx="0" cy="0"/>
-          <a:chOff x="0" y="0"/>
-          <a:chExt cx="0" cy="0"/>
-        </a:xfrm>
-      </p:grpSpPr>
-      <p:sp>
-        <p:nvSpPr>
-          <p:cNvPr id="2" name="Espace réservé du contenu 1"/>
-          <p:cNvSpPr>
-            <a:spLocks noGrp="1"/>
-          </p:cNvSpPr>
-          <p:nvPr>
-            <p:ph idx="1"/>
-          </p:nvPr>
-        </p:nvSpPr>
-        <p:spPr bwMode="gray">
-          <a:xfrm>
-            <a:off x="477838" y="1265237"/>
-            <a:ext cx="8088511" cy="5078413"/>
-          </a:xfrm>
-        </p:spPr>
-        <p:txBody>
-          <a:bodyPr>
-            <a:normAutofit/>
-          </a:bodyPr>
-          <a:lstStyle/>
-          <a:p>
-            <a:endParaRPr lang="en-US" sz="1800" dirty="0"/>
-          </a:p>
-          <a:p>
-            <a:endParaRPr lang="en-US" sz="1800" dirty="0"/>
-          </a:p>
-          <a:p>
-            <a:endParaRPr lang="en-US" sz="1800" dirty="0"/>
-          </a:p>
-          <a:p>
-            <a:endParaRPr lang="en-US" sz="1800" dirty="0"/>
-          </a:p>
-          <a:p>
-            <a:endParaRPr lang="en-US" sz="1800" dirty="0"/>
-          </a:p>
-          <a:p>
-            <a:endParaRPr lang="en-US" sz="1800" dirty="0"/>
-          </a:p>
-          <a:p>
-            <a:endParaRPr lang="en-US" sz="1800" dirty="0"/>
-          </a:p>
-          <a:p>
-            <a:endParaRPr lang="en-US" sz="1800" dirty="0"/>
-          </a:p>
-          <a:p>
-            <a:endParaRPr lang="en-US" sz="1800" dirty="0"/>
-          </a:p>
-          <a:p>
-            <a:endParaRPr lang="en-US" dirty="0"/>
-          </a:p>
-        </p:txBody>
-      </p:sp>
-      <p:sp>
-        <p:nvSpPr>
-          <p:cNvPr id="3" name="Titre 2"/>
-          <p:cNvSpPr>
-            <a:spLocks noGrp="1"/>
-          </p:cNvSpPr>
-          <p:nvPr>
-            <p:ph type="title"/>
-          </p:nvPr>
-        </p:nvSpPr>
-        <p:spPr bwMode="gray">
-          <a:xfrm>
-            <a:off x="544439" y="260648"/>
-            <a:ext cx="8045374" cy="332546"/>
-          </a:xfrm>
-        </p:spPr>
-        <p:txBody>
-          <a:bodyPr/>
-          <a:lstStyle/>
-          <a:p>
-            <a:r>
-              <a:rPr lang="fr-FR" cap="none" dirty="0"/>
-              <a:t>AngularJS</a:t>
-            </a:r>
-            <a:endParaRPr lang="en-GB" cap="none" dirty="0"/>
-          </a:p>
-        </p:txBody>
-      </p:sp>
-      <p:sp>
-        <p:nvSpPr>
-          <p:cNvPr id="5" name="Espace réservé du numéro de diapositive 4"/>
-          <p:cNvSpPr>
-            <a:spLocks noGrp="1"/>
-          </p:cNvSpPr>
-          <p:nvPr>
-            <p:ph type="sldNum" sz="quarter" idx="12"/>
-          </p:nvPr>
-        </p:nvSpPr>
-        <p:spPr bwMode="gray"/>
-        <p:txBody>
-          <a:bodyPr/>
-          <a:lstStyle/>
-          <a:p>
-            <a:fld id="{AF43E6FD-AB27-4108-A2FC-346BB5F75E3F}" type="slidenum">
-              <a:rPr lang="fr-FR" smtClean="0"/>
-              <a:pPr/>
-              <a:t>20</a:t>
-            </a:fld>
-            <a:endParaRPr lang="fr-FR" dirty="0"/>
-          </a:p>
-        </p:txBody>
-      </p:sp>
-      <p:sp>
-        <p:nvSpPr>
-          <p:cNvPr id="10" name="Espace réservé du texte 9"/>
-          <p:cNvSpPr>
-            <a:spLocks noGrp="1"/>
-          </p:cNvSpPr>
-          <p:nvPr>
-            <p:ph type="body" sz="quarter" idx="13"/>
-          </p:nvPr>
-        </p:nvSpPr>
-        <p:spPr bwMode="gray"/>
-        <p:txBody>
-          <a:bodyPr/>
-          <a:lstStyle/>
-          <a:p>
-            <a:r>
-              <a:rPr lang="en-GB" cap="none" dirty="0"/>
-              <a:t>John Papa Coding style  =&gt; another syntax for injection </a:t>
-            </a:r>
-            <a:r>
-              <a:rPr lang="en-GB" cap="none" dirty="0" err="1"/>
-              <a:t>deps</a:t>
-            </a:r>
-            <a:endParaRPr lang="en-GB" cap="none" dirty="0"/>
-          </a:p>
-        </p:txBody>
-      </p:sp>
-      <p:sp>
-        <p:nvSpPr>
-          <p:cNvPr id="6" name="Espace réservé du pied de page 5"/>
-          <p:cNvSpPr>
-            <a:spLocks noGrp="1"/>
-          </p:cNvSpPr>
-          <p:nvPr>
-            <p:ph type="ftr" sz="quarter" idx="11"/>
-          </p:nvPr>
-        </p:nvSpPr>
-        <p:spPr/>
-        <p:txBody>
-          <a:bodyPr/>
-          <a:lstStyle/>
-          <a:p>
-            <a:r>
-              <a:rPr lang="fr-FR"/>
-              <a:t>Nom de la présentation</a:t>
-            </a:r>
-            <a:endParaRPr lang="fr-FR" dirty="0"/>
-          </a:p>
-        </p:txBody>
-      </p:sp>
-      <p:pic>
-        <p:nvPicPr>
-          <p:cNvPr id="4098" name="Picture 2"/>
-          <p:cNvPicPr>
-            <a:picLocks noChangeAspect="1" noChangeArrowheads="1"/>
-          </p:cNvPicPr>
-          <p:nvPr/>
-        </p:nvPicPr>
-        <p:blipFill>
-          <a:blip r:embed="rId3"/>
-          <a:srcRect/>
-          <a:stretch>
-            <a:fillRect/>
-          </a:stretch>
-        </p:blipFill>
-        <p:spPr bwMode="auto">
-          <a:xfrm>
-            <a:off x="180083" y="926499"/>
-            <a:ext cx="5128223" cy="5877619"/>
-          </a:xfrm>
-          <a:prstGeom prst="rect">
-            <a:avLst/>
-          </a:prstGeom>
-          <a:noFill/>
-          <a:ln w="9525">
-            <a:solidFill>
-              <a:schemeClr val="tx1"/>
-            </a:solidFill>
-            <a:miter lim="800000"/>
-            <a:headEnd/>
-            <a:tailEnd/>
-          </a:ln>
-          <a:effectLst/>
-        </p:spPr>
-      </p:pic>
-      <p:sp>
-        <p:nvSpPr>
-          <p:cNvPr id="8" name="ZoneTexte 7"/>
-          <p:cNvSpPr txBox="1"/>
-          <p:nvPr/>
-        </p:nvSpPr>
-        <p:spPr>
-          <a:xfrm>
-            <a:off x="3984593" y="3614594"/>
-            <a:ext cx="4777270" cy="2246769"/>
-          </a:xfrm>
-          <a:prstGeom prst="rect">
-            <a:avLst/>
-          </a:prstGeom>
-          <a:solidFill>
-            <a:schemeClr val="bg1"/>
-          </a:solidFill>
-        </p:spPr>
-        <p:txBody>
-          <a:bodyPr wrap="none" rtlCol="0">
-            <a:spAutoFit/>
-          </a:bodyPr>
-          <a:lstStyle/>
-          <a:p>
-            <a:r>
-              <a:rPr lang="en-GB" sz="1400" dirty="0"/>
-              <a:t>If the </a:t>
-            </a:r>
-            <a:r>
-              <a:rPr lang="en-GB" sz="1400" dirty="0" err="1"/>
-              <a:t>MyCtrl</a:t>
-            </a:r>
-            <a:r>
-              <a:rPr lang="en-GB" sz="1400" dirty="0"/>
-              <a:t> function is called without 'new' in front, </a:t>
-            </a:r>
-            <a:br>
-              <a:rPr lang="en-GB" sz="1400" dirty="0"/>
-            </a:br>
-            <a:r>
-              <a:rPr lang="en-GB" sz="1400" dirty="0"/>
-              <a:t>'this' would </a:t>
-            </a:r>
-            <a:r>
-              <a:rPr lang="en-GB" sz="1400" dirty="0" err="1"/>
-              <a:t>would</a:t>
-            </a:r>
-            <a:r>
-              <a:rPr lang="en-GB" sz="1400" dirty="0"/>
-              <a:t> be global.</a:t>
-            </a:r>
-          </a:p>
-          <a:p>
-            <a:r>
-              <a:rPr lang="en-GB" sz="1400" dirty="0"/>
-              <a:t>A direct access to the global scope is forbidden when</a:t>
-            </a:r>
-            <a:br>
-              <a:rPr lang="en-GB" sz="1400" dirty="0"/>
-            </a:br>
-            <a:r>
-              <a:rPr lang="en-GB" sz="1400" dirty="0"/>
-              <a:t>using  : </a:t>
-            </a:r>
-            <a:r>
-              <a:rPr lang="fr-FR" sz="1400" b="1" dirty="0"/>
-              <a:t>'use strict'</a:t>
-            </a:r>
-            <a:r>
-              <a:rPr lang="fr-FR" sz="1400" dirty="0"/>
-              <a:t>;</a:t>
-            </a:r>
-            <a:endParaRPr lang="en-GB" sz="1400" dirty="0"/>
-          </a:p>
-          <a:p>
-            <a:r>
-              <a:rPr lang="en-GB" sz="1400" dirty="0"/>
-              <a:t>=&gt; this is global  (if not under an apply/call/bind or new syntax)</a:t>
-            </a:r>
-            <a:br>
-              <a:rPr lang="en-GB" sz="1400" dirty="0"/>
-            </a:br>
-            <a:r>
-              <a:rPr lang="en-GB" sz="1400" dirty="0"/>
-              <a:t>=&gt; in 'use strict' mode : it is considered a violation access,</a:t>
-            </a:r>
-            <a:br>
-              <a:rPr lang="en-GB" sz="1400" dirty="0"/>
-            </a:br>
-            <a:r>
-              <a:rPr lang="en-GB" sz="1400" dirty="0"/>
-              <a:t>and would provoke an Exception at runtime</a:t>
-            </a:r>
-          </a:p>
-          <a:p>
-            <a:r>
-              <a:rPr lang="en-GB" sz="1400" dirty="0"/>
-              <a:t>/* </a:t>
-            </a:r>
-            <a:r>
-              <a:rPr lang="en-GB" sz="1400" dirty="0" err="1"/>
-              <a:t>jshint</a:t>
-            </a:r>
-            <a:r>
-              <a:rPr lang="en-GB" sz="1400" dirty="0"/>
-              <a:t>  </a:t>
-            </a:r>
-            <a:r>
-              <a:rPr lang="en-GB" sz="1400" dirty="0" err="1"/>
-              <a:t>validthis</a:t>
-            </a:r>
-            <a:r>
-              <a:rPr lang="en-GB" sz="1400" dirty="0"/>
-              <a:t>: true  */  deactivates </a:t>
-            </a:r>
-            <a:br>
-              <a:rPr lang="en-GB" sz="1400" dirty="0"/>
-            </a:br>
-            <a:r>
-              <a:rPr lang="en-GB" sz="1400" dirty="0"/>
-              <a:t>the control on this by </a:t>
-            </a:r>
-            <a:r>
-              <a:rPr lang="en-GB" sz="1400" dirty="0" err="1"/>
-              <a:t>jshint</a:t>
-            </a:r>
-            <a:endParaRPr lang="en-GB" sz="1400" dirty="0"/>
-          </a:p>
-          <a:p>
-            <a:r>
-              <a:rPr lang="en-GB" sz="1400" dirty="0"/>
-              <a:t>So you assume the </a:t>
-            </a:r>
-            <a:r>
-              <a:rPr lang="en-GB" sz="1400" dirty="0" err="1"/>
-              <a:t>responsability</a:t>
-            </a:r>
-            <a:endParaRPr lang="en-GB" sz="1400" dirty="0"/>
-          </a:p>
-        </p:txBody>
-      </p:sp>
-      <p:cxnSp>
-        <p:nvCxnSpPr>
-          <p:cNvPr id="11" name="Connecteur droit avec flèche 10"/>
-          <p:cNvCxnSpPr/>
-          <p:nvPr/>
-        </p:nvCxnSpPr>
-        <p:spPr>
-          <a:xfrm rot="10800000" flipV="1">
-            <a:off x="4497572" y="3200399"/>
-            <a:ext cx="1031358" cy="95693"/>
-          </a:xfrm>
-          <a:prstGeom prst="straightConnector1">
-            <a:avLst/>
-          </a:prstGeom>
-          <a:ln w="19050">
-            <a:solidFill>
-              <a:srgbClr val="CF022B"/>
-            </a:solidFill>
-            <a:tailEnd type="arrow"/>
-          </a:ln>
-        </p:spPr>
-        <p:style>
-          <a:lnRef idx="1">
-            <a:schemeClr val="accent1"/>
-          </a:lnRef>
-          <a:fillRef idx="0">
-            <a:schemeClr val="accent1"/>
-          </a:fillRef>
-          <a:effectRef idx="0">
-            <a:schemeClr val="accent1"/>
-          </a:effectRef>
-          <a:fontRef idx="minor">
-            <a:schemeClr val="tx1"/>
-          </a:fontRef>
-        </p:style>
-      </p:cxnSp>
-    </p:spTree>
-    <p:extLst>
-      <p:ext uri="{BB962C8B-B14F-4D97-AF65-F5344CB8AC3E}">
-        <p14:creationId xmlns:p14="http://schemas.microsoft.com/office/powerpoint/2010/main" val="2526031973"/>
-      </p:ext>
-    </p:extLst>
-  </p:cSld>
-  <p:clrMapOvr>
-    <a:masterClrMapping/>
-  </p:clrMapOvr>
-</p:sld>
-</file>
-
-<file path=ppt/slides/slide21.xml><?xml version="1.0" encoding="utf-8"?>
-<p:sld xmlns:a="http://schemas.openxmlformats.org/drawingml/2006/main" xmlns:r="http://schemas.openxmlformats.org/officeDocument/2006/relationships" xmlns:p="http://schemas.openxmlformats.org/presentationml/2006/main">
-  <p:cSld>
-    <p:spTree>
-      <p:nvGrpSpPr>
-        <p:cNvPr id="1" name=""/>
-        <p:cNvGrpSpPr/>
-        <p:nvPr/>
-      </p:nvGrpSpPr>
-      <p:grpSpPr>
-        <a:xfrm>
-          <a:off x="0" y="0"/>
-          <a:ext cx="0" cy="0"/>
-          <a:chOff x="0" y="0"/>
-          <a:chExt cx="0" cy="0"/>
-        </a:xfrm>
-      </p:grpSpPr>
-      <p:sp>
-        <p:nvSpPr>
-          <p:cNvPr id="2" name="Espace réservé du contenu 1"/>
-          <p:cNvSpPr>
-            <a:spLocks noGrp="1"/>
-          </p:cNvSpPr>
-          <p:nvPr>
-            <p:ph idx="1"/>
-          </p:nvPr>
-        </p:nvSpPr>
-        <p:spPr bwMode="gray">
-          <a:xfrm>
-            <a:off x="477838" y="1265237"/>
-            <a:ext cx="4487567" cy="5078413"/>
-          </a:xfrm>
-        </p:spPr>
-        <p:txBody>
-          <a:bodyPr>
-            <a:normAutofit/>
-          </a:bodyPr>
-          <a:lstStyle/>
-          <a:p>
-            <a:endParaRPr lang="en-US" sz="1800" dirty="0"/>
-          </a:p>
-          <a:p>
-            <a:endParaRPr lang="en-US" sz="1800" dirty="0"/>
-          </a:p>
-          <a:p>
-            <a:endParaRPr lang="en-US" sz="1800" dirty="0"/>
-          </a:p>
-          <a:p>
-            <a:endParaRPr lang="en-US" sz="1800" dirty="0"/>
-          </a:p>
-          <a:p>
-            <a:endParaRPr lang="en-US" sz="1800" dirty="0"/>
-          </a:p>
-          <a:p>
-            <a:endParaRPr lang="en-US" sz="1800" dirty="0"/>
-          </a:p>
-          <a:p>
-            <a:endParaRPr lang="en-US" sz="1800" dirty="0"/>
-          </a:p>
-          <a:p>
-            <a:endParaRPr lang="en-US" sz="1800" dirty="0"/>
-          </a:p>
-          <a:p>
-            <a:endParaRPr lang="en-US" sz="1800" dirty="0"/>
-          </a:p>
-          <a:p>
-            <a:endParaRPr lang="en-US" dirty="0"/>
-          </a:p>
-        </p:txBody>
-      </p:sp>
-      <p:sp>
-        <p:nvSpPr>
-          <p:cNvPr id="3" name="Titre 2"/>
-          <p:cNvSpPr>
-            <a:spLocks noGrp="1"/>
-          </p:cNvSpPr>
-          <p:nvPr>
-            <p:ph type="title"/>
-          </p:nvPr>
-        </p:nvSpPr>
-        <p:spPr bwMode="gray">
-          <a:xfrm>
-            <a:off x="544439" y="260648"/>
-            <a:ext cx="8045374" cy="332546"/>
-          </a:xfrm>
-        </p:spPr>
-        <p:txBody>
-          <a:bodyPr/>
-          <a:lstStyle/>
-          <a:p>
-            <a:r>
-              <a:rPr lang="fr-FR" cap="none" dirty="0"/>
-              <a:t>AngularJS</a:t>
-            </a:r>
-            <a:endParaRPr lang="en-GB" cap="none" dirty="0"/>
-          </a:p>
-        </p:txBody>
-      </p:sp>
-      <p:sp>
-        <p:nvSpPr>
-          <p:cNvPr id="5" name="Espace réservé du numéro de diapositive 4"/>
-          <p:cNvSpPr>
-            <a:spLocks noGrp="1"/>
-          </p:cNvSpPr>
-          <p:nvPr>
-            <p:ph type="sldNum" sz="quarter" idx="12"/>
-          </p:nvPr>
-        </p:nvSpPr>
-        <p:spPr bwMode="gray"/>
-        <p:txBody>
-          <a:bodyPr/>
-          <a:lstStyle/>
-          <a:p>
-            <a:fld id="{AF43E6FD-AB27-4108-A2FC-346BB5F75E3F}" type="slidenum">
-              <a:rPr lang="fr-FR" smtClean="0"/>
-              <a:pPr/>
-              <a:t>21</a:t>
-            </a:fld>
-            <a:endParaRPr lang="fr-FR" dirty="0"/>
-          </a:p>
-        </p:txBody>
-      </p:sp>
-      <p:sp>
-        <p:nvSpPr>
-          <p:cNvPr id="10" name="Espace réservé du texte 9"/>
-          <p:cNvSpPr>
-            <a:spLocks noGrp="1"/>
-          </p:cNvSpPr>
-          <p:nvPr>
-            <p:ph type="body" sz="quarter" idx="13"/>
-          </p:nvPr>
-        </p:nvSpPr>
-        <p:spPr bwMode="gray"/>
-        <p:txBody>
-          <a:bodyPr/>
-          <a:lstStyle/>
-          <a:p>
-            <a:r>
-              <a:rPr lang="en-GB" cap="none" dirty="0"/>
-              <a:t>John Papa Coding style</a:t>
-            </a:r>
-          </a:p>
-        </p:txBody>
-      </p:sp>
-      <p:sp>
-        <p:nvSpPr>
-          <p:cNvPr id="6" name="Espace réservé du pied de page 5"/>
-          <p:cNvSpPr>
-            <a:spLocks noGrp="1"/>
-          </p:cNvSpPr>
-          <p:nvPr>
-            <p:ph type="ftr" sz="quarter" idx="11"/>
-          </p:nvPr>
-        </p:nvSpPr>
-        <p:spPr/>
-        <p:txBody>
-          <a:bodyPr/>
-          <a:lstStyle/>
-          <a:p>
-            <a:r>
-              <a:rPr lang="fr-FR"/>
-              <a:t>Nom de la présentation</a:t>
-            </a:r>
-            <a:endParaRPr lang="fr-FR" dirty="0"/>
-          </a:p>
-        </p:txBody>
-      </p:sp>
-      <p:sp>
-        <p:nvSpPr>
-          <p:cNvPr id="9" name="Espace réservé du contenu 1"/>
-          <p:cNvSpPr txBox="1">
-            <a:spLocks/>
-          </p:cNvSpPr>
-          <p:nvPr/>
-        </p:nvSpPr>
-        <p:spPr bwMode="gray">
-          <a:xfrm>
-            <a:off x="496889" y="1560512"/>
-            <a:ext cx="4398962" cy="4681537"/>
-          </a:xfrm>
-          <a:prstGeom prst="rect">
-            <a:avLst/>
-          </a:prstGeom>
-        </p:spPr>
-        <p:txBody>
-          <a:bodyPr vert="horz" lIns="0" tIns="0" rIns="0" bIns="0" rtlCol="0">
-            <a:noAutofit/>
-          </a:bodyPr>
-          <a:lstStyle/>
-          <a:p>
-            <a:pPr marL="271463" marR="0" lvl="0" indent="-271463" algn="l" defTabSz="914199" rtl="0" eaLnBrk="1" fontAlgn="auto" latinLnBrk="0" hangingPunct="1">
-              <a:lnSpc>
-                <a:spcPct val="100000"/>
-              </a:lnSpc>
-              <a:spcBef>
-                <a:spcPts val="1800"/>
-              </a:spcBef>
-              <a:spcAft>
-                <a:spcPts val="0"/>
-              </a:spcAft>
-              <a:buClr>
-                <a:srgbClr val="CF022B"/>
-              </a:buClr>
-              <a:buSzPct val="90000"/>
-              <a:buFontTx/>
-              <a:buBlip>
-                <a:blip r:embed="rId3"/>
-              </a:buBlip>
-              <a:tabLst/>
-              <a:defRPr/>
-            </a:pPr>
-            <a:r>
-              <a:rPr lang="fr-FR" sz="2000" dirty="0" err="1"/>
-              <a:t>ng</a:t>
-            </a:r>
-            <a:r>
-              <a:rPr lang="fr-FR" sz="2000" dirty="0"/>
-              <a:t>-</a:t>
-            </a:r>
-            <a:r>
-              <a:rPr lang="fr-FR" sz="2000" dirty="0" err="1"/>
-              <a:t>annotate</a:t>
-            </a:r>
-            <a:endParaRPr lang="fr-FR" sz="2000" dirty="0"/>
-          </a:p>
-          <a:p>
-            <a:pPr marL="271463" lvl="0" indent="-271463">
-              <a:spcBef>
-                <a:spcPts val="1800"/>
-              </a:spcBef>
-              <a:buClr>
-                <a:srgbClr val="CF022B"/>
-              </a:buClr>
-              <a:buSzPct val="90000"/>
-              <a:buBlip>
-                <a:blip r:embed="rId3"/>
-              </a:buBlip>
-            </a:pPr>
-            <a:r>
-              <a:rPr lang="fr-FR" sz="1600" dirty="0">
-                <a:hlinkClick r:id="rId4"/>
-              </a:rPr>
-              <a:t>https://www.npmjs.com/package/ng-annotate</a:t>
-            </a:r>
-            <a:r>
-              <a:rPr lang="fr-FR" sz="1600" dirty="0"/>
-              <a:t> </a:t>
-            </a:r>
-          </a:p>
-          <a:p>
-            <a:pPr marL="271463" marR="0" lvl="0" indent="-271463" algn="l" defTabSz="914199" rtl="0" eaLnBrk="1" fontAlgn="auto" latinLnBrk="0" hangingPunct="1">
-              <a:lnSpc>
-                <a:spcPct val="100000"/>
-              </a:lnSpc>
-              <a:spcBef>
-                <a:spcPts val="1800"/>
-              </a:spcBef>
-              <a:spcAft>
-                <a:spcPts val="0"/>
-              </a:spcAft>
-              <a:buClr>
-                <a:srgbClr val="CF022B"/>
-              </a:buClr>
-              <a:buSzPct val="90000"/>
-              <a:buFontTx/>
-              <a:buBlip>
-                <a:blip r:embed="rId3"/>
-              </a:buBlip>
-              <a:tabLst/>
-              <a:defRPr/>
-            </a:pPr>
-            <a:r>
-              <a:rPr lang="fr-FR" sz="2000" dirty="0"/>
-              <a:t>/** @</a:t>
-            </a:r>
-            <a:r>
-              <a:rPr lang="fr-FR" sz="2000" dirty="0" err="1"/>
-              <a:t>ngInject</a:t>
-            </a:r>
-            <a:r>
-              <a:rPr lang="fr-FR" sz="2000" dirty="0"/>
-              <a:t> */</a:t>
-            </a:r>
-          </a:p>
-          <a:p>
-            <a:pPr marL="271463" indent="-271463">
-              <a:spcBef>
-                <a:spcPts val="1800"/>
-              </a:spcBef>
-              <a:buClr>
-                <a:srgbClr val="CF022B"/>
-              </a:buClr>
-              <a:buSzPct val="90000"/>
-              <a:buBlip>
-                <a:blip r:embed="rId3"/>
-              </a:buBlip>
-            </a:pPr>
-            <a:r>
-              <a:rPr lang="fr-FR" dirty="0"/>
-              <a:t>/** @</a:t>
-            </a:r>
-            <a:r>
-              <a:rPr lang="fr-FR" dirty="0" err="1"/>
-              <a:t>ngNoInject</a:t>
-            </a:r>
-            <a:r>
-              <a:rPr lang="fr-FR" dirty="0"/>
-              <a:t> */</a:t>
-            </a:r>
-          </a:p>
-          <a:p>
-            <a:pPr marL="271463" indent="-271463">
-              <a:spcBef>
-                <a:spcPts val="1800"/>
-              </a:spcBef>
-              <a:buClr>
-                <a:srgbClr val="CF022B"/>
-              </a:buClr>
-              <a:buSzPct val="90000"/>
-              <a:buBlip>
-                <a:blip r:embed="rId3"/>
-              </a:buBlip>
-            </a:pPr>
-            <a:endParaRPr lang="fr-FR" dirty="0"/>
-          </a:p>
-          <a:p>
-            <a:pPr marL="271463" lvl="1" indent="-271463">
-              <a:spcBef>
-                <a:spcPts val="1800"/>
-              </a:spcBef>
-              <a:buClr>
-                <a:srgbClr val="CF022B"/>
-              </a:buClr>
-              <a:buSzPct val="90000"/>
-              <a:buBlip>
-                <a:blip r:embed="rId3"/>
-              </a:buBlip>
-            </a:pPr>
-            <a:r>
-              <a:rPr lang="fr-FR" sz="2000" dirty="0"/>
-              <a:t>usage </a:t>
-            </a:r>
-            <a:r>
-              <a:rPr lang="fr-FR" sz="2000" dirty="0" err="1"/>
-              <a:t>with</a:t>
-            </a:r>
-            <a:r>
-              <a:rPr lang="fr-FR" sz="2000" dirty="0"/>
-              <a:t> </a:t>
-            </a:r>
-            <a:r>
-              <a:rPr lang="fr-FR" sz="2000" dirty="0" err="1"/>
-              <a:t>gulp</a:t>
-            </a:r>
-            <a:r>
-              <a:rPr lang="fr-FR" sz="2000" dirty="0"/>
-              <a:t>-</a:t>
-            </a:r>
-            <a:r>
-              <a:rPr lang="fr-FR" sz="2000" dirty="0" err="1"/>
-              <a:t>ng</a:t>
-            </a:r>
-            <a:r>
-              <a:rPr lang="fr-FR" sz="2000" dirty="0"/>
-              <a:t>-</a:t>
-            </a:r>
-            <a:r>
-              <a:rPr lang="fr-FR" sz="2000" dirty="0" err="1"/>
-              <a:t>annotate</a:t>
-            </a:r>
-            <a:endParaRPr lang="fr-FR" sz="2000" dirty="0"/>
-          </a:p>
-          <a:p>
-            <a:pPr marL="271463" indent="-271463">
-              <a:spcBef>
-                <a:spcPts val="1800"/>
-              </a:spcBef>
-              <a:buClr>
-                <a:srgbClr val="CF022B"/>
-              </a:buClr>
-              <a:buSzPct val="90000"/>
-              <a:buBlip>
-                <a:blip r:embed="rId3"/>
-              </a:buBlip>
-            </a:pPr>
-            <a:endParaRPr lang="fr-FR" dirty="0"/>
-          </a:p>
-          <a:p>
-            <a:pPr marL="271463" marR="0" lvl="0" indent="-271463" algn="l" defTabSz="914199" rtl="0" eaLnBrk="1" fontAlgn="auto" latinLnBrk="0" hangingPunct="1">
-              <a:lnSpc>
-                <a:spcPct val="100000"/>
-              </a:lnSpc>
-              <a:spcBef>
-                <a:spcPts val="1800"/>
-              </a:spcBef>
-              <a:spcAft>
-                <a:spcPts val="0"/>
-              </a:spcAft>
-              <a:buClr>
-                <a:srgbClr val="CF022B"/>
-              </a:buClr>
-              <a:buSzPct val="90000"/>
-              <a:buFontTx/>
-              <a:buBlip>
-                <a:blip r:embed="rId3"/>
-              </a:buBlip>
-              <a:tabLst/>
-              <a:defRPr/>
-            </a:pPr>
-            <a:endParaRPr kumimoji="0" lang="en-US" sz="1800" b="0" i="0" u="none" strike="noStrike" kern="1200" cap="none" spc="0" normalizeH="0" baseline="0" noProof="0" dirty="0">
-              <a:ln>
-                <a:noFill/>
-              </a:ln>
-              <a:solidFill>
-                <a:schemeClr val="tx1"/>
-              </a:solidFill>
-              <a:effectLst/>
-              <a:uLnTx/>
-              <a:uFillTx/>
-              <a:latin typeface="+mn-lt"/>
-              <a:ea typeface="+mn-ea"/>
-              <a:cs typeface="+mn-cs"/>
-            </a:endParaRPr>
-          </a:p>
-          <a:p>
-            <a:pPr marL="715963" marR="0" lvl="1" indent="-242888" algn="l" defTabSz="914199" rtl="0" eaLnBrk="1" fontAlgn="auto" latinLnBrk="0" hangingPunct="1">
-              <a:lnSpc>
-                <a:spcPct val="100000"/>
-              </a:lnSpc>
-              <a:spcBef>
-                <a:spcPts val="411"/>
-              </a:spcBef>
-              <a:spcAft>
-                <a:spcPts val="0"/>
-              </a:spcAft>
-              <a:buClr>
-                <a:schemeClr val="accent4"/>
-              </a:buClr>
-              <a:buSzPct val="100000"/>
-              <a:buFont typeface="Wingdings" panose="05000000000000000000" pitchFamily="2" charset="2"/>
-              <a:buChar char=""/>
-              <a:tabLst/>
-              <a:defRPr/>
-            </a:pPr>
-            <a:endParaRPr kumimoji="0" lang="en-US" sz="1800" b="0" i="0" u="none" strike="noStrike" kern="1200" cap="none" spc="0" normalizeH="0" baseline="0" noProof="0" dirty="0">
-              <a:ln>
-                <a:noFill/>
-              </a:ln>
-              <a:solidFill>
-                <a:schemeClr val="tx1"/>
-              </a:solidFill>
-              <a:effectLst/>
-              <a:uLnTx/>
-              <a:uFillTx/>
-              <a:latin typeface="+mn-lt"/>
-              <a:ea typeface="+mn-ea"/>
-              <a:cs typeface="+mn-cs"/>
-            </a:endParaRPr>
-          </a:p>
-        </p:txBody>
-      </p:sp>
-      <p:pic>
-        <p:nvPicPr>
-          <p:cNvPr id="2050" name="Picture 2"/>
-          <p:cNvPicPr>
-            <a:picLocks noChangeAspect="1" noChangeArrowheads="1"/>
-          </p:cNvPicPr>
-          <p:nvPr/>
-        </p:nvPicPr>
-        <p:blipFill>
-          <a:blip r:embed="rId5"/>
-          <a:srcRect/>
-          <a:stretch>
-            <a:fillRect/>
-          </a:stretch>
-        </p:blipFill>
-        <p:spPr bwMode="auto">
-          <a:xfrm>
-            <a:off x="5410200" y="547688"/>
-            <a:ext cx="3733800" cy="5781675"/>
-          </a:xfrm>
-          <a:prstGeom prst="rect">
-            <a:avLst/>
-          </a:prstGeom>
-          <a:noFill/>
-          <a:ln w="9525">
-            <a:noFill/>
-            <a:miter lim="800000"/>
-            <a:headEnd/>
-            <a:tailEnd/>
-          </a:ln>
-          <a:effectLst/>
-        </p:spPr>
-      </p:pic>
-      <p:pic>
-        <p:nvPicPr>
-          <p:cNvPr id="2051" name="Picture 3"/>
-          <p:cNvPicPr>
-            <a:picLocks noChangeAspect="1" noChangeArrowheads="1"/>
-          </p:cNvPicPr>
-          <p:nvPr/>
-        </p:nvPicPr>
-        <p:blipFill>
-          <a:blip r:embed="rId6"/>
-          <a:srcRect/>
-          <a:stretch>
-            <a:fillRect/>
-          </a:stretch>
-        </p:blipFill>
-        <p:spPr bwMode="auto">
-          <a:xfrm>
-            <a:off x="1228725" y="4777644"/>
-            <a:ext cx="3038475" cy="1561244"/>
-          </a:xfrm>
-          <a:prstGeom prst="rect">
-            <a:avLst/>
-          </a:prstGeom>
-          <a:noFill/>
-          <a:ln w="9525">
-            <a:noFill/>
-            <a:miter lim="800000"/>
-            <a:headEnd/>
-            <a:tailEnd/>
-          </a:ln>
-          <a:effectLst/>
-        </p:spPr>
-      </p:pic>
-      <p:sp>
-        <p:nvSpPr>
-          <p:cNvPr id="11" name="ZoneTexte 10"/>
-          <p:cNvSpPr txBox="1"/>
-          <p:nvPr/>
-        </p:nvSpPr>
-        <p:spPr>
-          <a:xfrm>
-            <a:off x="5443870" y="2753833"/>
-            <a:ext cx="3248262" cy="307777"/>
-          </a:xfrm>
-          <a:prstGeom prst="rect">
-            <a:avLst/>
-          </a:prstGeom>
-          <a:noFill/>
-        </p:spPr>
-        <p:txBody>
-          <a:bodyPr wrap="none" rtlCol="0">
-            <a:spAutoFit/>
-          </a:bodyPr>
-          <a:lstStyle/>
-          <a:p>
-            <a:r>
-              <a:rPr lang="fr-FR" sz="1400" dirty="0">
-                <a:solidFill>
-                  <a:srgbClr val="FF0000"/>
-                </a:solidFill>
-              </a:rPr>
-              <a:t>// The </a:t>
-            </a:r>
-            <a:r>
-              <a:rPr lang="fr-FR" sz="1400" dirty="0" err="1">
-                <a:solidFill>
-                  <a:srgbClr val="FF0000"/>
-                </a:solidFill>
-              </a:rPr>
-              <a:t>gulp</a:t>
-            </a:r>
-            <a:r>
-              <a:rPr lang="fr-FR" sz="1400" dirty="0">
-                <a:solidFill>
-                  <a:srgbClr val="FF0000"/>
-                </a:solidFill>
-              </a:rPr>
-              <a:t> </a:t>
-            </a:r>
-            <a:r>
-              <a:rPr lang="fr-FR" sz="1400" dirty="0" err="1">
-                <a:solidFill>
-                  <a:srgbClr val="FF0000"/>
-                </a:solidFill>
-              </a:rPr>
-              <a:t>task</a:t>
-            </a:r>
-            <a:r>
-              <a:rPr lang="fr-FR" sz="1400" dirty="0">
-                <a:solidFill>
-                  <a:srgbClr val="FF0000"/>
-                </a:solidFill>
-              </a:rPr>
-              <a:t> </a:t>
-            </a:r>
-            <a:r>
-              <a:rPr lang="fr-FR" sz="1400" dirty="0" err="1">
-                <a:solidFill>
-                  <a:srgbClr val="FF0000"/>
-                </a:solidFill>
-              </a:rPr>
-              <a:t>automatically</a:t>
-            </a:r>
-            <a:r>
-              <a:rPr lang="fr-FR" sz="1400" dirty="0">
-                <a:solidFill>
-                  <a:srgbClr val="FF0000"/>
-                </a:solidFill>
-              </a:rPr>
-              <a:t> </a:t>
-            </a:r>
-            <a:r>
-              <a:rPr lang="fr-FR" sz="1400" dirty="0" err="1">
-                <a:solidFill>
-                  <a:srgbClr val="FF0000"/>
-                </a:solidFill>
-              </a:rPr>
-              <a:t>generates</a:t>
-            </a:r>
-            <a:r>
-              <a:rPr lang="fr-FR" sz="1400" dirty="0">
-                <a:solidFill>
-                  <a:srgbClr val="FF0000"/>
-                </a:solidFill>
-              </a:rPr>
-              <a:t> : </a:t>
-            </a:r>
-          </a:p>
-        </p:txBody>
-      </p:sp>
-      <p:sp>
-        <p:nvSpPr>
-          <p:cNvPr id="12" name="Rectangle 11"/>
-          <p:cNvSpPr/>
-          <p:nvPr/>
-        </p:nvSpPr>
-        <p:spPr>
-          <a:xfrm>
-            <a:off x="5422605" y="531628"/>
-            <a:ext cx="3721395" cy="2232837"/>
-          </a:xfrm>
-          <a:prstGeom prst="rect">
-            <a:avLst/>
-          </a:prstGeom>
-          <a:noFill/>
-          <a:ln>
-            <a:solidFill>
-              <a:schemeClr val="tx1"/>
-            </a:solidFill>
-          </a:ln>
-        </p:spPr>
-        <p:style>
-          <a:lnRef idx="2">
-            <a:schemeClr val="accent1">
-              <a:shade val="50000"/>
-            </a:schemeClr>
-          </a:lnRef>
-          <a:fillRef idx="1">
-            <a:schemeClr val="accent1"/>
-          </a:fillRef>
-          <a:effectRef idx="0">
-            <a:schemeClr val="accent1"/>
-          </a:effectRef>
-          <a:fontRef idx="minor">
-            <a:schemeClr val="lt1"/>
-          </a:fontRef>
-        </p:style>
-        <p:txBody>
-          <a:bodyPr rtlCol="0" anchor="ctr"/>
-          <a:lstStyle/>
-          <a:p>
-            <a:pPr algn="ctr"/>
-            <a:endParaRPr lang="fr-FR" dirty="0"/>
-          </a:p>
-        </p:txBody>
-      </p:sp>
-      <p:sp>
-        <p:nvSpPr>
-          <p:cNvPr id="13" name="Rectangle 12"/>
-          <p:cNvSpPr/>
-          <p:nvPr/>
-        </p:nvSpPr>
-        <p:spPr>
-          <a:xfrm>
-            <a:off x="5433237" y="3405963"/>
-            <a:ext cx="3710763" cy="2931042"/>
-          </a:xfrm>
-          <a:prstGeom prst="rect">
-            <a:avLst/>
-          </a:prstGeom>
-          <a:noFill/>
-          <a:ln>
-            <a:solidFill>
-              <a:schemeClr val="tx1"/>
-            </a:solidFill>
-          </a:ln>
-        </p:spPr>
-        <p:style>
-          <a:lnRef idx="2">
-            <a:schemeClr val="accent1">
-              <a:shade val="50000"/>
-            </a:schemeClr>
-          </a:lnRef>
-          <a:fillRef idx="1">
-            <a:schemeClr val="accent1"/>
-          </a:fillRef>
-          <a:effectRef idx="0">
-            <a:schemeClr val="accent1"/>
-          </a:effectRef>
-          <a:fontRef idx="minor">
-            <a:schemeClr val="lt1"/>
-          </a:fontRef>
-        </p:style>
-        <p:txBody>
-          <a:bodyPr rtlCol="0" anchor="ctr"/>
-          <a:lstStyle/>
-          <a:p>
-            <a:pPr algn="ctr"/>
-            <a:endParaRPr lang="fr-FR" dirty="0"/>
-          </a:p>
-        </p:txBody>
-      </p:sp>
-    </p:spTree>
-    <p:extLst>
-      <p:ext uri="{BB962C8B-B14F-4D97-AF65-F5344CB8AC3E}">
-        <p14:creationId xmlns:p14="http://schemas.microsoft.com/office/powerpoint/2010/main" val="2526031973"/>
-      </p:ext>
-    </p:extLst>
-  </p:cSld>
-  <p:clrMapOvr>
-    <a:masterClrMapping/>
-  </p:clrMapOvr>
-</p:sld>
-</file>
-
 <file path=ppt/slides/slide3.xml><?xml version="1.0" encoding="utf-8"?>
 <p:sld xmlns:a="http://schemas.openxmlformats.org/drawingml/2006/main" xmlns:r="http://schemas.openxmlformats.org/officeDocument/2006/relationships" xmlns:p="http://schemas.openxmlformats.org/presentationml/2006/main">
   <p:cSld>
@@ -13645,126 +12166,65 @@
           </a:p>
         </p:txBody>
       </p:sp>
-      <p:sp>
-        <p:nvSpPr>
-          <p:cNvPr id="7" name="ZoneTexte 6"/>
-          <p:cNvSpPr txBox="1"/>
+      <p:pic>
+        <p:nvPicPr>
+          <p:cNvPr id="8" name="Image 7"/>
+          <p:cNvPicPr>
+            <a:picLocks noChangeAspect="1"/>
+          </p:cNvPicPr>
           <p:nvPr/>
-        </p:nvSpPr>
+        </p:nvPicPr>
+        <p:blipFill rotWithShape="1">
+          <a:blip r:embed="rId2">
+            <a:extLst>
+              <a:ext uri="{28A0092B-C50C-407E-A947-70E740481C1C}">
+                <a14:useLocalDpi xmlns:a14="http://schemas.microsoft.com/office/drawing/2010/main" val="0"/>
+              </a:ext>
+            </a:extLst>
+          </a:blip>
+          <a:srcRect r="33619"/>
+          <a:stretch/>
+        </p:blipFill>
         <p:spPr>
           <a:xfrm>
-            <a:off x="1685927" y="2524601"/>
-            <a:ext cx="3457575" cy="640515"/>
+            <a:off x="1322430" y="5477802"/>
+            <a:ext cx="2689397" cy="788644"/>
           </a:xfrm>
           <a:prstGeom prst="rect">
             <a:avLst/>
           </a:prstGeom>
         </p:spPr>
-        <p:style>
-          <a:lnRef idx="0">
-            <a:schemeClr val="accent6"/>
-          </a:lnRef>
-          <a:fillRef idx="3">
-            <a:schemeClr val="accent6"/>
-          </a:fillRef>
-          <a:effectRef idx="3">
-            <a:schemeClr val="accent6"/>
-          </a:effectRef>
-          <a:fontRef idx="minor">
-            <a:schemeClr val="lt1"/>
-          </a:fontRef>
-        </p:style>
-        <p:txBody>
-          <a:bodyPr wrap="square" lIns="180000" tIns="180000" rIns="180000" bIns="180000" rtlCol="0">
-            <a:spAutoFit/>
-          </a:bodyPr>
-          <a:lstStyle/>
-          <a:p>
-            <a:r>
-              <a:rPr lang="fr-FR" dirty="0"/>
-              <a:t>&lt;script </a:t>
-            </a:r>
-            <a:r>
-              <a:rPr lang="fr-FR" dirty="0" err="1"/>
-              <a:t>src</a:t>
-            </a:r>
-            <a:r>
-              <a:rPr lang="fr-FR" dirty="0"/>
-              <a:t>="angular.js"&gt;&lt;/script&gt;</a:t>
-            </a:r>
-          </a:p>
-        </p:txBody>
-      </p:sp>
-      <p:sp>
-        <p:nvSpPr>
-          <p:cNvPr id="10" name="ZoneTexte 9"/>
-          <p:cNvSpPr txBox="1"/>
+      </p:pic>
+      <p:pic>
+        <p:nvPicPr>
+          <p:cNvPr id="9" name="Image 8"/>
+          <p:cNvPicPr>
+            <a:picLocks noChangeAspect="1"/>
+          </p:cNvPicPr>
           <p:nvPr/>
-        </p:nvSpPr>
+        </p:nvPicPr>
+        <p:blipFill>
+          <a:blip r:embed="rId3">
+            <a:extLst>
+              <a:ext uri="{28A0092B-C50C-407E-A947-70E740481C1C}">
+                <a14:useLocalDpi xmlns:a14="http://schemas.microsoft.com/office/drawing/2010/main" val="0"/>
+              </a:ext>
+            </a:extLst>
+          </a:blip>
+          <a:stretch>
+            <a:fillRect/>
+          </a:stretch>
+        </p:blipFill>
         <p:spPr>
           <a:xfrm>
-            <a:off x="5143502" y="4620101"/>
-            <a:ext cx="3457575" cy="1194512"/>
+            <a:off x="1208002" y="2517405"/>
+            <a:ext cx="6792238" cy="769491"/>
           </a:xfrm>
           <a:prstGeom prst="rect">
             <a:avLst/>
           </a:prstGeom>
         </p:spPr>
-        <p:style>
-          <a:lnRef idx="0">
-            <a:schemeClr val="accent6"/>
-          </a:lnRef>
-          <a:fillRef idx="3">
-            <a:schemeClr val="accent6"/>
-          </a:fillRef>
-          <a:effectRef idx="3">
-            <a:schemeClr val="accent6"/>
-          </a:effectRef>
-          <a:fontRef idx="minor">
-            <a:schemeClr val="lt1"/>
-          </a:fontRef>
-        </p:style>
-        <p:txBody>
-          <a:bodyPr wrap="square" lIns="180000" tIns="180000" rIns="180000" bIns="180000" rtlCol="0">
-            <a:spAutoFit/>
-          </a:bodyPr>
-          <a:lstStyle/>
-          <a:p>
-            <a:r>
-              <a:rPr lang="fr-FR" dirty="0"/>
-              <a:t>&lt;body </a:t>
-            </a:r>
-            <a:r>
-              <a:rPr lang="fr-FR" dirty="0" err="1"/>
-              <a:t>ng-app</a:t>
-            </a:r>
-            <a:r>
-              <a:rPr lang="fr-FR" dirty="0"/>
-              <a:t>="</a:t>
-            </a:r>
-            <a:r>
-              <a:rPr lang="fr-FR" dirty="0" err="1"/>
-              <a:t>app</a:t>
-            </a:r>
-            <a:r>
-              <a:rPr lang="fr-FR" dirty="0"/>
-              <a:t>"&gt;</a:t>
-            </a:r>
-          </a:p>
-          <a:p>
-            <a:r>
-              <a:rPr lang="fr-FR" dirty="0"/>
-              <a:t>…</a:t>
-            </a:r>
-          </a:p>
-          <a:p>
-            <a:r>
-              <a:rPr lang="fr-FR" dirty="0"/>
-              <a:t>&lt;/body&gt;</a:t>
-            </a:r>
-          </a:p>
-        </p:txBody>
-      </p:sp>
+      </p:pic>
     </p:spTree>
     <p:extLst>
       <p:ext uri="{BB962C8B-B14F-4D97-AF65-F5344CB8AC3E}">
@@ -13775,6 +12235,13 @@
   <p:clrMapOvr>
     <a:masterClrMapping/>
   </p:clrMapOvr>
+  <p:timing>
+    <p:tnLst>
+      <p:par>
+        <p:cTn id="1" dur="indefinite" restart="never" nodeType="tmRoot"/>
+      </p:par>
+    </p:tnLst>
+  </p:timing>
 </p:sld>
 </file>
 
@@ -13810,9 +12277,21 @@
           <a:bodyPr/>
           <a:lstStyle/>
           <a:p>
+            <a:pPr>
+              <a:buFont typeface="Arial" pitchFamily="34" charset="0"/>
+              <a:buChar char="•"/>
+            </a:pPr>
+            <a:r>
+              <a:rPr lang="fr-FR" dirty="0" err="1" smtClean="0"/>
+              <a:t>Angular</a:t>
+            </a:r>
+            <a:r>
+              <a:rPr lang="fr-FR" dirty="0" smtClean="0"/>
+              <a:t> </a:t>
+            </a:r>
             <a:r>
               <a:rPr lang="fr-FR" dirty="0"/>
-              <a:t>EXPRESSIONS</a:t>
+              <a:t>interprète les templates, ce qui permet d'écrire de l'HTML contenant des expressions dynamiques  :</a:t>
             </a:r>
           </a:p>
           <a:p>
@@ -13820,10 +12299,7 @@
               <a:buFont typeface="Arial" pitchFamily="34" charset="0"/>
               <a:buChar char="•"/>
             </a:pPr>
-            <a:r>
-              <a:rPr lang="fr-FR" dirty="0"/>
-              <a:t>Angular interprète les templates, ce qui permet d'écrire de l'HTML contenant des expressions dynamiques  :</a:t>
-            </a:r>
+            <a:endParaRPr lang="fr-FR" dirty="0" smtClean="0"/>
           </a:p>
           <a:p>
             <a:pPr lvl="1">
@@ -13837,20 +12313,14 @@
               <a:buFont typeface="Arial" pitchFamily="34" charset="0"/>
               <a:buChar char="•"/>
             </a:pPr>
-            <a:r>
-              <a:rPr lang="fr-FR" dirty="0"/>
-              <a:t>&lt;h1&gt;{{ 1+1 }}&lt;/h1&gt; // 2</a:t>
-            </a:r>
+            <a:endParaRPr lang="fr-FR" dirty="0"/>
           </a:p>
           <a:p>
             <a:pPr lvl="1">
               <a:buFont typeface="Arial" pitchFamily="34" charset="0"/>
               <a:buChar char="•"/>
             </a:pPr>
-            <a:r>
-              <a:rPr lang="fr-FR" dirty="0"/>
-              <a:t>&lt;h1&gt;{{ "Hello " + "world !!!" }}&lt;/h1&gt; // Hello world</a:t>
-            </a:r>
+            <a:endParaRPr lang="fr-FR" dirty="0" smtClean="0"/>
           </a:p>
           <a:p>
             <a:pPr lvl="1">
@@ -13860,13 +12330,33 @@
             <a:endParaRPr lang="fr-FR" dirty="0"/>
           </a:p>
           <a:p>
+            <a:pPr marL="473075" lvl="1" indent="0">
+              <a:buNone/>
+            </a:pPr>
+            <a:endParaRPr lang="fr-FR" dirty="0"/>
+          </a:p>
+          <a:p>
+            <a:pPr>
+              <a:buFont typeface="Arial" pitchFamily="34" charset="0"/>
+              <a:buChar char="•"/>
+            </a:pPr>
+            <a:r>
+              <a:rPr lang="fr-FR" dirty="0"/>
+              <a:t>Les expressions pardonnent les null ou undefined :</a:t>
+            </a:r>
+          </a:p>
+          <a:p>
             <a:pPr lvl="1">
               <a:buFont typeface="Arial" pitchFamily="34" charset="0"/>
               <a:buChar char="•"/>
             </a:pPr>
             <a:r>
               <a:rPr lang="fr-FR" dirty="0"/>
-              <a:t>Les expressions pardonnent les null ou undefined :</a:t>
+              <a:t>une chaîne de caractères vide sera </a:t>
+            </a:r>
+            <a:r>
+              <a:rPr lang="fr-FR" dirty="0" smtClean="0"/>
+              <a:t>affichée</a:t>
             </a:r>
           </a:p>
           <a:p>
@@ -13874,9 +12364,15 @@
               <a:buFont typeface="Arial" pitchFamily="34" charset="0"/>
               <a:buChar char="•"/>
             </a:pPr>
-            <a:r>
-              <a:rPr lang="fr-FR" dirty="0"/>
-              <a:t>une chaîne de caractères vide sera affichée</a:t>
+            <a:endParaRPr lang="fr-FR" dirty="0"/>
+          </a:p>
+          <a:p>
+            <a:pPr lvl="6">
+              <a:buNone/>
+            </a:pPr>
+            <a:r>
+              <a:rPr lang="fr-FR" dirty="0" smtClean="0"/>
+              <a:t>				= </a:t>
             </a:r>
             <a:endParaRPr lang="en-US" dirty="0"/>
           </a:p>
@@ -13897,6 +12393,10 @@
           <a:bodyPr/>
           <a:lstStyle/>
           <a:p>
+            <a:r>
+              <a:rPr lang="en-US" dirty="0" smtClean="0"/>
+              <a:t>Templates et expressions</a:t>
+            </a:r>
             <a:endParaRPr lang="en-US" dirty="0"/>
           </a:p>
         </p:txBody>
@@ -13963,11 +12463,137 @@
           </a:p>
         </p:txBody>
       </p:sp>
+      <p:pic>
+        <p:nvPicPr>
+          <p:cNvPr id="9" name="Image 8"/>
+          <p:cNvPicPr>
+            <a:picLocks noChangeAspect="1"/>
+          </p:cNvPicPr>
+          <p:nvPr/>
+        </p:nvPicPr>
+        <p:blipFill>
+          <a:blip r:embed="rId2">
+            <a:extLst>
+              <a:ext uri="{28A0092B-C50C-407E-A947-70E740481C1C}">
+                <a14:useLocalDpi xmlns:a14="http://schemas.microsoft.com/office/drawing/2010/main" val="0"/>
+              </a:ext>
+            </a:extLst>
+          </a:blip>
+          <a:stretch>
+            <a:fillRect/>
+          </a:stretch>
+        </p:blipFill>
+        <p:spPr>
+          <a:xfrm>
+            <a:off x="1285875" y="3386351"/>
+            <a:ext cx="3524250" cy="514350"/>
+          </a:xfrm>
+          <a:prstGeom prst="rect">
+            <a:avLst/>
+          </a:prstGeom>
+        </p:spPr>
+      </p:pic>
+      <p:pic>
+        <p:nvPicPr>
+          <p:cNvPr id="10" name="Image 9"/>
+          <p:cNvPicPr>
+            <a:picLocks noChangeAspect="1"/>
+          </p:cNvPicPr>
+          <p:nvPr/>
+        </p:nvPicPr>
+        <p:blipFill rotWithShape="1">
+          <a:blip r:embed="rId3">
+            <a:extLst>
+              <a:ext uri="{28A0092B-C50C-407E-A947-70E740481C1C}">
+                <a14:useLocalDpi xmlns:a14="http://schemas.microsoft.com/office/drawing/2010/main" val="0"/>
+              </a:ext>
+            </a:extLst>
+          </a:blip>
+          <a:srcRect r="11630"/>
+          <a:stretch/>
+        </p:blipFill>
+        <p:spPr>
+          <a:xfrm>
+            <a:off x="1225121" y="2459164"/>
+            <a:ext cx="3585776" cy="904875"/>
+          </a:xfrm>
+          <a:prstGeom prst="rect">
+            <a:avLst/>
+          </a:prstGeom>
+        </p:spPr>
+      </p:pic>
+      <p:pic>
+        <p:nvPicPr>
+          <p:cNvPr id="11" name="Image 10"/>
+          <p:cNvPicPr>
+            <a:picLocks noChangeAspect="1"/>
+          </p:cNvPicPr>
+          <p:nvPr/>
+        </p:nvPicPr>
+        <p:blipFill>
+          <a:blip r:embed="rId4">
+            <a:extLst>
+              <a:ext uri="{28A0092B-C50C-407E-A947-70E740481C1C}">
+                <a14:useLocalDpi xmlns:a14="http://schemas.microsoft.com/office/drawing/2010/main" val="0"/>
+              </a:ext>
+            </a:extLst>
+          </a:blip>
+          <a:stretch>
+            <a:fillRect/>
+          </a:stretch>
+        </p:blipFill>
+        <p:spPr>
+          <a:xfrm>
+            <a:off x="1373405" y="5195114"/>
+            <a:ext cx="2647950" cy="495300"/>
+          </a:xfrm>
+          <a:prstGeom prst="rect">
+            <a:avLst/>
+          </a:prstGeom>
+        </p:spPr>
+      </p:pic>
+      <p:pic>
+        <p:nvPicPr>
+          <p:cNvPr id="12" name="Image 11"/>
+          <p:cNvPicPr>
+            <a:picLocks noChangeAspect="1"/>
+          </p:cNvPicPr>
+          <p:nvPr/>
+        </p:nvPicPr>
+        <p:blipFill>
+          <a:blip r:embed="rId5">
+            <a:extLst>
+              <a:ext uri="{28A0092B-C50C-407E-A947-70E740481C1C}">
+                <a14:useLocalDpi xmlns:a14="http://schemas.microsoft.com/office/drawing/2010/main" val="0"/>
+              </a:ext>
+            </a:extLst>
+          </a:blip>
+          <a:stretch>
+            <a:fillRect/>
+          </a:stretch>
+        </p:blipFill>
+        <p:spPr>
+          <a:xfrm>
+            <a:off x="4322688" y="5256510"/>
+            <a:ext cx="2619731" cy="376238"/>
+          </a:xfrm>
+          <a:prstGeom prst="rect">
+            <a:avLst/>
+          </a:prstGeom>
+        </p:spPr>
+      </p:pic>
     </p:spTree>
   </p:cSld>
   <p:clrMapOvr>
     <a:masterClrMapping/>
   </p:clrMapOvr>
+  <p:timing>
+    <p:tnLst>
+      <p:par>
+        <p:cTn id="1" dur="indefinite" restart="never" nodeType="tmRoot"/>
+      </p:par>
+    </p:tnLst>
+  </p:timing>
 </p:sld>
 </file>
 
@@ -14004,14 +12630,12 @@
           <a:lstStyle/>
           <a:p>
             <a:r>
+              <a:rPr lang="fr-FR" dirty="0" smtClean="0"/>
+              <a:t>Les </a:t>
+            </a:r>
+            <a:r>
               <a:rPr lang="fr-FR" dirty="0"/>
-              <a:t>RÈGLES</a:t>
-            </a:r>
-          </a:p>
-          <a:p>
-            <a:r>
-              <a:rPr lang="fr-FR" dirty="0"/>
-              <a:t>Les variables des expressions sont évaluées </a:t>
+              <a:t>variables des expressions sont évaluées </a:t>
             </a:r>
             <a:br>
               <a:rPr lang="fr-FR" dirty="0"/>
@@ -14065,7 +12689,11 @@
           <a:bodyPr/>
           <a:lstStyle/>
           <a:p>
-            <a:endParaRPr lang="en-US"/>
+            <a:r>
+              <a:rPr lang="en-US" dirty="0" smtClean="0"/>
+              <a:t>Templates et expressions</a:t>
+            </a:r>
+            <a:endParaRPr lang="en-US" dirty="0"/>
           </a:p>
         </p:txBody>
       </p:sp>
@@ -14127,7 +12755,11 @@
           <a:bodyPr/>
           <a:lstStyle/>
           <a:p>
-            <a:endParaRPr lang="en-US"/>
+            <a:r>
+              <a:rPr lang="fr-FR" dirty="0" smtClean="0"/>
+              <a:t>RÈGLES</a:t>
+            </a:r>
+            <a:endParaRPr lang="fr-FR" dirty="0"/>
           </a:p>
         </p:txBody>
       </p:sp>
@@ -14136,6 +12768,13 @@
   <p:clrMapOvr>
     <a:masterClrMapping/>
   </p:clrMapOvr>
+  <p:timing>
+    <p:tnLst>
+      <p:par>
+        <p:cTn id="1" dur="indefinite" restart="never" nodeType="tmRoot"/>
+      </p:par>
+    </p:tnLst>
+  </p:timing>
 </p:sld>
 </file>
 
@@ -14172,123 +12811,148 @@
           <a:lstStyle/>
           <a:p>
             <a:r>
+              <a:rPr lang="en-US" dirty="0" smtClean="0"/>
+              <a:t>Le </a:t>
+            </a:r>
+            <a:r>
+              <a:rPr lang="en-US" dirty="0"/>
+              <a:t>double data-binding </a:t>
+            </a:r>
+            <a:r>
+              <a:rPr lang="en-US" dirty="0" err="1"/>
+              <a:t>d'Angular</a:t>
+            </a:r>
+            <a:r>
+              <a:rPr lang="en-US" dirty="0"/>
+              <a:t> </a:t>
+            </a:r>
+            <a:r>
+              <a:rPr lang="en-US" dirty="0" err="1"/>
+              <a:t>permet</a:t>
+            </a:r>
+            <a:r>
+              <a:rPr lang="en-US" dirty="0"/>
+              <a:t> de </a:t>
+            </a:r>
+            <a:r>
+              <a:rPr lang="en-US" dirty="0" err="1"/>
+              <a:t>maintenir</a:t>
+            </a:r>
+            <a:r>
+              <a:rPr lang="en-US" dirty="0"/>
+              <a:t> le </a:t>
+            </a:r>
+            <a:r>
+              <a:rPr lang="en-US" dirty="0" err="1"/>
+              <a:t>modèle</a:t>
+            </a:r>
+            <a:r>
+              <a:rPr lang="en-US" dirty="0"/>
+              <a:t> en accord avec la </a:t>
+            </a:r>
+            <a:r>
+              <a:rPr lang="en-US" dirty="0" err="1"/>
+              <a:t>vue</a:t>
+            </a:r>
+            <a:r>
+              <a:rPr lang="en-US" dirty="0"/>
+              <a:t> et vice-versa.</a:t>
+            </a:r>
+          </a:p>
+          <a:p>
+            <a:endParaRPr lang="en-US" dirty="0"/>
+          </a:p>
+          <a:p>
+            <a:endParaRPr lang="en-US" dirty="0" smtClean="0"/>
+          </a:p>
+          <a:p>
+            <a:r>
+              <a:rPr lang="en-US" dirty="0" err="1" smtClean="0"/>
+              <a:t>Dès</a:t>
+            </a:r>
+            <a:r>
+              <a:rPr lang="en-US" dirty="0" smtClean="0"/>
+              <a:t> que le </a:t>
+            </a:r>
+            <a:r>
+              <a:rPr lang="en-US" dirty="0" err="1" smtClean="0"/>
+              <a:t>modèle</a:t>
+            </a:r>
+            <a:r>
+              <a:rPr lang="en-US" dirty="0" smtClean="0"/>
+              <a:t> change (modification par </a:t>
+            </a:r>
+            <a:r>
+              <a:rPr lang="en-US" dirty="0" err="1" smtClean="0"/>
+              <a:t>l’utilisateur</a:t>
+            </a:r>
+            <a:r>
+              <a:rPr lang="en-US" dirty="0" smtClean="0"/>
+              <a:t>, retour de </a:t>
+            </a:r>
+            <a:r>
+              <a:rPr lang="en-US" dirty="0" err="1" smtClean="0"/>
+              <a:t>requête</a:t>
+            </a:r>
+            <a:r>
+              <a:rPr lang="en-US" dirty="0" smtClean="0"/>
+              <a:t> AJAX, …) la </a:t>
+            </a:r>
+            <a:r>
+              <a:rPr lang="en-US" dirty="0" err="1" smtClean="0"/>
+              <a:t>vue</a:t>
+            </a:r>
+            <a:r>
+              <a:rPr lang="en-US" dirty="0" smtClean="0"/>
+              <a:t> </a:t>
+            </a:r>
+            <a:r>
+              <a:rPr lang="en-US" dirty="0" err="1" smtClean="0"/>
+              <a:t>est</a:t>
+            </a:r>
+            <a:r>
+              <a:rPr lang="en-US" dirty="0" smtClean="0"/>
+              <a:t> </a:t>
+            </a:r>
+            <a:r>
+              <a:rPr lang="en-US" dirty="0" err="1" smtClean="0"/>
+              <a:t>automatiquement</a:t>
+            </a:r>
+            <a:r>
+              <a:rPr lang="en-US" dirty="0" smtClean="0"/>
+              <a:t> </a:t>
+            </a:r>
+            <a:r>
+              <a:rPr lang="en-US" dirty="0" err="1" smtClean="0"/>
+              <a:t>mise</a:t>
+            </a:r>
+            <a:r>
+              <a:rPr lang="en-US" dirty="0" smtClean="0"/>
+              <a:t> à jour</a:t>
+            </a:r>
+            <a:endParaRPr lang="en-US" dirty="0"/>
+          </a:p>
+        </p:txBody>
+      </p:sp>
+      <p:sp>
+        <p:nvSpPr>
+          <p:cNvPr id="3" name="Titre 2"/>
+          <p:cNvSpPr>
+            <a:spLocks noGrp="1"/>
+          </p:cNvSpPr>
+          <p:nvPr>
+            <p:ph type="title"/>
+          </p:nvPr>
+        </p:nvSpPr>
+        <p:spPr/>
+        <p:txBody>
+          <a:bodyPr/>
+          <a:lstStyle/>
+          <a:p>
+            <a:r>
               <a:rPr lang="en-US" dirty="0"/>
               <a:t>BINDING</a:t>
             </a:r>
-          </a:p>
-          <a:p>
-            <a:r>
-              <a:rPr lang="en-US" dirty="0"/>
-              <a:t>Le double data-binding </a:t>
-            </a:r>
-            <a:r>
-              <a:rPr lang="en-US" dirty="0" err="1"/>
-              <a:t>d'Angular</a:t>
-            </a:r>
-            <a:r>
-              <a:rPr lang="en-US" dirty="0"/>
-              <a:t> </a:t>
-            </a:r>
-            <a:r>
-              <a:rPr lang="en-US" dirty="0" err="1"/>
-              <a:t>permet</a:t>
-            </a:r>
-            <a:r>
-              <a:rPr lang="en-US" dirty="0"/>
-              <a:t> de </a:t>
-            </a:r>
-            <a:r>
-              <a:rPr lang="en-US" dirty="0" err="1"/>
-              <a:t>maintenir</a:t>
-            </a:r>
-            <a:r>
-              <a:rPr lang="en-US" dirty="0"/>
-              <a:t> le </a:t>
-            </a:r>
-            <a:r>
-              <a:rPr lang="en-US" dirty="0" err="1"/>
-              <a:t>modèle</a:t>
-            </a:r>
-            <a:r>
-              <a:rPr lang="en-US" dirty="0"/>
-              <a:t> en accord avec la </a:t>
-            </a:r>
-            <a:r>
-              <a:rPr lang="en-US" dirty="0" err="1"/>
-              <a:t>vue</a:t>
-            </a:r>
-            <a:r>
-              <a:rPr lang="en-US" dirty="0"/>
-              <a:t> et vice-versa.</a:t>
-            </a:r>
-          </a:p>
-          <a:p>
-            <a:endParaRPr lang="en-US" dirty="0"/>
-          </a:p>
-          <a:p>
-            <a:endParaRPr lang="en-US" dirty="0"/>
-          </a:p>
-          <a:p>
-            <a:r>
-              <a:rPr lang="en-US" dirty="0"/>
-              <a:t>En </a:t>
-            </a:r>
-            <a:r>
-              <a:rPr lang="en-US" dirty="0" err="1"/>
-              <a:t>préférant</a:t>
-            </a:r>
-            <a:r>
-              <a:rPr lang="en-US" dirty="0"/>
-              <a:t> la 'dot notation' avec </a:t>
-            </a:r>
-            <a:r>
-              <a:rPr lang="en-US" dirty="0" err="1"/>
-              <a:t>l'expression</a:t>
-            </a:r>
-            <a:r>
-              <a:rPr lang="en-US" dirty="0"/>
-              <a:t> </a:t>
-            </a:r>
-            <a:r>
-              <a:rPr lang="en-US" dirty="0" err="1"/>
-              <a:t>évaluée</a:t>
-            </a:r>
-            <a:r>
-              <a:rPr lang="en-US" dirty="0"/>
-              <a:t> </a:t>
-            </a:r>
-            <a:r>
-              <a:rPr lang="en-US" dirty="0" err="1"/>
-              <a:t>dans</a:t>
-            </a:r>
-            <a:r>
-              <a:rPr lang="en-US" dirty="0"/>
-              <a:t> la </a:t>
-            </a:r>
-            <a:r>
-              <a:rPr lang="en-US" dirty="0" err="1"/>
-              <a:t>classe</a:t>
-            </a:r>
-            <a:endParaRPr lang="en-US" dirty="0"/>
-          </a:p>
-        </p:txBody>
-      </p:sp>
-      <p:sp>
-        <p:nvSpPr>
-          <p:cNvPr id="3" name="Titre 2"/>
-          <p:cNvSpPr>
-            <a:spLocks noGrp="1"/>
-          </p:cNvSpPr>
-          <p:nvPr>
-            <p:ph type="title"/>
-          </p:nvPr>
-        </p:nvSpPr>
-        <p:spPr/>
-        <p:txBody>
-          <a:bodyPr/>
-          <a:lstStyle/>
-          <a:p>
-            <a:endParaRPr lang="en-US"/>
           </a:p>
         </p:txBody>
       </p:sp>
@@ -14371,41 +13035,8 @@
         </p:blipFill>
         <p:spPr bwMode="auto">
           <a:xfrm>
-            <a:off x="1509713" y="2924175"/>
+            <a:off x="1507430" y="2438143"/>
             <a:ext cx="6105525" cy="609600"/>
-          </a:xfrm>
-          <a:prstGeom prst="rect">
-            <a:avLst/>
-          </a:prstGeom>
-          <a:noFill/>
-          <a:ln w="9525">
-            <a:noFill/>
-            <a:miter lim="800000"/>
-            <a:headEnd/>
-            <a:tailEnd/>
-          </a:ln>
-          <a:effectLst/>
-        </p:spPr>
-      </p:pic>
-      <p:pic>
-        <p:nvPicPr>
-          <p:cNvPr id="2051" name="Picture 3"/>
-          <p:cNvPicPr>
-            <a:picLocks noChangeAspect="1" noChangeArrowheads="1"/>
-          </p:cNvPicPr>
-          <p:nvPr/>
-        </p:nvPicPr>
-        <p:blipFill>
-          <a:blip r:embed="rId3"/>
-          <a:srcRect/>
-          <a:stretch>
-            <a:fillRect/>
-          </a:stretch>
-        </p:blipFill>
-        <p:spPr bwMode="auto">
-          <a:xfrm>
-            <a:off x="1485900" y="4567238"/>
-            <a:ext cx="5867400" cy="581025"/>
           </a:xfrm>
           <a:prstGeom prst="rect">
             <a:avLst/>
@@ -14425,6 +13056,13 @@
   <p:clrMapOvr>
     <a:masterClrMapping/>
   </p:clrMapOvr>
+  <p:timing>
+    <p:tnLst>
+      <p:par>
+        <p:cTn id="1" dur="indefinite" restart="never" nodeType="tmRoot"/>
+      </p:par>
+    </p:tnLst>
+  </p:timing>
 </p:sld>
 </file>
 
@@ -14447,6 +13085,25 @@
       </p:grpSpPr>
       <p:sp>
         <p:nvSpPr>
+          <p:cNvPr id="2" name="Espace réservé du contenu 1"/>
+          <p:cNvSpPr>
+            <a:spLocks noGrp="1"/>
+          </p:cNvSpPr>
+          <p:nvPr>
+            <p:ph idx="1"/>
+          </p:nvPr>
+        </p:nvSpPr>
+        <p:spPr/>
+        <p:txBody>
+          <a:bodyPr/>
+          <a:lstStyle/>
+          <a:p>
+            <a:endParaRPr lang="en-US"/>
+          </a:p>
+        </p:txBody>
+      </p:sp>
+      <p:sp>
+        <p:nvSpPr>
           <p:cNvPr id="3" name="Titre 2"/>
           <p:cNvSpPr>
             <a:spLocks noGrp="1"/>
@@ -14460,25 +13117,13 @@
           <a:bodyPr/>
           <a:lstStyle/>
           <a:p>
-            <a:r>
-              <a:rPr lang="fr-FR" dirty="0" err="1"/>
-              <a:t>Bindings</a:t>
-            </a:r>
-            <a:r>
-              <a:rPr lang="fr-FR" dirty="0"/>
-              <a:t> </a:t>
-            </a:r>
-            <a:r>
-              <a:rPr lang="fr-FR" dirty="0" err="1"/>
-              <a:t>exercise</a:t>
-            </a:r>
-            <a:endParaRPr lang="en-GB" dirty="0"/>
-          </a:p>
-        </p:txBody>
-      </p:sp>
-      <p:sp>
-        <p:nvSpPr>
-          <p:cNvPr id="2" name="Espace réservé du pied de page 1"/>
+            <a:endParaRPr lang="en-US"/>
+          </a:p>
+        </p:txBody>
+      </p:sp>
+      <p:sp>
+        <p:nvSpPr>
+          <p:cNvPr id="4" name="Espace réservé du pied de page 3"/>
           <p:cNvSpPr>
             <a:spLocks noGrp="1"/>
           </p:cNvSpPr>
@@ -14491,10 +13136,6 @@
           <a:bodyPr/>
           <a:lstStyle/>
           <a:p>
-            <a:r>
-              <a:rPr lang="fr-FR"/>
-              <a:t>Nom de la présentation</a:t>
-            </a:r>
             <a:endParaRPr lang="fr-FR" dirty="0"/>
           </a:p>
         </p:txBody>
@@ -14518,197 +13159,6 @@
               <a:rPr lang="fr-FR" smtClean="0"/>
               <a:pPr/>
               <a:t>7</a:t>
-            </a:fld>
-            <a:endParaRPr lang="fr-FR" dirty="0"/>
-          </a:p>
-        </p:txBody>
-      </p:sp>
-      <p:pic>
-        <p:nvPicPr>
-          <p:cNvPr id="8" name="Espace réservé pour une image  9" descr="Fotolia_42179448_S.jpg"/>
-          <p:cNvPicPr>
-            <a:picLocks noGrp="1" noChangeAspect="1"/>
-          </p:cNvPicPr>
-          <p:nvPr>
-            <p:ph type="pic" sz="quarter" idx="13"/>
-          </p:nvPr>
-        </p:nvPicPr>
-        <p:blipFill>
-          <a:blip r:embed="rId3"/>
-          <a:srcRect l="5409" r="5409"/>
-          <a:stretch>
-            <a:fillRect/>
-          </a:stretch>
-        </p:blipFill>
-        <p:spPr/>
-      </p:pic>
-      <p:sp>
-        <p:nvSpPr>
-          <p:cNvPr id="13" name="Espace réservé du contenu 12"/>
-          <p:cNvSpPr>
-            <a:spLocks noGrp="1"/>
-          </p:cNvSpPr>
-          <p:nvPr>
-            <p:ph idx="1"/>
-          </p:nvPr>
-        </p:nvSpPr>
-        <p:spPr/>
-        <p:txBody>
-          <a:bodyPr/>
-          <a:lstStyle/>
-          <a:p>
-            <a:r>
-              <a:rPr lang="en-GB" dirty="0"/>
-              <a:t>Exercise 1:</a:t>
-            </a:r>
-          </a:p>
-          <a:p>
-            <a:pPr lvl="1"/>
-            <a:r>
-              <a:rPr lang="en-GB" dirty="0"/>
-              <a:t>Hello world  binding </a:t>
-            </a:r>
-            <a:r>
-              <a:rPr lang="en-GB" dirty="0" err="1"/>
-              <a:t>ng</a:t>
-            </a:r>
-            <a:r>
-              <a:rPr lang="en-GB" dirty="0"/>
-              <a:t>-app</a:t>
-            </a:r>
-          </a:p>
-          <a:p>
-            <a:r>
-              <a:rPr lang="en-GB" dirty="0"/>
-              <a:t>Exercise 2:</a:t>
-            </a:r>
-          </a:p>
-          <a:p>
-            <a:pPr lvl="1"/>
-            <a:r>
-              <a:rPr lang="en-GB" dirty="0"/>
-              <a:t>&lt;input&gt; with binding </a:t>
-            </a:r>
-            <a:r>
-              <a:rPr lang="en-GB" dirty="0" err="1"/>
-              <a:t>ng</a:t>
-            </a:r>
-            <a:r>
-              <a:rPr lang="en-GB" dirty="0"/>
-              <a:t>-model</a:t>
-            </a:r>
-          </a:p>
-          <a:p>
-            <a:endParaRPr lang="en-GB" dirty="0"/>
-          </a:p>
-        </p:txBody>
-      </p:sp>
-    </p:spTree>
-    <p:extLst>
-      <p:ext uri="{BB962C8B-B14F-4D97-AF65-F5344CB8AC3E}">
-        <p14:creationId xmlns:p14="http://schemas.microsoft.com/office/powerpoint/2010/main" val="131312719"/>
-      </p:ext>
-    </p:extLst>
-  </p:cSld>
-  <p:clrMapOvr>
-    <a:masterClrMapping/>
-  </p:clrMapOvr>
-</p:sld>
-</file>
-
-<file path=ppt/slides/slide8.xml><?xml version="1.0" encoding="utf-8"?>
-<p:sld xmlns:a="http://schemas.openxmlformats.org/drawingml/2006/main" xmlns:r="http://schemas.openxmlformats.org/officeDocument/2006/relationships" xmlns:p="http://schemas.openxmlformats.org/presentationml/2006/main">
-  <p:cSld>
-    <p:spTree>
-      <p:nvGrpSpPr>
-        <p:cNvPr id="1" name=""/>
-        <p:cNvGrpSpPr/>
-        <p:nvPr/>
-      </p:nvGrpSpPr>
-      <p:grpSpPr>
-        <a:xfrm>
-          <a:off x="0" y="0"/>
-          <a:ext cx="0" cy="0"/>
-          <a:chOff x="0" y="0"/>
-          <a:chExt cx="0" cy="0"/>
-        </a:xfrm>
-      </p:grpSpPr>
-      <p:sp>
-        <p:nvSpPr>
-          <p:cNvPr id="2" name="Espace réservé du contenu 1"/>
-          <p:cNvSpPr>
-            <a:spLocks noGrp="1"/>
-          </p:cNvSpPr>
-          <p:nvPr>
-            <p:ph idx="1"/>
-          </p:nvPr>
-        </p:nvSpPr>
-        <p:spPr/>
-        <p:txBody>
-          <a:bodyPr/>
-          <a:lstStyle/>
-          <a:p>
-            <a:endParaRPr lang="en-US"/>
-          </a:p>
-        </p:txBody>
-      </p:sp>
-      <p:sp>
-        <p:nvSpPr>
-          <p:cNvPr id="3" name="Titre 2"/>
-          <p:cNvSpPr>
-            <a:spLocks noGrp="1"/>
-          </p:cNvSpPr>
-          <p:nvPr>
-            <p:ph type="title"/>
-          </p:nvPr>
-        </p:nvSpPr>
-        <p:spPr/>
-        <p:txBody>
-          <a:bodyPr/>
-          <a:lstStyle/>
-          <a:p>
-            <a:endParaRPr lang="en-US"/>
-          </a:p>
-        </p:txBody>
-      </p:sp>
-      <p:sp>
-        <p:nvSpPr>
-          <p:cNvPr id="4" name="Espace réservé du pied de page 3"/>
-          <p:cNvSpPr>
-            <a:spLocks noGrp="1"/>
-          </p:cNvSpPr>
-          <p:nvPr>
-            <p:ph type="ftr" sz="quarter" idx="11"/>
-          </p:nvPr>
-        </p:nvSpPr>
-        <p:spPr/>
-        <p:txBody>
-          <a:bodyPr/>
-          <a:lstStyle/>
-          <a:p>
-            <a:endParaRPr lang="fr-FR" dirty="0"/>
-          </a:p>
-        </p:txBody>
-      </p:sp>
-      <p:sp>
-        <p:nvSpPr>
-          <p:cNvPr id="5" name="Espace réservé du numéro de diapositive 4"/>
-          <p:cNvSpPr>
-            <a:spLocks noGrp="1"/>
-          </p:cNvSpPr>
-          <p:nvPr>
-            <p:ph type="sldNum" sz="quarter" idx="12"/>
-          </p:nvPr>
-        </p:nvSpPr>
-        <p:spPr/>
-        <p:txBody>
-          <a:bodyPr/>
-          <a:lstStyle/>
-          <a:p>
-            <a:fld id="{AF43E6FD-AB27-4108-A2FC-346BB5F75E3F}" type="slidenum">
-              <a:rPr lang="fr-FR" smtClean="0"/>
-              <a:pPr/>
-              <a:t>8</a:t>
             </a:fld>
             <a:endParaRPr lang="fr-FR" dirty="0"/>
           </a:p>
@@ -14771,6 +13221,208 @@
   <p:clrMapOvr>
     <a:masterClrMapping/>
   </p:clrMapOvr>
+  <p:timing>
+    <p:tnLst>
+      <p:par>
+        <p:cTn id="1" dur="indefinite" restart="never" nodeType="tmRoot"/>
+      </p:par>
+    </p:tnLst>
+  </p:timing>
+</p:sld>
+</file>
+
+<file path=ppt/slides/slide8.xml><?xml version="1.0" encoding="utf-8"?>
+<p:sld xmlns:a="http://schemas.openxmlformats.org/drawingml/2006/main" xmlns:r="http://schemas.openxmlformats.org/officeDocument/2006/relationships" xmlns:p="http://schemas.openxmlformats.org/presentationml/2006/main">
+  <p:cSld>
+    <p:spTree>
+      <p:nvGrpSpPr>
+        <p:cNvPr id="1" name=""/>
+        <p:cNvGrpSpPr/>
+        <p:nvPr/>
+      </p:nvGrpSpPr>
+      <p:grpSpPr>
+        <a:xfrm>
+          <a:off x="0" y="0"/>
+          <a:ext cx="0" cy="0"/>
+          <a:chOff x="0" y="0"/>
+          <a:chExt cx="0" cy="0"/>
+        </a:xfrm>
+      </p:grpSpPr>
+      <p:sp>
+        <p:nvSpPr>
+          <p:cNvPr id="3" name="Titre 2"/>
+          <p:cNvSpPr>
+            <a:spLocks noGrp="1"/>
+          </p:cNvSpPr>
+          <p:nvPr>
+            <p:ph type="title"/>
+          </p:nvPr>
+        </p:nvSpPr>
+        <p:spPr/>
+        <p:txBody>
+          <a:bodyPr/>
+          <a:lstStyle/>
+          <a:p>
+            <a:r>
+              <a:rPr lang="fr-FR" dirty="0" err="1"/>
+              <a:t>Bindings</a:t>
+            </a:r>
+            <a:r>
+              <a:rPr lang="fr-FR" dirty="0"/>
+              <a:t> </a:t>
+            </a:r>
+            <a:r>
+              <a:rPr lang="fr-FR" dirty="0" err="1"/>
+              <a:t>exercise</a:t>
+            </a:r>
+            <a:endParaRPr lang="en-GB" dirty="0"/>
+          </a:p>
+        </p:txBody>
+      </p:sp>
+      <p:sp>
+        <p:nvSpPr>
+          <p:cNvPr id="2" name="Espace réservé du pied de page 1"/>
+          <p:cNvSpPr>
+            <a:spLocks noGrp="1"/>
+          </p:cNvSpPr>
+          <p:nvPr>
+            <p:ph type="ftr" sz="quarter" idx="11"/>
+          </p:nvPr>
+        </p:nvSpPr>
+        <p:spPr/>
+        <p:txBody>
+          <a:bodyPr/>
+          <a:lstStyle/>
+          <a:p>
+            <a:r>
+              <a:rPr lang="fr-FR"/>
+              <a:t>Nom de la présentation</a:t>
+            </a:r>
+            <a:endParaRPr lang="fr-FR" dirty="0"/>
+          </a:p>
+        </p:txBody>
+      </p:sp>
+      <p:sp>
+        <p:nvSpPr>
+          <p:cNvPr id="5" name="Espace réservé du numéro de diapositive 4"/>
+          <p:cNvSpPr>
+            <a:spLocks noGrp="1"/>
+          </p:cNvSpPr>
+          <p:nvPr>
+            <p:ph type="sldNum" sz="quarter" idx="12"/>
+          </p:nvPr>
+        </p:nvSpPr>
+        <p:spPr/>
+        <p:txBody>
+          <a:bodyPr/>
+          <a:lstStyle/>
+          <a:p>
+            <a:fld id="{AF43E6FD-AB27-4108-A2FC-346BB5F75E3F}" type="slidenum">
+              <a:rPr lang="fr-FR" smtClean="0"/>
+              <a:pPr/>
+              <a:t>8</a:t>
+            </a:fld>
+            <a:endParaRPr lang="fr-FR" dirty="0"/>
+          </a:p>
+        </p:txBody>
+      </p:sp>
+      <p:pic>
+        <p:nvPicPr>
+          <p:cNvPr id="8" name="Espace réservé pour une image  9" descr="Fotolia_42179448_S.jpg"/>
+          <p:cNvPicPr>
+            <a:picLocks noGrp="1" noChangeAspect="1"/>
+          </p:cNvPicPr>
+          <p:nvPr>
+            <p:ph type="pic" sz="quarter" idx="13"/>
+          </p:nvPr>
+        </p:nvPicPr>
+        <p:blipFill>
+          <a:blip r:embed="rId3"/>
+          <a:srcRect l="5409" r="5409"/>
+          <a:stretch>
+            <a:fillRect/>
+          </a:stretch>
+        </p:blipFill>
+        <p:spPr/>
+      </p:pic>
+      <p:sp>
+        <p:nvSpPr>
+          <p:cNvPr id="13" name="Espace réservé du contenu 12"/>
+          <p:cNvSpPr>
+            <a:spLocks noGrp="1"/>
+          </p:cNvSpPr>
+          <p:nvPr>
+            <p:ph idx="1"/>
+          </p:nvPr>
+        </p:nvSpPr>
+        <p:spPr/>
+        <p:txBody>
+          <a:bodyPr/>
+          <a:lstStyle/>
+          <a:p>
+            <a:r>
+              <a:rPr lang="en-GB" dirty="0"/>
+              <a:t>Exercise 1:</a:t>
+            </a:r>
+          </a:p>
+          <a:p>
+            <a:pPr lvl="1"/>
+            <a:r>
+              <a:rPr lang="en-GB" dirty="0"/>
+              <a:t>Hello world  binding </a:t>
+            </a:r>
+            <a:r>
+              <a:rPr lang="en-GB" dirty="0" err="1"/>
+              <a:t>ng</a:t>
+            </a:r>
+            <a:r>
+              <a:rPr lang="en-GB" dirty="0"/>
+              <a:t>-app</a:t>
+            </a:r>
+          </a:p>
+          <a:p>
+            <a:r>
+              <a:rPr lang="en-GB" dirty="0"/>
+              <a:t>Exercise 2:</a:t>
+            </a:r>
+          </a:p>
+          <a:p>
+            <a:pPr lvl="1"/>
+            <a:r>
+              <a:rPr lang="en-GB" dirty="0"/>
+              <a:t>&lt;input&gt; with binding </a:t>
+            </a:r>
+            <a:r>
+              <a:rPr lang="en-GB" dirty="0" err="1"/>
+              <a:t>ng</a:t>
+            </a:r>
+            <a:r>
+              <a:rPr lang="en-GB" dirty="0"/>
+              <a:t>-model</a:t>
+            </a:r>
+          </a:p>
+          <a:p>
+            <a:endParaRPr lang="en-GB" dirty="0"/>
+          </a:p>
+        </p:txBody>
+      </p:sp>
+    </p:spTree>
+    <p:extLst>
+      <p:ext uri="{BB962C8B-B14F-4D97-AF65-F5344CB8AC3E}">
+        <p14:creationId xmlns:p14="http://schemas.microsoft.com/office/powerpoint/2010/main" val="131312719"/>
+      </p:ext>
+    </p:extLst>
+  </p:cSld>
+  <p:clrMapOvr>
+    <a:masterClrMapping/>
+  </p:clrMapOvr>
+  <p:timing>
+    <p:tnLst>
+      <p:par>
+        <p:cTn id="1" dur="indefinite" restart="never" nodeType="tmRoot"/>
+      </p:par>
+    </p:tnLst>
+  </p:timing>
 </p:sld>
 </file>
 
@@ -14801,100 +13453,61 @@
             <p:ph idx="1"/>
           </p:nvPr>
         </p:nvSpPr>
-        <p:spPr>
-          <a:xfrm>
-            <a:off x="515938" y="1484312"/>
-            <a:ext cx="8383513" cy="4681537"/>
-          </a:xfrm>
-        </p:spPr>
-        <p:txBody>
-          <a:bodyPr/>
-          <a:lstStyle/>
-          <a:p>
-            <a:r>
-              <a:rPr lang="en-GB" sz="1800" dirty="0"/>
-              <a:t>By default Angular does not propose a complete dependency management.</a:t>
-            </a:r>
-          </a:p>
-          <a:p>
-            <a:pPr lvl="1"/>
-            <a:r>
-              <a:rPr lang="en-GB" sz="1600" dirty="0"/>
-              <a:t>=&gt; your index.html  should  import all  *.js and *.css files explicitly</a:t>
-            </a:r>
-          </a:p>
-          <a:p>
-            <a:pPr lvl="1"/>
-            <a:r>
-              <a:rPr lang="en-GB" sz="1600" dirty="0"/>
-              <a:t>=&gt;Within an IDE :  inside  a </a:t>
-            </a:r>
-            <a:r>
-              <a:rPr lang="en-GB" sz="1600" dirty="0" err="1"/>
-              <a:t>js</a:t>
-            </a:r>
-            <a:r>
-              <a:rPr lang="en-GB" sz="1600" dirty="0"/>
-              <a:t>  file there is no way to know if another </a:t>
-            </a:r>
-            <a:r>
-              <a:rPr lang="en-GB" sz="1600" dirty="0" err="1"/>
-              <a:t>js</a:t>
-            </a:r>
-            <a:r>
-              <a:rPr lang="en-GB" sz="1600" dirty="0"/>
-              <a:t> file is visible</a:t>
-            </a:r>
-          </a:p>
-          <a:p>
-            <a:pPr lvl="1"/>
-            <a:r>
-              <a:rPr lang="en-GB" sz="1600" dirty="0"/>
-              <a:t>the Angular modules offers hierarchical dependencies to activate features but files must already </a:t>
-            </a:r>
-            <a:r>
-              <a:rPr lang="en-GB" sz="1600"/>
-              <a:t>be present</a:t>
-            </a:r>
-            <a:endParaRPr lang="en-GB" sz="1600" dirty="0"/>
-          </a:p>
-          <a:p>
-            <a:r>
-              <a:rPr lang="en-GB" sz="1800" dirty="0"/>
-              <a:t>This problem is solved in Angular 2.0</a:t>
-            </a:r>
-          </a:p>
-          <a:p>
-            <a:endParaRPr lang="en-GB" sz="1800" dirty="0"/>
-          </a:p>
-          <a:p>
-            <a:r>
-              <a:rPr lang="en-GB" sz="1800" dirty="0"/>
-              <a:t>Note : framework managing dependencies : </a:t>
-            </a:r>
-          </a:p>
-          <a:p>
-            <a:pPr lvl="1"/>
-            <a:r>
-              <a:rPr lang="en-GB" sz="1600" dirty="0" err="1"/>
-              <a:t>RequireJS</a:t>
-            </a:r>
-            <a:endParaRPr lang="en-GB" sz="1600" dirty="0"/>
-          </a:p>
-          <a:p>
-            <a:pPr lvl="1"/>
-            <a:r>
-              <a:rPr lang="en-GB" sz="1600" dirty="0" err="1"/>
-              <a:t>CommonJS</a:t>
-            </a:r>
-            <a:endParaRPr lang="en-GB" sz="1600" dirty="0"/>
-          </a:p>
-          <a:p>
-            <a:pPr lvl="1"/>
-            <a:r>
-              <a:rPr lang="en-GB" sz="1600" dirty="0"/>
-              <a:t>ES2015 module</a:t>
-            </a:r>
+        <p:spPr/>
+        <p:txBody>
+          <a:bodyPr/>
+          <a:lstStyle/>
+          <a:p>
+            <a:pPr fontAlgn="base"/>
+            <a:endParaRPr lang="fr-FR" b="1" cap="all" dirty="0"/>
+          </a:p>
+          <a:p>
+            <a:pPr fontAlgn="base"/>
+            <a:endParaRPr lang="fr-FR" dirty="0"/>
+          </a:p>
+          <a:p>
+            <a:pPr fontAlgn="base"/>
+            <a:r>
+              <a:rPr lang="fr-FR" dirty="0"/>
+              <a:t>Comment est évaluée l'expression {{ hello }} </a:t>
+            </a:r>
+            <a:r>
+              <a:rPr lang="fr-FR" dirty="0" smtClean="0"/>
+              <a:t>?</a:t>
+            </a:r>
+          </a:p>
+          <a:p>
+            <a:pPr fontAlgn="base"/>
+            <a:r>
+              <a:rPr lang="fr-FR" dirty="0" err="1" smtClean="0"/>
+              <a:t>AngularJS</a:t>
+            </a:r>
+            <a:r>
+              <a:rPr lang="fr-FR" dirty="0" smtClean="0"/>
+              <a:t> </a:t>
+            </a:r>
+            <a:r>
+              <a:rPr lang="fr-FR" dirty="0"/>
+              <a:t>va chercher un attribut nommé 'hello' dans l'objet scope, si celui-ci est trouvé alors la valeur de l'attribut sera affichée sinon une chaîne de caractères vide.</a:t>
+            </a:r>
+          </a:p>
+          <a:p>
+            <a:pPr fontAlgn="base"/>
+            <a:r>
+              <a:rPr lang="fr-FR" dirty="0"/>
+              <a:t>Le scope est ainsi utilisé pour initialiser des valeurs ou récupérer les valeurs modifiées par un utilisateur </a:t>
+            </a:r>
+            <a:r>
+              <a:rPr lang="fr-FR" dirty="0" smtClean="0"/>
+              <a:t>(double </a:t>
+            </a:r>
+            <a:r>
+              <a:rPr lang="fr-FR" dirty="0"/>
+              <a:t>data binding).</a:t>
+            </a:r>
+          </a:p>
+          <a:p>
+            <a:endParaRPr lang="en-US" dirty="0"/>
           </a:p>
         </p:txBody>
       </p:sp>
@@ -14914,9 +13527,10 @@
           <a:lstStyle/>
           <a:p>
             <a:r>
-              <a:rPr lang="en-GB" dirty="0"/>
-              <a:t>Dependencies</a:t>
-            </a:r>
+              <a:rPr lang="fr-FR" dirty="0"/>
+              <a:t>SCOPE</a:t>
+            </a:r>
+            <a:endParaRPr lang="en-US" dirty="0"/>
           </a:p>
         </p:txBody>
       </p:sp>
@@ -14978,15 +13592,55 @@
           <a:bodyPr/>
           <a:lstStyle/>
           <a:p>
-            <a:endParaRPr lang="en-GB"/>
-          </a:p>
-        </p:txBody>
-      </p:sp>
+            <a:endParaRPr lang="en-US"/>
+          </a:p>
+        </p:txBody>
+      </p:sp>
+      <p:pic>
+        <p:nvPicPr>
+          <p:cNvPr id="4098" name="Picture 2"/>
+          <p:cNvPicPr>
+            <a:picLocks noChangeAspect="1" noChangeArrowheads="1"/>
+          </p:cNvPicPr>
+          <p:nvPr/>
+        </p:nvPicPr>
+        <p:blipFill>
+          <a:blip r:embed="rId2"/>
+          <a:srcRect/>
+          <a:stretch>
+            <a:fillRect/>
+          </a:stretch>
+        </p:blipFill>
+        <p:spPr bwMode="auto">
+          <a:xfrm>
+            <a:off x="1885950" y="1766888"/>
+            <a:ext cx="4248150" cy="561975"/>
+          </a:xfrm>
+          <a:prstGeom prst="rect">
+            <a:avLst/>
+          </a:prstGeom>
+          <a:noFill/>
+          <a:ln w="9525">
+            <a:noFill/>
+            <a:miter lim="800000"/>
+            <a:headEnd/>
+            <a:tailEnd/>
+          </a:ln>
+          <a:effectLst/>
+        </p:spPr>
+      </p:pic>
     </p:spTree>
   </p:cSld>
   <p:clrMapOvr>
     <a:masterClrMapping/>
   </p:clrMapOvr>
+  <p:timing>
+    <p:tnLst>
+      <p:par>
+        <p:cTn id="1" dur="indefinite" restart="never" nodeType="tmRoot"/>
+      </p:par>
+    </p:tnLst>
+  </p:timing>
 </p:sld>
 </file>
 
